--- a/diagrams.pptx
+++ b/diagrams.pptx
@@ -6,6 +6,9 @@
   </p:sldMasterIdLst>
   <p:sldIdLst>
     <p:sldId id="257" r:id="rId2"/>
+    <p:sldId id="258" r:id="rId3"/>
+    <p:sldId id="259" r:id="rId4"/>
+    <p:sldId id="260" r:id="rId5"/>
   </p:sldIdLst>
   <p:sldSz cx="12192000" cy="6858000"/>
   <p:notesSz cx="6858000" cy="9144000"/>
@@ -104,6 +107,11 @@
       </a:defRPr>
     </a:lvl9pPr>
   </p:defaultTextStyle>
+  <p:extLst>
+    <p:ext uri="{EFAFB233-063F-42B5-8137-9DF3F51BA10A}">
+      <p15:sldGuideLst xmlns:p15="http://schemas.microsoft.com/office/powerpoint/2012/main"/>
+    </p:ext>
+  </p:extLst>
 </p:presentation>
 </file>
 
@@ -256,7 +264,7 @@
           <a:p>
             <a:fld id="{66274A15-9DCD-41C0-96A1-0B461DBEE879}" type="datetimeFigureOut">
               <a:rPr lang="en-AU" smtClean="0"/>
-              <a:t>17/04/2018</a:t>
+              <a:t>25/6/18</a:t>
             </a:fld>
             <a:endParaRPr lang="en-AU"/>
           </a:p>
@@ -456,7 +464,7 @@
           <a:p>
             <a:fld id="{66274A15-9DCD-41C0-96A1-0B461DBEE879}" type="datetimeFigureOut">
               <a:rPr lang="en-AU" smtClean="0"/>
-              <a:t>17/04/2018</a:t>
+              <a:t>25/6/18</a:t>
             </a:fld>
             <a:endParaRPr lang="en-AU"/>
           </a:p>
@@ -666,7 +674,7 @@
           <a:p>
             <a:fld id="{66274A15-9DCD-41C0-96A1-0B461DBEE879}" type="datetimeFigureOut">
               <a:rPr lang="en-AU" smtClean="0"/>
-              <a:t>17/04/2018</a:t>
+              <a:t>25/6/18</a:t>
             </a:fld>
             <a:endParaRPr lang="en-AU"/>
           </a:p>
@@ -866,7 +874,7 @@
           <a:p>
             <a:fld id="{66274A15-9DCD-41C0-96A1-0B461DBEE879}" type="datetimeFigureOut">
               <a:rPr lang="en-AU" smtClean="0"/>
-              <a:t>17/04/2018</a:t>
+              <a:t>25/6/18</a:t>
             </a:fld>
             <a:endParaRPr lang="en-AU"/>
           </a:p>
@@ -1142,7 +1150,7 @@
           <a:p>
             <a:fld id="{66274A15-9DCD-41C0-96A1-0B461DBEE879}" type="datetimeFigureOut">
               <a:rPr lang="en-AU" smtClean="0"/>
-              <a:t>17/04/2018</a:t>
+              <a:t>25/6/18</a:t>
             </a:fld>
             <a:endParaRPr lang="en-AU"/>
           </a:p>
@@ -1410,7 +1418,7 @@
           <a:p>
             <a:fld id="{66274A15-9DCD-41C0-96A1-0B461DBEE879}" type="datetimeFigureOut">
               <a:rPr lang="en-AU" smtClean="0"/>
-              <a:t>17/04/2018</a:t>
+              <a:t>25/6/18</a:t>
             </a:fld>
             <a:endParaRPr lang="en-AU"/>
           </a:p>
@@ -1825,7 +1833,7 @@
           <a:p>
             <a:fld id="{66274A15-9DCD-41C0-96A1-0B461DBEE879}" type="datetimeFigureOut">
               <a:rPr lang="en-AU" smtClean="0"/>
-              <a:t>17/04/2018</a:t>
+              <a:t>25/6/18</a:t>
             </a:fld>
             <a:endParaRPr lang="en-AU"/>
           </a:p>
@@ -1967,7 +1975,7 @@
           <a:p>
             <a:fld id="{66274A15-9DCD-41C0-96A1-0B461DBEE879}" type="datetimeFigureOut">
               <a:rPr lang="en-AU" smtClean="0"/>
-              <a:t>17/04/2018</a:t>
+              <a:t>25/6/18</a:t>
             </a:fld>
             <a:endParaRPr lang="en-AU"/>
           </a:p>
@@ -2080,7 +2088,7 @@
           <a:p>
             <a:fld id="{66274A15-9DCD-41C0-96A1-0B461DBEE879}" type="datetimeFigureOut">
               <a:rPr lang="en-AU" smtClean="0"/>
-              <a:t>17/04/2018</a:t>
+              <a:t>25/6/18</a:t>
             </a:fld>
             <a:endParaRPr lang="en-AU"/>
           </a:p>
@@ -2393,7 +2401,7 @@
           <a:p>
             <a:fld id="{66274A15-9DCD-41C0-96A1-0B461DBEE879}" type="datetimeFigureOut">
               <a:rPr lang="en-AU" smtClean="0"/>
-              <a:t>17/04/2018</a:t>
+              <a:t>25/6/18</a:t>
             </a:fld>
             <a:endParaRPr lang="en-AU"/>
           </a:p>
@@ -2682,7 +2690,7 @@
           <a:p>
             <a:fld id="{66274A15-9DCD-41C0-96A1-0B461DBEE879}" type="datetimeFigureOut">
               <a:rPr lang="en-AU" smtClean="0"/>
-              <a:t>17/04/2018</a:t>
+              <a:t>25/6/18</a:t>
             </a:fld>
             <a:endParaRPr lang="en-AU"/>
           </a:p>
@@ -2925,7 +2933,7 @@
           <a:p>
             <a:fld id="{66274A15-9DCD-41C0-96A1-0B461DBEE879}" type="datetimeFigureOut">
               <a:rPr lang="en-AU" smtClean="0"/>
-              <a:t>17/04/2018</a:t>
+              <a:t>25/6/18</a:t>
             </a:fld>
             <a:endParaRPr lang="en-AU"/>
           </a:p>
@@ -6171,65 +6179,6 @@
       </p:sp>
       <p:sp>
         <p:nvSpPr>
-          <p:cNvPr id="77" name="Rounded Rectangle 69">
-            <a:extLst>
-              <a:ext uri="{FF2B5EF4-FFF2-40B4-BE49-F238E27FC236}">
-                <a16:creationId xmlns:a16="http://schemas.microsoft.com/office/drawing/2014/main" id="{6065DD64-F3E0-44D2-93DD-DFE8693FE38E}"/>
-              </a:ext>
-            </a:extLst>
-          </p:cNvPr>
-          <p:cNvSpPr/>
-          <p:nvPr/>
-        </p:nvSpPr>
-        <p:spPr>
-          <a:xfrm>
-            <a:off x="3191942" y="2349463"/>
-            <a:ext cx="1248936" cy="657922"/>
-          </a:xfrm>
-          <a:prstGeom prst="roundRect">
-            <a:avLst/>
-          </a:prstGeom>
-          <a:noFill/>
-          <a:ln>
-            <a:solidFill>
-              <a:schemeClr val="tx1"/>
-            </a:solidFill>
-          </a:ln>
-        </p:spPr>
-        <p:style>
-          <a:lnRef idx="2">
-            <a:schemeClr val="accent1">
-              <a:shade val="50000"/>
-            </a:schemeClr>
-          </a:lnRef>
-          <a:fillRef idx="1">
-            <a:schemeClr val="accent1"/>
-          </a:fillRef>
-          <a:effectRef idx="0">
-            <a:schemeClr val="accent1"/>
-          </a:effectRef>
-          <a:fontRef idx="minor">
-            <a:schemeClr val="lt1"/>
-          </a:fontRef>
-        </p:style>
-        <p:txBody>
-          <a:bodyPr rtlCol="0" anchor="ctr"/>
-          <a:lstStyle/>
-          <a:p>
-            <a:pPr algn="ctr"/>
-            <a:r>
-              <a:rPr lang="en-US" sz="1200">
-                <a:solidFill>
-                  <a:schemeClr val="tx1"/>
-                </a:solidFill>
-              </a:rPr>
-              <a:t>Implementation Resource Type</a:t>
-            </a:r>
-          </a:p>
-        </p:txBody>
-      </p:sp>
-      <p:sp>
-        <p:nvSpPr>
           <p:cNvPr id="78" name="Rounded Rectangle 63">
             <a:extLst>
               <a:ext uri="{FF2B5EF4-FFF2-40B4-BE49-F238E27FC236}">
@@ -6793,6 +6742,6270 @@
     <p:extLst>
       <p:ext uri="{BB962C8B-B14F-4D97-AF65-F5344CB8AC3E}">
         <p14:creationId xmlns:p14="http://schemas.microsoft.com/office/powerpoint/2010/main" val="2155823205"/>
+      </p:ext>
+    </p:extLst>
+  </p:cSld>
+  <p:clrMapOvr>
+    <a:masterClrMapping/>
+  </p:clrMapOvr>
+</p:sld>
+</file>
+
+<file path=ppt/slides/slide2.xml><?xml version="1.0" encoding="utf-8"?>
+<p:sld xmlns:a="http://schemas.openxmlformats.org/drawingml/2006/main" xmlns:r="http://schemas.openxmlformats.org/officeDocument/2006/relationships" xmlns:p="http://schemas.openxmlformats.org/presentationml/2006/main">
+  <p:cSld>
+    <p:spTree>
+      <p:nvGrpSpPr>
+        <p:cNvPr id="1" name=""/>
+        <p:cNvGrpSpPr/>
+        <p:nvPr/>
+      </p:nvGrpSpPr>
+      <p:grpSpPr>
+        <a:xfrm>
+          <a:off x="0" y="0"/>
+          <a:ext cx="0" cy="0"/>
+          <a:chOff x="0" y="0"/>
+          <a:chExt cx="0" cy="0"/>
+        </a:xfrm>
+      </p:grpSpPr>
+      <p:sp>
+        <p:nvSpPr>
+          <p:cNvPr id="2" name="Rounded Rectangle 1">
+            <a:extLst>
+              <a:ext uri="{FF2B5EF4-FFF2-40B4-BE49-F238E27FC236}">
+                <a16:creationId xmlns:a16="http://schemas.microsoft.com/office/drawing/2014/main" id="{3EE5D3C4-33AF-4F47-BAAF-D8E47DFD6F08}"/>
+              </a:ext>
+            </a:extLst>
+          </p:cNvPr>
+          <p:cNvSpPr/>
+          <p:nvPr/>
+        </p:nvSpPr>
+        <p:spPr>
+          <a:xfrm>
+            <a:off x="2848142" y="1750352"/>
+            <a:ext cx="1248936" cy="657922"/>
+          </a:xfrm>
+          <a:prstGeom prst="roundRect">
+            <a:avLst/>
+          </a:prstGeom>
+          <a:pattFill prst="openDmnd">
+            <a:fgClr>
+              <a:schemeClr val="bg1">
+                <a:lumMod val="85000"/>
+              </a:schemeClr>
+            </a:fgClr>
+            <a:bgClr>
+              <a:schemeClr val="bg1"/>
+            </a:bgClr>
+          </a:pattFill>
+          <a:ln>
+            <a:solidFill>
+              <a:schemeClr val="tx1"/>
+            </a:solidFill>
+          </a:ln>
+        </p:spPr>
+        <p:style>
+          <a:lnRef idx="2">
+            <a:schemeClr val="accent1">
+              <a:shade val="50000"/>
+            </a:schemeClr>
+          </a:lnRef>
+          <a:fillRef idx="1">
+            <a:schemeClr val="accent1"/>
+          </a:fillRef>
+          <a:effectRef idx="0">
+            <a:schemeClr val="accent1"/>
+          </a:effectRef>
+          <a:fontRef idx="minor">
+            <a:schemeClr val="lt1"/>
+          </a:fontRef>
+        </p:style>
+        <p:txBody>
+          <a:bodyPr rtlCol="0" anchor="ctr"/>
+          <a:lstStyle/>
+          <a:p>
+            <a:pPr algn="ctr"/>
+            <a:r>
+              <a:rPr lang="en-US" sz="1200">
+                <a:solidFill>
+                  <a:schemeClr val="tx1"/>
+                </a:solidFill>
+              </a:rPr>
+              <a:t>foaf:</a:t>
+            </a:r>
+            <a:br>
+              <a:rPr lang="en-US" sz="1200">
+                <a:solidFill>
+                  <a:schemeClr val="tx1"/>
+                </a:solidFill>
+              </a:rPr>
+            </a:br>
+            <a:r>
+              <a:rPr lang="en-US" sz="1200">
+                <a:solidFill>
+                  <a:schemeClr val="tx1"/>
+                </a:solidFill>
+              </a:rPr>
+              <a:t>Agent</a:t>
+            </a:r>
+          </a:p>
+        </p:txBody>
+      </p:sp>
+      <p:sp>
+        <p:nvSpPr>
+          <p:cNvPr id="3" name="Rounded Rectangle 2">
+            <a:extLst>
+              <a:ext uri="{FF2B5EF4-FFF2-40B4-BE49-F238E27FC236}">
+                <a16:creationId xmlns:a16="http://schemas.microsoft.com/office/drawing/2014/main" id="{5EC50BF2-1BD4-FA40-AB46-A70BE8451F6B}"/>
+              </a:ext>
+            </a:extLst>
+          </p:cNvPr>
+          <p:cNvSpPr/>
+          <p:nvPr/>
+        </p:nvSpPr>
+        <p:spPr>
+          <a:xfrm>
+            <a:off x="8981415" y="2767275"/>
+            <a:ext cx="1248936" cy="657922"/>
+          </a:xfrm>
+          <a:prstGeom prst="roundRect">
+            <a:avLst/>
+          </a:prstGeom>
+          <a:pattFill prst="openDmnd">
+            <a:fgClr>
+              <a:schemeClr val="bg1">
+                <a:lumMod val="85000"/>
+              </a:schemeClr>
+            </a:fgClr>
+            <a:bgClr>
+              <a:schemeClr val="bg1"/>
+            </a:bgClr>
+          </a:pattFill>
+          <a:ln>
+            <a:solidFill>
+              <a:schemeClr val="tx1"/>
+            </a:solidFill>
+          </a:ln>
+        </p:spPr>
+        <p:style>
+          <a:lnRef idx="2">
+            <a:schemeClr val="accent1">
+              <a:shade val="50000"/>
+            </a:schemeClr>
+          </a:lnRef>
+          <a:fillRef idx="1">
+            <a:schemeClr val="accent1"/>
+          </a:fillRef>
+          <a:effectRef idx="0">
+            <a:schemeClr val="accent1"/>
+          </a:effectRef>
+          <a:fontRef idx="minor">
+            <a:schemeClr val="lt1"/>
+          </a:fontRef>
+        </p:style>
+        <p:txBody>
+          <a:bodyPr rtlCol="0" anchor="ctr"/>
+          <a:lstStyle/>
+          <a:p>
+            <a:pPr algn="ctr"/>
+            <a:r>
+              <a:rPr lang="en-US" sz="1200">
+                <a:solidFill>
+                  <a:schemeClr val="tx1"/>
+                </a:solidFill>
+              </a:rPr>
+              <a:t>dcat:</a:t>
+            </a:r>
+            <a:br>
+              <a:rPr lang="en-US" sz="1200">
+                <a:solidFill>
+                  <a:schemeClr val="tx1"/>
+                </a:solidFill>
+              </a:rPr>
+            </a:br>
+            <a:r>
+              <a:rPr lang="en-US" sz="1200">
+                <a:solidFill>
+                  <a:schemeClr val="tx1"/>
+                </a:solidFill>
+              </a:rPr>
+              <a:t>Distribution</a:t>
+            </a:r>
+          </a:p>
+        </p:txBody>
+      </p:sp>
+      <p:cxnSp>
+        <p:nvCxnSpPr>
+          <p:cNvPr id="4" name="Straight Arrow Connector 3">
+            <a:extLst>
+              <a:ext uri="{FF2B5EF4-FFF2-40B4-BE49-F238E27FC236}">
+                <a16:creationId xmlns:a16="http://schemas.microsoft.com/office/drawing/2014/main" id="{9C50E0C5-A46A-0F4B-8F73-58584BFB493F}"/>
+              </a:ext>
+            </a:extLst>
+          </p:cNvPr>
+          <p:cNvCxnSpPr>
+            <a:cxnSpLocks/>
+            <a:stCxn id="5" idx="3"/>
+            <a:endCxn id="3" idx="1"/>
+          </p:cNvCxnSpPr>
+          <p:nvPr/>
+        </p:nvCxnSpPr>
+        <p:spPr>
+          <a:xfrm>
+            <a:off x="7687448" y="3096236"/>
+            <a:ext cx="1293967" cy="0"/>
+          </a:xfrm>
+          <a:prstGeom prst="straightConnector1">
+            <a:avLst/>
+          </a:prstGeom>
+          <a:ln>
+            <a:solidFill>
+              <a:schemeClr val="tx1"/>
+            </a:solidFill>
+            <a:headEnd type="none" w="med" len="med"/>
+            <a:tailEnd type="arrow" w="med" len="med"/>
+          </a:ln>
+        </p:spPr>
+        <p:style>
+          <a:lnRef idx="1">
+            <a:schemeClr val="accent1"/>
+          </a:lnRef>
+          <a:fillRef idx="0">
+            <a:schemeClr val="accent1"/>
+          </a:fillRef>
+          <a:effectRef idx="0">
+            <a:schemeClr val="accent1"/>
+          </a:effectRef>
+          <a:fontRef idx="minor">
+            <a:schemeClr val="tx1"/>
+          </a:fontRef>
+        </p:style>
+      </p:cxnSp>
+      <p:sp>
+        <p:nvSpPr>
+          <p:cNvPr id="5" name="Rounded Rectangle 4">
+            <a:extLst>
+              <a:ext uri="{FF2B5EF4-FFF2-40B4-BE49-F238E27FC236}">
+                <a16:creationId xmlns:a16="http://schemas.microsoft.com/office/drawing/2014/main" id="{2FCCD6C3-502D-0B4D-88FE-C1CDB3827318}"/>
+              </a:ext>
+            </a:extLst>
+          </p:cNvPr>
+          <p:cNvSpPr/>
+          <p:nvPr/>
+        </p:nvSpPr>
+        <p:spPr>
+          <a:xfrm>
+            <a:off x="6438512" y="2767275"/>
+            <a:ext cx="1248936" cy="657922"/>
+          </a:xfrm>
+          <a:prstGeom prst="roundRect">
+            <a:avLst/>
+          </a:prstGeom>
+          <a:pattFill prst="openDmnd">
+            <a:fgClr>
+              <a:schemeClr val="bg1">
+                <a:lumMod val="85000"/>
+              </a:schemeClr>
+            </a:fgClr>
+            <a:bgClr>
+              <a:schemeClr val="bg1"/>
+            </a:bgClr>
+          </a:pattFill>
+          <a:ln>
+            <a:solidFill>
+              <a:schemeClr val="tx1"/>
+            </a:solidFill>
+          </a:ln>
+        </p:spPr>
+        <p:style>
+          <a:lnRef idx="2">
+            <a:schemeClr val="accent1">
+              <a:shade val="50000"/>
+            </a:schemeClr>
+          </a:lnRef>
+          <a:fillRef idx="1">
+            <a:schemeClr val="accent1"/>
+          </a:fillRef>
+          <a:effectRef idx="0">
+            <a:schemeClr val="accent1"/>
+          </a:effectRef>
+          <a:fontRef idx="minor">
+            <a:schemeClr val="lt1"/>
+          </a:fontRef>
+        </p:style>
+        <p:txBody>
+          <a:bodyPr rtlCol="0" anchor="ctr"/>
+          <a:lstStyle/>
+          <a:p>
+            <a:pPr algn="ctr"/>
+            <a:r>
+              <a:rPr lang="en-US" sz="1200">
+                <a:solidFill>
+                  <a:schemeClr val="tx1"/>
+                </a:solidFill>
+              </a:rPr>
+              <a:t>dcat:</a:t>
+            </a:r>
+            <a:br>
+              <a:rPr lang="en-US" sz="1200">
+                <a:solidFill>
+                  <a:schemeClr val="tx1"/>
+                </a:solidFill>
+              </a:rPr>
+            </a:br>
+            <a:r>
+              <a:rPr lang="en-US" sz="1200">
+                <a:solidFill>
+                  <a:schemeClr val="tx1"/>
+                </a:solidFill>
+              </a:rPr>
+              <a:t>Dataset</a:t>
+            </a:r>
+          </a:p>
+        </p:txBody>
+      </p:sp>
+      <p:sp>
+        <p:nvSpPr>
+          <p:cNvPr id="7" name="Rounded Rectangle 6">
+            <a:extLst>
+              <a:ext uri="{FF2B5EF4-FFF2-40B4-BE49-F238E27FC236}">
+                <a16:creationId xmlns:a16="http://schemas.microsoft.com/office/drawing/2014/main" id="{0F9839A2-4F56-044D-84C3-B6B203EDB780}"/>
+              </a:ext>
+            </a:extLst>
+          </p:cNvPr>
+          <p:cNvSpPr/>
+          <p:nvPr/>
+        </p:nvSpPr>
+        <p:spPr>
+          <a:xfrm>
+            <a:off x="6438512" y="4495428"/>
+            <a:ext cx="1248936" cy="657922"/>
+          </a:xfrm>
+          <a:prstGeom prst="roundRect">
+            <a:avLst/>
+          </a:prstGeom>
+          <a:pattFill prst="openDmnd">
+            <a:fgClr>
+              <a:schemeClr val="bg1">
+                <a:lumMod val="85000"/>
+              </a:schemeClr>
+            </a:fgClr>
+            <a:bgClr>
+              <a:schemeClr val="bg1"/>
+            </a:bgClr>
+          </a:pattFill>
+          <a:ln>
+            <a:solidFill>
+              <a:schemeClr val="tx1"/>
+            </a:solidFill>
+          </a:ln>
+        </p:spPr>
+        <p:style>
+          <a:lnRef idx="2">
+            <a:schemeClr val="accent1">
+              <a:shade val="50000"/>
+            </a:schemeClr>
+          </a:lnRef>
+          <a:fillRef idx="1">
+            <a:schemeClr val="accent1"/>
+          </a:fillRef>
+          <a:effectRef idx="0">
+            <a:schemeClr val="accent1"/>
+          </a:effectRef>
+          <a:fontRef idx="minor">
+            <a:schemeClr val="lt1"/>
+          </a:fontRef>
+        </p:style>
+        <p:txBody>
+          <a:bodyPr rtlCol="0" anchor="ctr"/>
+          <a:lstStyle/>
+          <a:p>
+            <a:pPr algn="ctr"/>
+            <a:r>
+              <a:rPr lang="en-US" sz="1200">
+                <a:solidFill>
+                  <a:schemeClr val="tx1"/>
+                </a:solidFill>
+              </a:rPr>
+              <a:t>dcat:</a:t>
+            </a:r>
+            <a:br>
+              <a:rPr lang="en-US" sz="1200">
+                <a:solidFill>
+                  <a:schemeClr val="tx1"/>
+                </a:solidFill>
+              </a:rPr>
+            </a:br>
+            <a:r>
+              <a:rPr lang="en-US" sz="1200">
+                <a:solidFill>
+                  <a:schemeClr val="tx1"/>
+                </a:solidFill>
+              </a:rPr>
+              <a:t>Catalogue</a:t>
+            </a:r>
+            <a:br>
+              <a:rPr lang="en-US" sz="1200">
+                <a:solidFill>
+                  <a:schemeClr val="tx1"/>
+                </a:solidFill>
+              </a:rPr>
+            </a:br>
+            <a:r>
+              <a:rPr lang="en-US" sz="1200">
+                <a:solidFill>
+                  <a:schemeClr val="tx1"/>
+                </a:solidFill>
+              </a:rPr>
+              <a:t>Record</a:t>
+            </a:r>
+          </a:p>
+        </p:txBody>
+      </p:sp>
+      <p:sp>
+        <p:nvSpPr>
+          <p:cNvPr id="8" name="Rounded Rectangle 7">
+            <a:extLst>
+              <a:ext uri="{FF2B5EF4-FFF2-40B4-BE49-F238E27FC236}">
+                <a16:creationId xmlns:a16="http://schemas.microsoft.com/office/drawing/2014/main" id="{947B3C7F-32C3-CC45-921A-7E2558E35C81}"/>
+              </a:ext>
+            </a:extLst>
+          </p:cNvPr>
+          <p:cNvSpPr/>
+          <p:nvPr/>
+        </p:nvSpPr>
+        <p:spPr>
+          <a:xfrm>
+            <a:off x="4379756" y="2167083"/>
+            <a:ext cx="1248936" cy="657922"/>
+          </a:xfrm>
+          <a:prstGeom prst="roundRect">
+            <a:avLst/>
+          </a:prstGeom>
+          <a:pattFill prst="openDmnd">
+            <a:fgClr>
+              <a:schemeClr val="bg1">
+                <a:lumMod val="85000"/>
+              </a:schemeClr>
+            </a:fgClr>
+            <a:bgClr>
+              <a:schemeClr val="bg1"/>
+            </a:bgClr>
+          </a:pattFill>
+          <a:ln>
+            <a:solidFill>
+              <a:schemeClr val="tx1"/>
+            </a:solidFill>
+          </a:ln>
+        </p:spPr>
+        <p:style>
+          <a:lnRef idx="2">
+            <a:schemeClr val="accent1">
+              <a:shade val="50000"/>
+            </a:schemeClr>
+          </a:lnRef>
+          <a:fillRef idx="1">
+            <a:schemeClr val="accent1"/>
+          </a:fillRef>
+          <a:effectRef idx="0">
+            <a:schemeClr val="accent1"/>
+          </a:effectRef>
+          <a:fontRef idx="minor">
+            <a:schemeClr val="lt1"/>
+          </a:fontRef>
+        </p:style>
+        <p:txBody>
+          <a:bodyPr rtlCol="0" anchor="ctr"/>
+          <a:lstStyle/>
+          <a:p>
+            <a:pPr algn="ctr"/>
+            <a:r>
+              <a:rPr lang="en-US" sz="1200">
+                <a:solidFill>
+                  <a:schemeClr val="tx1"/>
+                </a:solidFill>
+              </a:rPr>
+              <a:t>skos:</a:t>
+            </a:r>
+            <a:br>
+              <a:rPr lang="en-US" sz="1200">
+                <a:solidFill>
+                  <a:schemeClr val="tx1"/>
+                </a:solidFill>
+              </a:rPr>
+            </a:br>
+            <a:r>
+              <a:rPr lang="en-US" sz="1200">
+                <a:solidFill>
+                  <a:schemeClr val="tx1"/>
+                </a:solidFill>
+              </a:rPr>
+              <a:t>Concept</a:t>
+            </a:r>
+          </a:p>
+        </p:txBody>
+      </p:sp>
+      <p:sp>
+        <p:nvSpPr>
+          <p:cNvPr id="11" name="Rounded Rectangle 10">
+            <a:extLst>
+              <a:ext uri="{FF2B5EF4-FFF2-40B4-BE49-F238E27FC236}">
+                <a16:creationId xmlns:a16="http://schemas.microsoft.com/office/drawing/2014/main" id="{BD2F9D54-0232-9C4A-B02F-A83B1D142DC6}"/>
+              </a:ext>
+            </a:extLst>
+          </p:cNvPr>
+          <p:cNvSpPr/>
+          <p:nvPr/>
+        </p:nvSpPr>
+        <p:spPr>
+          <a:xfrm>
+            <a:off x="3755288" y="4495429"/>
+            <a:ext cx="1248936" cy="657922"/>
+          </a:xfrm>
+          <a:prstGeom prst="roundRect">
+            <a:avLst/>
+          </a:prstGeom>
+          <a:pattFill prst="openDmnd">
+            <a:fgClr>
+              <a:schemeClr val="bg1">
+                <a:lumMod val="85000"/>
+              </a:schemeClr>
+            </a:fgClr>
+            <a:bgClr>
+              <a:schemeClr val="bg1"/>
+            </a:bgClr>
+          </a:pattFill>
+          <a:ln>
+            <a:solidFill>
+              <a:schemeClr val="tx1"/>
+            </a:solidFill>
+          </a:ln>
+        </p:spPr>
+        <p:style>
+          <a:lnRef idx="2">
+            <a:schemeClr val="accent1">
+              <a:shade val="50000"/>
+            </a:schemeClr>
+          </a:lnRef>
+          <a:fillRef idx="1">
+            <a:schemeClr val="accent1"/>
+          </a:fillRef>
+          <a:effectRef idx="0">
+            <a:schemeClr val="accent1"/>
+          </a:effectRef>
+          <a:fontRef idx="minor">
+            <a:schemeClr val="lt1"/>
+          </a:fontRef>
+        </p:style>
+        <p:txBody>
+          <a:bodyPr rtlCol="0" anchor="ctr"/>
+          <a:lstStyle/>
+          <a:p>
+            <a:pPr algn="ctr"/>
+            <a:r>
+              <a:rPr lang="en-US" sz="1200">
+                <a:solidFill>
+                  <a:schemeClr val="tx1"/>
+                </a:solidFill>
+              </a:rPr>
+              <a:t>dcat:</a:t>
+            </a:r>
+            <a:br>
+              <a:rPr lang="en-US" sz="1200">
+                <a:solidFill>
+                  <a:schemeClr val="tx1"/>
+                </a:solidFill>
+              </a:rPr>
+            </a:br>
+            <a:r>
+              <a:rPr lang="en-US" sz="1200">
+                <a:solidFill>
+                  <a:schemeClr val="tx1"/>
+                </a:solidFill>
+              </a:rPr>
+              <a:t>Catalog</a:t>
+            </a:r>
+          </a:p>
+        </p:txBody>
+      </p:sp>
+      <p:sp>
+        <p:nvSpPr>
+          <p:cNvPr id="12" name="Rounded Rectangle 11">
+            <a:extLst>
+              <a:ext uri="{FF2B5EF4-FFF2-40B4-BE49-F238E27FC236}">
+                <a16:creationId xmlns:a16="http://schemas.microsoft.com/office/drawing/2014/main" id="{DAC8DBC4-E080-E24B-B709-517FEFF5E63B}"/>
+              </a:ext>
+            </a:extLst>
+          </p:cNvPr>
+          <p:cNvSpPr/>
+          <p:nvPr/>
+        </p:nvSpPr>
+        <p:spPr>
+          <a:xfrm>
+            <a:off x="4379756" y="3253332"/>
+            <a:ext cx="1248936" cy="657922"/>
+          </a:xfrm>
+          <a:prstGeom prst="roundRect">
+            <a:avLst/>
+          </a:prstGeom>
+          <a:pattFill prst="openDmnd">
+            <a:fgClr>
+              <a:schemeClr val="bg1">
+                <a:lumMod val="85000"/>
+              </a:schemeClr>
+            </a:fgClr>
+            <a:bgClr>
+              <a:schemeClr val="bg1"/>
+            </a:bgClr>
+          </a:pattFill>
+          <a:ln>
+            <a:solidFill>
+              <a:schemeClr val="tx1"/>
+            </a:solidFill>
+          </a:ln>
+        </p:spPr>
+        <p:style>
+          <a:lnRef idx="2">
+            <a:schemeClr val="accent1">
+              <a:shade val="50000"/>
+            </a:schemeClr>
+          </a:lnRef>
+          <a:fillRef idx="1">
+            <a:schemeClr val="accent1"/>
+          </a:fillRef>
+          <a:effectRef idx="0">
+            <a:schemeClr val="accent1"/>
+          </a:effectRef>
+          <a:fontRef idx="minor">
+            <a:schemeClr val="lt1"/>
+          </a:fontRef>
+        </p:style>
+        <p:txBody>
+          <a:bodyPr rtlCol="0" anchor="ctr"/>
+          <a:lstStyle/>
+          <a:p>
+            <a:pPr algn="ctr"/>
+            <a:r>
+              <a:rPr lang="en-US" sz="1200">
+                <a:solidFill>
+                  <a:schemeClr val="tx1"/>
+                </a:solidFill>
+              </a:rPr>
+              <a:t>skos:</a:t>
+            </a:r>
+            <a:br>
+              <a:rPr lang="en-US" sz="1200">
+                <a:solidFill>
+                  <a:schemeClr val="tx1"/>
+                </a:solidFill>
+              </a:rPr>
+            </a:br>
+            <a:r>
+              <a:rPr lang="en-US" sz="1200">
+                <a:solidFill>
+                  <a:schemeClr val="tx1"/>
+                </a:solidFill>
+              </a:rPr>
+              <a:t>ConceptScheme</a:t>
+            </a:r>
+          </a:p>
+        </p:txBody>
+      </p:sp>
+      <p:cxnSp>
+        <p:nvCxnSpPr>
+          <p:cNvPr id="16" name="Straight Arrow Connector 15">
+            <a:extLst>
+              <a:ext uri="{FF2B5EF4-FFF2-40B4-BE49-F238E27FC236}">
+                <a16:creationId xmlns:a16="http://schemas.microsoft.com/office/drawing/2014/main" id="{B1612F47-A7E9-7B4A-B3BF-5BEA5BBB97E1}"/>
+              </a:ext>
+            </a:extLst>
+          </p:cNvPr>
+          <p:cNvCxnSpPr>
+            <a:cxnSpLocks/>
+            <a:stCxn id="7" idx="0"/>
+            <a:endCxn id="5" idx="2"/>
+          </p:cNvCxnSpPr>
+          <p:nvPr/>
+        </p:nvCxnSpPr>
+        <p:spPr>
+          <a:xfrm flipV="1">
+            <a:off x="7062980" y="3425197"/>
+            <a:ext cx="0" cy="1070231"/>
+          </a:xfrm>
+          <a:prstGeom prst="straightConnector1">
+            <a:avLst/>
+          </a:prstGeom>
+          <a:ln>
+            <a:solidFill>
+              <a:schemeClr val="tx1"/>
+            </a:solidFill>
+            <a:headEnd type="none" w="med" len="med"/>
+            <a:tailEnd type="arrow" w="med" len="med"/>
+          </a:ln>
+        </p:spPr>
+        <p:style>
+          <a:lnRef idx="1">
+            <a:schemeClr val="accent1"/>
+          </a:lnRef>
+          <a:fillRef idx="0">
+            <a:schemeClr val="accent1"/>
+          </a:fillRef>
+          <a:effectRef idx="0">
+            <a:schemeClr val="accent1"/>
+          </a:effectRef>
+          <a:fontRef idx="minor">
+            <a:schemeClr val="tx1"/>
+          </a:fontRef>
+        </p:style>
+      </p:cxnSp>
+      <p:cxnSp>
+        <p:nvCxnSpPr>
+          <p:cNvPr id="20" name="Straight Arrow Connector 19">
+            <a:extLst>
+              <a:ext uri="{FF2B5EF4-FFF2-40B4-BE49-F238E27FC236}">
+                <a16:creationId xmlns:a16="http://schemas.microsoft.com/office/drawing/2014/main" id="{BC47502E-6719-B840-860D-E9075ED71FEB}"/>
+              </a:ext>
+            </a:extLst>
+          </p:cNvPr>
+          <p:cNvCxnSpPr>
+            <a:cxnSpLocks/>
+            <a:stCxn id="11" idx="3"/>
+            <a:endCxn id="7" idx="1"/>
+          </p:cNvCxnSpPr>
+          <p:nvPr/>
+        </p:nvCxnSpPr>
+        <p:spPr>
+          <a:xfrm flipV="1">
+            <a:off x="5004224" y="4824389"/>
+            <a:ext cx="1434288" cy="1"/>
+          </a:xfrm>
+          <a:prstGeom prst="straightConnector1">
+            <a:avLst/>
+          </a:prstGeom>
+          <a:ln>
+            <a:solidFill>
+              <a:schemeClr val="tx1"/>
+            </a:solidFill>
+            <a:headEnd type="none" w="med" len="med"/>
+            <a:tailEnd type="arrow" w="med" len="med"/>
+          </a:ln>
+        </p:spPr>
+        <p:style>
+          <a:lnRef idx="1">
+            <a:schemeClr val="accent1"/>
+          </a:lnRef>
+          <a:fillRef idx="0">
+            <a:schemeClr val="accent1"/>
+          </a:fillRef>
+          <a:effectRef idx="0">
+            <a:schemeClr val="accent1"/>
+          </a:effectRef>
+          <a:fontRef idx="minor">
+            <a:schemeClr val="tx1"/>
+          </a:fontRef>
+        </p:style>
+      </p:cxnSp>
+      <p:cxnSp>
+        <p:nvCxnSpPr>
+          <p:cNvPr id="24" name="Straight Arrow Connector 23">
+            <a:extLst>
+              <a:ext uri="{FF2B5EF4-FFF2-40B4-BE49-F238E27FC236}">
+                <a16:creationId xmlns:a16="http://schemas.microsoft.com/office/drawing/2014/main" id="{7BEE96F2-F71B-A442-98BA-E91194380122}"/>
+              </a:ext>
+            </a:extLst>
+          </p:cNvPr>
+          <p:cNvCxnSpPr>
+            <a:cxnSpLocks/>
+            <a:stCxn id="11" idx="3"/>
+          </p:cNvCxnSpPr>
+          <p:nvPr/>
+        </p:nvCxnSpPr>
+        <p:spPr>
+          <a:xfrm flipV="1">
+            <a:off x="5004224" y="3425197"/>
+            <a:ext cx="1873404" cy="1399193"/>
+          </a:xfrm>
+          <a:prstGeom prst="straightConnector1">
+            <a:avLst/>
+          </a:prstGeom>
+          <a:ln>
+            <a:solidFill>
+              <a:schemeClr val="tx1"/>
+            </a:solidFill>
+            <a:headEnd type="none" w="med" len="med"/>
+            <a:tailEnd type="arrow" w="med" len="med"/>
+          </a:ln>
+        </p:spPr>
+        <p:style>
+          <a:lnRef idx="1">
+            <a:schemeClr val="accent1"/>
+          </a:lnRef>
+          <a:fillRef idx="0">
+            <a:schemeClr val="accent1"/>
+          </a:fillRef>
+          <a:effectRef idx="0">
+            <a:schemeClr val="accent1"/>
+          </a:effectRef>
+          <a:fontRef idx="minor">
+            <a:schemeClr val="tx1"/>
+          </a:fontRef>
+        </p:style>
+      </p:cxnSp>
+      <p:cxnSp>
+        <p:nvCxnSpPr>
+          <p:cNvPr id="27" name="Straight Arrow Connector 26">
+            <a:extLst>
+              <a:ext uri="{FF2B5EF4-FFF2-40B4-BE49-F238E27FC236}">
+                <a16:creationId xmlns:a16="http://schemas.microsoft.com/office/drawing/2014/main" id="{EB3DBA4D-AE31-3343-A7C6-00337F9E78D6}"/>
+              </a:ext>
+            </a:extLst>
+          </p:cNvPr>
+          <p:cNvCxnSpPr>
+            <a:cxnSpLocks/>
+            <a:stCxn id="5" idx="1"/>
+            <a:endCxn id="8" idx="3"/>
+          </p:cNvCxnSpPr>
+          <p:nvPr/>
+        </p:nvCxnSpPr>
+        <p:spPr>
+          <a:xfrm flipH="1" flipV="1">
+            <a:off x="5628692" y="2496044"/>
+            <a:ext cx="809820" cy="600192"/>
+          </a:xfrm>
+          <a:prstGeom prst="straightConnector1">
+            <a:avLst/>
+          </a:prstGeom>
+          <a:ln>
+            <a:solidFill>
+              <a:schemeClr val="tx1"/>
+            </a:solidFill>
+            <a:headEnd type="none" w="med" len="med"/>
+            <a:tailEnd type="arrow" w="med" len="med"/>
+          </a:ln>
+        </p:spPr>
+        <p:style>
+          <a:lnRef idx="1">
+            <a:schemeClr val="accent1"/>
+          </a:lnRef>
+          <a:fillRef idx="0">
+            <a:schemeClr val="accent1"/>
+          </a:fillRef>
+          <a:effectRef idx="0">
+            <a:schemeClr val="accent1"/>
+          </a:effectRef>
+          <a:fontRef idx="minor">
+            <a:schemeClr val="tx1"/>
+          </a:fontRef>
+        </p:style>
+      </p:cxnSp>
+      <p:cxnSp>
+        <p:nvCxnSpPr>
+          <p:cNvPr id="30" name="Straight Arrow Connector 29">
+            <a:extLst>
+              <a:ext uri="{FF2B5EF4-FFF2-40B4-BE49-F238E27FC236}">
+                <a16:creationId xmlns:a16="http://schemas.microsoft.com/office/drawing/2014/main" id="{764B6735-4826-5144-8B21-B7EC5C97F3BB}"/>
+              </a:ext>
+            </a:extLst>
+          </p:cNvPr>
+          <p:cNvCxnSpPr>
+            <a:cxnSpLocks/>
+            <a:stCxn id="8" idx="2"/>
+            <a:endCxn id="12" idx="0"/>
+          </p:cNvCxnSpPr>
+          <p:nvPr/>
+        </p:nvCxnSpPr>
+        <p:spPr>
+          <a:xfrm>
+            <a:off x="5004224" y="2825005"/>
+            <a:ext cx="0" cy="428327"/>
+          </a:xfrm>
+          <a:prstGeom prst="straightConnector1">
+            <a:avLst/>
+          </a:prstGeom>
+          <a:ln>
+            <a:solidFill>
+              <a:schemeClr val="tx1"/>
+            </a:solidFill>
+            <a:headEnd type="none" w="med" len="med"/>
+            <a:tailEnd type="arrow" w="med" len="med"/>
+          </a:ln>
+        </p:spPr>
+        <p:style>
+          <a:lnRef idx="1">
+            <a:schemeClr val="accent1"/>
+          </a:lnRef>
+          <a:fillRef idx="0">
+            <a:schemeClr val="accent1"/>
+          </a:fillRef>
+          <a:effectRef idx="0">
+            <a:schemeClr val="accent1"/>
+          </a:effectRef>
+          <a:fontRef idx="minor">
+            <a:schemeClr val="tx1"/>
+          </a:fontRef>
+        </p:style>
+      </p:cxnSp>
+      <p:cxnSp>
+        <p:nvCxnSpPr>
+          <p:cNvPr id="34" name="Straight Arrow Connector 33">
+            <a:extLst>
+              <a:ext uri="{FF2B5EF4-FFF2-40B4-BE49-F238E27FC236}">
+                <a16:creationId xmlns:a16="http://schemas.microsoft.com/office/drawing/2014/main" id="{07F1250A-5729-3941-8658-D233D93891FD}"/>
+              </a:ext>
+            </a:extLst>
+          </p:cNvPr>
+          <p:cNvCxnSpPr>
+            <a:cxnSpLocks/>
+            <a:stCxn id="11" idx="0"/>
+            <a:endCxn id="12" idx="2"/>
+          </p:cNvCxnSpPr>
+          <p:nvPr/>
+        </p:nvCxnSpPr>
+        <p:spPr>
+          <a:xfrm flipV="1">
+            <a:off x="4379756" y="3911254"/>
+            <a:ext cx="624468" cy="584175"/>
+          </a:xfrm>
+          <a:prstGeom prst="straightConnector1">
+            <a:avLst/>
+          </a:prstGeom>
+          <a:ln>
+            <a:solidFill>
+              <a:schemeClr val="tx1"/>
+            </a:solidFill>
+            <a:headEnd type="none" w="med" len="med"/>
+            <a:tailEnd type="arrow" w="med" len="med"/>
+          </a:ln>
+        </p:spPr>
+        <p:style>
+          <a:lnRef idx="1">
+            <a:schemeClr val="accent1"/>
+          </a:lnRef>
+          <a:fillRef idx="0">
+            <a:schemeClr val="accent1"/>
+          </a:fillRef>
+          <a:effectRef idx="0">
+            <a:schemeClr val="accent1"/>
+          </a:effectRef>
+          <a:fontRef idx="minor">
+            <a:schemeClr val="tx1"/>
+          </a:fontRef>
+        </p:style>
+      </p:cxnSp>
+      <p:cxnSp>
+        <p:nvCxnSpPr>
+          <p:cNvPr id="41" name="Connector: Curved 7">
+            <a:extLst>
+              <a:ext uri="{FF2B5EF4-FFF2-40B4-BE49-F238E27FC236}">
+                <a16:creationId xmlns:a16="http://schemas.microsoft.com/office/drawing/2014/main" id="{05818C65-6267-6044-B3F4-2E395D1330E9}"/>
+              </a:ext>
+            </a:extLst>
+          </p:cNvPr>
+          <p:cNvCxnSpPr>
+            <a:cxnSpLocks/>
+            <a:stCxn id="11" idx="1"/>
+            <a:endCxn id="2" idx="2"/>
+          </p:cNvCxnSpPr>
+          <p:nvPr/>
+        </p:nvCxnSpPr>
+        <p:spPr>
+          <a:xfrm rot="10800000">
+            <a:off x="3472610" y="2408274"/>
+            <a:ext cx="282678" cy="2416116"/>
+          </a:xfrm>
+          <a:prstGeom prst="curvedConnector2">
+            <a:avLst/>
+          </a:prstGeom>
+          <a:ln>
+            <a:solidFill>
+              <a:schemeClr val="tx1"/>
+            </a:solidFill>
+            <a:tailEnd type="arrow"/>
+          </a:ln>
+        </p:spPr>
+        <p:style>
+          <a:lnRef idx="1">
+            <a:schemeClr val="accent1"/>
+          </a:lnRef>
+          <a:fillRef idx="0">
+            <a:schemeClr val="accent1"/>
+          </a:fillRef>
+          <a:effectRef idx="0">
+            <a:schemeClr val="accent1"/>
+          </a:effectRef>
+          <a:fontRef idx="minor">
+            <a:schemeClr val="tx1"/>
+          </a:fontRef>
+        </p:style>
+      </p:cxnSp>
+      <p:cxnSp>
+        <p:nvCxnSpPr>
+          <p:cNvPr id="44" name="Connector: Curved 7">
+            <a:extLst>
+              <a:ext uri="{FF2B5EF4-FFF2-40B4-BE49-F238E27FC236}">
+                <a16:creationId xmlns:a16="http://schemas.microsoft.com/office/drawing/2014/main" id="{45AFC06B-D2BE-0D41-A48F-2B2ECD7AC43D}"/>
+              </a:ext>
+            </a:extLst>
+          </p:cNvPr>
+          <p:cNvCxnSpPr>
+            <a:cxnSpLocks/>
+            <a:stCxn id="5" idx="0"/>
+            <a:endCxn id="2" idx="0"/>
+          </p:cNvCxnSpPr>
+          <p:nvPr/>
+        </p:nvCxnSpPr>
+        <p:spPr>
+          <a:xfrm rot="16200000" flipV="1">
+            <a:off x="4759334" y="463629"/>
+            <a:ext cx="1016923" cy="3590370"/>
+          </a:xfrm>
+          <a:prstGeom prst="curvedConnector3">
+            <a:avLst>
+              <a:gd name="adj1" fmla="val 122480"/>
+            </a:avLst>
+          </a:prstGeom>
+          <a:ln>
+            <a:solidFill>
+              <a:schemeClr val="tx1"/>
+            </a:solidFill>
+            <a:tailEnd type="arrow"/>
+          </a:ln>
+        </p:spPr>
+        <p:style>
+          <a:lnRef idx="1">
+            <a:schemeClr val="accent1"/>
+          </a:lnRef>
+          <a:fillRef idx="0">
+            <a:schemeClr val="accent1"/>
+          </a:fillRef>
+          <a:effectRef idx="0">
+            <a:schemeClr val="accent1"/>
+          </a:effectRef>
+          <a:fontRef idx="minor">
+            <a:schemeClr val="tx1"/>
+          </a:fontRef>
+        </p:style>
+      </p:cxnSp>
+      <p:sp>
+        <p:nvSpPr>
+          <p:cNvPr id="58" name="TextBox 57">
+            <a:extLst>
+              <a:ext uri="{FF2B5EF4-FFF2-40B4-BE49-F238E27FC236}">
+                <a16:creationId xmlns:a16="http://schemas.microsoft.com/office/drawing/2014/main" id="{B57762FD-ECCA-C94E-956B-DCB3E5A35D32}"/>
+              </a:ext>
+            </a:extLst>
+          </p:cNvPr>
+          <p:cNvSpPr txBox="1"/>
+          <p:nvPr/>
+        </p:nvSpPr>
+        <p:spPr>
+          <a:xfrm>
+            <a:off x="7703616" y="2825005"/>
+            <a:ext cx="1252651" cy="276999"/>
+          </a:xfrm>
+          <a:prstGeom prst="rect">
+            <a:avLst/>
+          </a:prstGeom>
+          <a:noFill/>
+        </p:spPr>
+        <p:txBody>
+          <a:bodyPr wrap="none" rtlCol="0">
+            <a:spAutoFit/>
+          </a:bodyPr>
+          <a:lstStyle/>
+          <a:p>
+            <a:r>
+              <a:rPr lang="en-US" sz="1200" dirty="0"/>
+              <a:t>dcat: distribution</a:t>
+            </a:r>
+          </a:p>
+        </p:txBody>
+      </p:sp>
+      <p:sp>
+        <p:nvSpPr>
+          <p:cNvPr id="60" name="TextBox 59">
+            <a:extLst>
+              <a:ext uri="{FF2B5EF4-FFF2-40B4-BE49-F238E27FC236}">
+                <a16:creationId xmlns:a16="http://schemas.microsoft.com/office/drawing/2014/main" id="{C6080F0E-ADD5-984A-82E8-DE89531C8A7A}"/>
+              </a:ext>
+            </a:extLst>
+          </p:cNvPr>
+          <p:cNvSpPr txBox="1"/>
+          <p:nvPr/>
+        </p:nvSpPr>
+        <p:spPr>
+          <a:xfrm>
+            <a:off x="4691990" y="1537421"/>
+            <a:ext cx="1005403" cy="276999"/>
+          </a:xfrm>
+          <a:prstGeom prst="rect">
+            <a:avLst/>
+          </a:prstGeom>
+          <a:noFill/>
+        </p:spPr>
+        <p:txBody>
+          <a:bodyPr wrap="none" rtlCol="0">
+            <a:spAutoFit/>
+          </a:bodyPr>
+          <a:lstStyle/>
+          <a:p>
+            <a:r>
+              <a:rPr lang="en-US" sz="1200" dirty="0"/>
+              <a:t>dct:publisher</a:t>
+            </a:r>
+          </a:p>
+        </p:txBody>
+      </p:sp>
+      <p:sp>
+        <p:nvSpPr>
+          <p:cNvPr id="61" name="TextBox 60">
+            <a:extLst>
+              <a:ext uri="{FF2B5EF4-FFF2-40B4-BE49-F238E27FC236}">
+                <a16:creationId xmlns:a16="http://schemas.microsoft.com/office/drawing/2014/main" id="{3E93C49A-0EAE-1B40-ABFF-57BA5EE8F55C}"/>
+              </a:ext>
+            </a:extLst>
+          </p:cNvPr>
+          <p:cNvSpPr txBox="1"/>
+          <p:nvPr/>
+        </p:nvSpPr>
+        <p:spPr>
+          <a:xfrm>
+            <a:off x="3094916" y="3339333"/>
+            <a:ext cx="820738" cy="184666"/>
+          </a:xfrm>
+          <a:prstGeom prst="rect">
+            <a:avLst/>
+          </a:prstGeom>
+          <a:solidFill>
+            <a:schemeClr val="bg1"/>
+          </a:solidFill>
+        </p:spPr>
+        <p:txBody>
+          <a:bodyPr wrap="none" lIns="0" tIns="0" rIns="0" bIns="0" rtlCol="0">
+            <a:spAutoFit/>
+          </a:bodyPr>
+          <a:lstStyle/>
+          <a:p>
+            <a:r>
+              <a:rPr lang="en-US" sz="1200" dirty="0"/>
+              <a:t>dct:publisher</a:t>
+            </a:r>
+          </a:p>
+        </p:txBody>
+      </p:sp>
+      <p:sp>
+        <p:nvSpPr>
+          <p:cNvPr id="62" name="TextBox 61">
+            <a:extLst>
+              <a:ext uri="{FF2B5EF4-FFF2-40B4-BE49-F238E27FC236}">
+                <a16:creationId xmlns:a16="http://schemas.microsoft.com/office/drawing/2014/main" id="{91D529FF-F3BB-E643-9EB6-4B5434CDB859}"/>
+              </a:ext>
+            </a:extLst>
+          </p:cNvPr>
+          <p:cNvSpPr txBox="1"/>
+          <p:nvPr/>
+        </p:nvSpPr>
+        <p:spPr>
+          <a:xfrm>
+            <a:off x="4544355" y="2911570"/>
+            <a:ext cx="919739" cy="184666"/>
+          </a:xfrm>
+          <a:prstGeom prst="rect">
+            <a:avLst/>
+          </a:prstGeom>
+          <a:solidFill>
+            <a:schemeClr val="bg1"/>
+          </a:solidFill>
+        </p:spPr>
+        <p:txBody>
+          <a:bodyPr wrap="none" lIns="0" tIns="0" rIns="0" bIns="0" rtlCol="0">
+            <a:spAutoFit/>
+          </a:bodyPr>
+          <a:lstStyle/>
+          <a:p>
+            <a:r>
+              <a:rPr lang="en-US" sz="1200" dirty="0"/>
+              <a:t>skos:inScheme</a:t>
+            </a:r>
+          </a:p>
+        </p:txBody>
+      </p:sp>
+      <p:sp>
+        <p:nvSpPr>
+          <p:cNvPr id="63" name="TextBox 62">
+            <a:extLst>
+              <a:ext uri="{FF2B5EF4-FFF2-40B4-BE49-F238E27FC236}">
+                <a16:creationId xmlns:a16="http://schemas.microsoft.com/office/drawing/2014/main" id="{1AC45464-5DD1-114B-8475-191B5ACD96AC}"/>
+              </a:ext>
+            </a:extLst>
+          </p:cNvPr>
+          <p:cNvSpPr txBox="1"/>
+          <p:nvPr/>
+        </p:nvSpPr>
+        <p:spPr>
+          <a:xfrm>
+            <a:off x="5689383" y="2709278"/>
+            <a:ext cx="718658" cy="184666"/>
+          </a:xfrm>
+          <a:prstGeom prst="rect">
+            <a:avLst/>
+          </a:prstGeom>
+          <a:solidFill>
+            <a:schemeClr val="bg1"/>
+          </a:solidFill>
+        </p:spPr>
+        <p:txBody>
+          <a:bodyPr wrap="none" lIns="0" tIns="0" rIns="0" bIns="0" rtlCol="0">
+            <a:spAutoFit/>
+          </a:bodyPr>
+          <a:lstStyle/>
+          <a:p>
+            <a:r>
+              <a:rPr lang="en-US" sz="1200" dirty="0"/>
+              <a:t>dcat:theme</a:t>
+            </a:r>
+          </a:p>
+        </p:txBody>
+      </p:sp>
+      <p:sp>
+        <p:nvSpPr>
+          <p:cNvPr id="64" name="TextBox 63">
+            <a:extLst>
+              <a:ext uri="{FF2B5EF4-FFF2-40B4-BE49-F238E27FC236}">
+                <a16:creationId xmlns:a16="http://schemas.microsoft.com/office/drawing/2014/main" id="{40F7BD3D-88E9-F344-A567-C73E507DFBE9}"/>
+              </a:ext>
+            </a:extLst>
+          </p:cNvPr>
+          <p:cNvSpPr txBox="1"/>
+          <p:nvPr/>
+        </p:nvSpPr>
+        <p:spPr>
+          <a:xfrm>
+            <a:off x="5696624" y="3940127"/>
+            <a:ext cx="773866" cy="184666"/>
+          </a:xfrm>
+          <a:prstGeom prst="rect">
+            <a:avLst/>
+          </a:prstGeom>
+          <a:solidFill>
+            <a:schemeClr val="bg1"/>
+          </a:solidFill>
+        </p:spPr>
+        <p:txBody>
+          <a:bodyPr wrap="none" lIns="0" tIns="0" rIns="0" bIns="0" rtlCol="0">
+            <a:spAutoFit/>
+          </a:bodyPr>
+          <a:lstStyle/>
+          <a:p>
+            <a:r>
+              <a:rPr lang="en-US" sz="1200" dirty="0"/>
+              <a:t>dcat:dataset</a:t>
+            </a:r>
+          </a:p>
+        </p:txBody>
+      </p:sp>
+      <p:sp>
+        <p:nvSpPr>
+          <p:cNvPr id="65" name="TextBox 64">
+            <a:extLst>
+              <a:ext uri="{FF2B5EF4-FFF2-40B4-BE49-F238E27FC236}">
+                <a16:creationId xmlns:a16="http://schemas.microsoft.com/office/drawing/2014/main" id="{16F954A0-9CF6-C04C-BB01-93F90F5B863D}"/>
+              </a:ext>
+            </a:extLst>
+          </p:cNvPr>
+          <p:cNvSpPr txBox="1"/>
+          <p:nvPr/>
+        </p:nvSpPr>
+        <p:spPr>
+          <a:xfrm>
+            <a:off x="6613540" y="3934419"/>
+            <a:ext cx="1098699" cy="184666"/>
+          </a:xfrm>
+          <a:prstGeom prst="rect">
+            <a:avLst/>
+          </a:prstGeom>
+          <a:solidFill>
+            <a:schemeClr val="bg1"/>
+          </a:solidFill>
+        </p:spPr>
+        <p:txBody>
+          <a:bodyPr wrap="none" lIns="0" tIns="0" rIns="0" bIns="0" rtlCol="0">
+            <a:spAutoFit/>
+          </a:bodyPr>
+          <a:lstStyle/>
+          <a:p>
+            <a:r>
+              <a:rPr lang="en-US" sz="1200" dirty="0"/>
+              <a:t>foaf:primaryTopic</a:t>
+            </a:r>
+          </a:p>
+        </p:txBody>
+      </p:sp>
+      <p:sp>
+        <p:nvSpPr>
+          <p:cNvPr id="66" name="TextBox 65">
+            <a:extLst>
+              <a:ext uri="{FF2B5EF4-FFF2-40B4-BE49-F238E27FC236}">
+                <a16:creationId xmlns:a16="http://schemas.microsoft.com/office/drawing/2014/main" id="{C61E7B53-B073-E047-A782-3F2B8B903C4E}"/>
+              </a:ext>
+            </a:extLst>
+          </p:cNvPr>
+          <p:cNvSpPr txBox="1"/>
+          <p:nvPr/>
+        </p:nvSpPr>
+        <p:spPr>
+          <a:xfrm>
+            <a:off x="5456639" y="4609638"/>
+            <a:ext cx="714811" cy="184666"/>
+          </a:xfrm>
+          <a:prstGeom prst="rect">
+            <a:avLst/>
+          </a:prstGeom>
+          <a:solidFill>
+            <a:schemeClr val="bg1"/>
+          </a:solidFill>
+        </p:spPr>
+        <p:txBody>
+          <a:bodyPr wrap="none" lIns="0" tIns="0" rIns="0" bIns="0" rtlCol="0">
+            <a:spAutoFit/>
+          </a:bodyPr>
+          <a:lstStyle/>
+          <a:p>
+            <a:r>
+              <a:rPr lang="en-US" sz="1200" dirty="0"/>
+              <a:t>dcat:record</a:t>
+            </a:r>
+          </a:p>
+        </p:txBody>
+      </p:sp>
+      <p:sp>
+        <p:nvSpPr>
+          <p:cNvPr id="67" name="TextBox 66">
+            <a:extLst>
+              <a:ext uri="{FF2B5EF4-FFF2-40B4-BE49-F238E27FC236}">
+                <a16:creationId xmlns:a16="http://schemas.microsoft.com/office/drawing/2014/main" id="{15DDE54B-1DB9-7D44-A8A4-ED66DC136ADC}"/>
+              </a:ext>
+            </a:extLst>
+          </p:cNvPr>
+          <p:cNvSpPr txBox="1"/>
+          <p:nvPr/>
+        </p:nvSpPr>
+        <p:spPr>
+          <a:xfrm>
+            <a:off x="4016677" y="4136427"/>
+            <a:ext cx="1350626" cy="184666"/>
+          </a:xfrm>
+          <a:prstGeom prst="rect">
+            <a:avLst/>
+          </a:prstGeom>
+          <a:solidFill>
+            <a:schemeClr val="bg1"/>
+          </a:solidFill>
+        </p:spPr>
+        <p:txBody>
+          <a:bodyPr wrap="none" lIns="0" tIns="0" rIns="0" bIns="0" rtlCol="0">
+            <a:spAutoFit/>
+          </a:bodyPr>
+          <a:lstStyle/>
+          <a:p>
+            <a:r>
+              <a:rPr lang="en-US" sz="1200" dirty="0"/>
+              <a:t>dcat:themeTaxonomy</a:t>
+            </a:r>
+          </a:p>
+        </p:txBody>
+      </p:sp>
+      <p:sp>
+        <p:nvSpPr>
+          <p:cNvPr id="68" name="TextBox 67">
+            <a:extLst>
+              <a:ext uri="{FF2B5EF4-FFF2-40B4-BE49-F238E27FC236}">
+                <a16:creationId xmlns:a16="http://schemas.microsoft.com/office/drawing/2014/main" id="{16382ECD-F397-964C-8702-5104706237B5}"/>
+              </a:ext>
+            </a:extLst>
+          </p:cNvPr>
+          <p:cNvSpPr txBox="1"/>
+          <p:nvPr/>
+        </p:nvSpPr>
+        <p:spPr>
+          <a:xfrm>
+            <a:off x="200722" y="156117"/>
+            <a:ext cx="678006" cy="369332"/>
+          </a:xfrm>
+          <a:prstGeom prst="rect">
+            <a:avLst/>
+          </a:prstGeom>
+          <a:noFill/>
+        </p:spPr>
+        <p:txBody>
+          <a:bodyPr wrap="none" rtlCol="0">
+            <a:spAutoFit/>
+          </a:bodyPr>
+          <a:lstStyle/>
+          <a:p>
+            <a:r>
+              <a:rPr lang="en-US" u="sng"/>
+              <a:t>DCAT</a:t>
+            </a:r>
+          </a:p>
+        </p:txBody>
+      </p:sp>
+    </p:spTree>
+    <p:extLst>
+      <p:ext uri="{BB962C8B-B14F-4D97-AF65-F5344CB8AC3E}">
+        <p14:creationId xmlns:p14="http://schemas.microsoft.com/office/powerpoint/2010/main" val="1644115449"/>
+      </p:ext>
+    </p:extLst>
+  </p:cSld>
+  <p:clrMapOvr>
+    <a:masterClrMapping/>
+  </p:clrMapOvr>
+</p:sld>
+</file>
+
+<file path=ppt/slides/slide3.xml><?xml version="1.0" encoding="utf-8"?>
+<p:sld xmlns:a="http://schemas.openxmlformats.org/drawingml/2006/main" xmlns:r="http://schemas.openxmlformats.org/officeDocument/2006/relationships" xmlns:p="http://schemas.openxmlformats.org/presentationml/2006/main">
+  <p:cSld>
+    <p:spTree>
+      <p:nvGrpSpPr>
+        <p:cNvPr id="1" name=""/>
+        <p:cNvGrpSpPr/>
+        <p:nvPr/>
+      </p:nvGrpSpPr>
+      <p:grpSpPr>
+        <a:xfrm>
+          <a:off x="0" y="0"/>
+          <a:ext cx="0" cy="0"/>
+          <a:chOff x="0" y="0"/>
+          <a:chExt cx="0" cy="0"/>
+        </a:xfrm>
+      </p:grpSpPr>
+      <p:sp>
+        <p:nvSpPr>
+          <p:cNvPr id="5" name="Rounded Rectangle 4">
+            <a:extLst>
+              <a:ext uri="{FF2B5EF4-FFF2-40B4-BE49-F238E27FC236}">
+                <a16:creationId xmlns:a16="http://schemas.microsoft.com/office/drawing/2014/main" id="{2FCCD6C3-502D-0B4D-88FE-C1CDB3827318}"/>
+              </a:ext>
+            </a:extLst>
+          </p:cNvPr>
+          <p:cNvSpPr/>
+          <p:nvPr/>
+        </p:nvSpPr>
+        <p:spPr>
+          <a:xfrm>
+            <a:off x="2413163" y="2924715"/>
+            <a:ext cx="1248936" cy="657922"/>
+          </a:xfrm>
+          <a:prstGeom prst="roundRect">
+            <a:avLst/>
+          </a:prstGeom>
+          <a:pattFill prst="openDmnd">
+            <a:fgClr>
+              <a:schemeClr val="bg1">
+                <a:lumMod val="85000"/>
+              </a:schemeClr>
+            </a:fgClr>
+            <a:bgClr>
+              <a:schemeClr val="bg1"/>
+            </a:bgClr>
+          </a:pattFill>
+          <a:ln>
+            <a:solidFill>
+              <a:schemeClr val="tx1"/>
+            </a:solidFill>
+          </a:ln>
+        </p:spPr>
+        <p:style>
+          <a:lnRef idx="2">
+            <a:schemeClr val="accent1">
+              <a:shade val="50000"/>
+            </a:schemeClr>
+          </a:lnRef>
+          <a:fillRef idx="1">
+            <a:schemeClr val="accent1"/>
+          </a:fillRef>
+          <a:effectRef idx="0">
+            <a:schemeClr val="accent1"/>
+          </a:effectRef>
+          <a:fontRef idx="minor">
+            <a:schemeClr val="lt1"/>
+          </a:fontRef>
+        </p:style>
+        <p:txBody>
+          <a:bodyPr rtlCol="0" anchor="ctr"/>
+          <a:lstStyle/>
+          <a:p>
+            <a:pPr algn="ctr"/>
+            <a:r>
+              <a:rPr lang="en-US" sz="1200">
+                <a:solidFill>
+                  <a:schemeClr val="tx1"/>
+                </a:solidFill>
+              </a:rPr>
+              <a:t>dcat:</a:t>
+            </a:r>
+            <a:br>
+              <a:rPr lang="en-US" sz="1200">
+                <a:solidFill>
+                  <a:schemeClr val="tx1"/>
+                </a:solidFill>
+              </a:rPr>
+            </a:br>
+            <a:r>
+              <a:rPr lang="en-US" sz="1200">
+                <a:solidFill>
+                  <a:schemeClr val="tx1"/>
+                </a:solidFill>
+              </a:rPr>
+              <a:t>Dataset</a:t>
+            </a:r>
+          </a:p>
+        </p:txBody>
+      </p:sp>
+      <p:sp>
+        <p:nvSpPr>
+          <p:cNvPr id="8" name="Rounded Rectangle 7">
+            <a:extLst>
+              <a:ext uri="{FF2B5EF4-FFF2-40B4-BE49-F238E27FC236}">
+                <a16:creationId xmlns:a16="http://schemas.microsoft.com/office/drawing/2014/main" id="{947B3C7F-32C3-CC45-921A-7E2558E35C81}"/>
+              </a:ext>
+            </a:extLst>
+          </p:cNvPr>
+          <p:cNvSpPr/>
+          <p:nvPr/>
+        </p:nvSpPr>
+        <p:spPr>
+          <a:xfrm>
+            <a:off x="3216345" y="921449"/>
+            <a:ext cx="1248936" cy="657922"/>
+          </a:xfrm>
+          <a:prstGeom prst="roundRect">
+            <a:avLst/>
+          </a:prstGeom>
+          <a:pattFill prst="wdDnDiag">
+            <a:fgClr>
+              <a:schemeClr val="bg1">
+                <a:lumMod val="85000"/>
+              </a:schemeClr>
+            </a:fgClr>
+            <a:bgClr>
+              <a:schemeClr val="bg1"/>
+            </a:bgClr>
+          </a:pattFill>
+          <a:ln>
+            <a:solidFill>
+              <a:schemeClr val="tx1"/>
+            </a:solidFill>
+          </a:ln>
+        </p:spPr>
+        <p:style>
+          <a:lnRef idx="2">
+            <a:schemeClr val="accent1">
+              <a:shade val="50000"/>
+            </a:schemeClr>
+          </a:lnRef>
+          <a:fillRef idx="1">
+            <a:schemeClr val="accent1"/>
+          </a:fillRef>
+          <a:effectRef idx="0">
+            <a:schemeClr val="accent1"/>
+          </a:effectRef>
+          <a:fontRef idx="minor">
+            <a:schemeClr val="lt1"/>
+          </a:fontRef>
+        </p:style>
+        <p:txBody>
+          <a:bodyPr rtlCol="0" anchor="ctr"/>
+          <a:lstStyle/>
+          <a:p>
+            <a:pPr algn="ctr"/>
+            <a:r>
+              <a:rPr lang="en-US" sz="1200">
+                <a:solidFill>
+                  <a:schemeClr val="tx1"/>
+                </a:solidFill>
+              </a:rPr>
+              <a:t>eudm:</a:t>
+            </a:r>
+            <a:br>
+              <a:rPr lang="en-US" sz="1200">
+                <a:solidFill>
+                  <a:schemeClr val="tx1"/>
+                </a:solidFill>
+              </a:rPr>
+            </a:br>
+            <a:r>
+              <a:rPr lang="en-US" sz="1200">
+                <a:solidFill>
+                  <a:schemeClr val="tx1"/>
+                </a:solidFill>
+              </a:rPr>
+              <a:t>EUDMcategory</a:t>
+            </a:r>
+          </a:p>
+        </p:txBody>
+      </p:sp>
+      <p:cxnSp>
+        <p:nvCxnSpPr>
+          <p:cNvPr id="24" name="Straight Arrow Connector 23">
+            <a:extLst>
+              <a:ext uri="{FF2B5EF4-FFF2-40B4-BE49-F238E27FC236}">
+                <a16:creationId xmlns:a16="http://schemas.microsoft.com/office/drawing/2014/main" id="{7BEE96F2-F71B-A442-98BA-E91194380122}"/>
+              </a:ext>
+            </a:extLst>
+          </p:cNvPr>
+          <p:cNvCxnSpPr>
+            <a:cxnSpLocks/>
+            <a:stCxn id="39" idx="2"/>
+            <a:endCxn id="52" idx="0"/>
+          </p:cNvCxnSpPr>
+          <p:nvPr/>
+        </p:nvCxnSpPr>
+        <p:spPr>
+          <a:xfrm>
+            <a:off x="5486343" y="3582637"/>
+            <a:ext cx="0" cy="587694"/>
+          </a:xfrm>
+          <a:prstGeom prst="straightConnector1">
+            <a:avLst/>
+          </a:prstGeom>
+          <a:ln>
+            <a:solidFill>
+              <a:schemeClr val="tx1"/>
+            </a:solidFill>
+            <a:headEnd type="none" w="med" len="med"/>
+            <a:tailEnd type="arrow" w="med" len="med"/>
+          </a:ln>
+        </p:spPr>
+        <p:style>
+          <a:lnRef idx="1">
+            <a:schemeClr val="accent1"/>
+          </a:lnRef>
+          <a:fillRef idx="0">
+            <a:schemeClr val="accent1"/>
+          </a:fillRef>
+          <a:effectRef idx="0">
+            <a:schemeClr val="accent1"/>
+          </a:effectRef>
+          <a:fontRef idx="minor">
+            <a:schemeClr val="tx1"/>
+          </a:fontRef>
+        </p:style>
+      </p:cxnSp>
+      <p:cxnSp>
+        <p:nvCxnSpPr>
+          <p:cNvPr id="30" name="Straight Arrow Connector 29">
+            <a:extLst>
+              <a:ext uri="{FF2B5EF4-FFF2-40B4-BE49-F238E27FC236}">
+                <a16:creationId xmlns:a16="http://schemas.microsoft.com/office/drawing/2014/main" id="{764B6735-4826-5144-8B21-B7EC5C97F3BB}"/>
+              </a:ext>
+            </a:extLst>
+          </p:cNvPr>
+          <p:cNvCxnSpPr>
+            <a:cxnSpLocks/>
+            <a:stCxn id="5" idx="0"/>
+            <a:endCxn id="8" idx="2"/>
+          </p:cNvCxnSpPr>
+          <p:nvPr/>
+        </p:nvCxnSpPr>
+        <p:spPr>
+          <a:xfrm flipV="1">
+            <a:off x="3037631" y="1579371"/>
+            <a:ext cx="803182" cy="1345344"/>
+          </a:xfrm>
+          <a:prstGeom prst="straightConnector1">
+            <a:avLst/>
+          </a:prstGeom>
+          <a:ln>
+            <a:solidFill>
+              <a:schemeClr val="tx1"/>
+            </a:solidFill>
+            <a:headEnd type="none" w="med" len="med"/>
+            <a:tailEnd type="arrow" w="med" len="med"/>
+          </a:ln>
+        </p:spPr>
+        <p:style>
+          <a:lnRef idx="1">
+            <a:schemeClr val="accent1"/>
+          </a:lnRef>
+          <a:fillRef idx="0">
+            <a:schemeClr val="accent1"/>
+          </a:fillRef>
+          <a:effectRef idx="0">
+            <a:schemeClr val="accent1"/>
+          </a:effectRef>
+          <a:fontRef idx="minor">
+            <a:schemeClr val="tx1"/>
+          </a:fontRef>
+        </p:style>
+      </p:cxnSp>
+      <p:sp>
+        <p:nvSpPr>
+          <p:cNvPr id="63" name="TextBox 62">
+            <a:extLst>
+              <a:ext uri="{FF2B5EF4-FFF2-40B4-BE49-F238E27FC236}">
+                <a16:creationId xmlns:a16="http://schemas.microsoft.com/office/drawing/2014/main" id="{1AC45464-5DD1-114B-8475-191B5ACD96AC}"/>
+              </a:ext>
+            </a:extLst>
+          </p:cNvPr>
+          <p:cNvSpPr txBox="1"/>
+          <p:nvPr/>
+        </p:nvSpPr>
+        <p:spPr>
+          <a:xfrm>
+            <a:off x="4879484" y="3776994"/>
+            <a:ext cx="1253677" cy="184666"/>
+          </a:xfrm>
+          <a:prstGeom prst="rect">
+            <a:avLst/>
+          </a:prstGeom>
+          <a:solidFill>
+            <a:schemeClr val="bg1"/>
+          </a:solidFill>
+        </p:spPr>
+        <p:txBody>
+          <a:bodyPr wrap="none" lIns="0" tIns="0" rIns="0" bIns="0" rtlCol="0">
+            <a:spAutoFit/>
+          </a:bodyPr>
+          <a:lstStyle/>
+          <a:p>
+            <a:r>
+              <a:rPr lang="en-US" sz="1200" dirty="0"/>
+              <a:t>odrl:hasPolicy [1..N]</a:t>
+            </a:r>
+          </a:p>
+        </p:txBody>
+      </p:sp>
+      <p:sp>
+        <p:nvSpPr>
+          <p:cNvPr id="68" name="TextBox 67">
+            <a:extLst>
+              <a:ext uri="{FF2B5EF4-FFF2-40B4-BE49-F238E27FC236}">
+                <a16:creationId xmlns:a16="http://schemas.microsoft.com/office/drawing/2014/main" id="{16382ECD-F397-964C-8702-5104706237B5}"/>
+              </a:ext>
+            </a:extLst>
+          </p:cNvPr>
+          <p:cNvSpPr txBox="1"/>
+          <p:nvPr/>
+        </p:nvSpPr>
+        <p:spPr>
+          <a:xfrm>
+            <a:off x="200722" y="156117"/>
+            <a:ext cx="2887906" cy="369332"/>
+          </a:xfrm>
+          <a:prstGeom prst="rect">
+            <a:avLst/>
+          </a:prstGeom>
+          <a:noFill/>
+        </p:spPr>
+        <p:txBody>
+          <a:bodyPr wrap="none" rtlCol="0">
+            <a:spAutoFit/>
+          </a:bodyPr>
+          <a:lstStyle/>
+          <a:p>
+            <a:r>
+              <a:rPr lang="en-US" u="sng"/>
+              <a:t>Partial EUDM Profile of DCAT</a:t>
+            </a:r>
+          </a:p>
+        </p:txBody>
+      </p:sp>
+      <p:sp>
+        <p:nvSpPr>
+          <p:cNvPr id="9" name="Rectangle 8">
+            <a:extLst>
+              <a:ext uri="{FF2B5EF4-FFF2-40B4-BE49-F238E27FC236}">
+                <a16:creationId xmlns:a16="http://schemas.microsoft.com/office/drawing/2014/main" id="{20D4D2A8-65C2-7148-8D0F-39EF18A766BD}"/>
+              </a:ext>
+            </a:extLst>
+          </p:cNvPr>
+          <p:cNvSpPr/>
+          <p:nvPr/>
+        </p:nvSpPr>
+        <p:spPr>
+          <a:xfrm>
+            <a:off x="1190053" y="1360710"/>
+            <a:ext cx="1610139" cy="218661"/>
+          </a:xfrm>
+          <a:prstGeom prst="rect">
+            <a:avLst/>
+          </a:prstGeom>
+          <a:solidFill>
+            <a:schemeClr val="bg1"/>
+          </a:solidFill>
+          <a:ln>
+            <a:solidFill>
+              <a:schemeClr val="tx1"/>
+            </a:solidFill>
+          </a:ln>
+        </p:spPr>
+        <p:style>
+          <a:lnRef idx="2">
+            <a:schemeClr val="accent1">
+              <a:shade val="50000"/>
+            </a:schemeClr>
+          </a:lnRef>
+          <a:fillRef idx="1">
+            <a:schemeClr val="accent1"/>
+          </a:fillRef>
+          <a:effectRef idx="0">
+            <a:schemeClr val="accent1"/>
+          </a:effectRef>
+          <a:fontRef idx="minor">
+            <a:schemeClr val="lt1"/>
+          </a:fontRef>
+        </p:style>
+        <p:txBody>
+          <a:bodyPr rtlCol="0" anchor="ctr"/>
+          <a:lstStyle/>
+          <a:p>
+            <a:pPr algn="ctr"/>
+            <a:r>
+              <a:rPr lang="en-US" sz="1400">
+                <a:solidFill>
+                  <a:schemeClr val="tx1"/>
+                </a:solidFill>
+              </a:rPr>
+              <a:t>text</a:t>
+            </a:r>
+          </a:p>
+        </p:txBody>
+      </p:sp>
+      <p:cxnSp>
+        <p:nvCxnSpPr>
+          <p:cNvPr id="31" name="Straight Arrow Connector 30">
+            <a:extLst>
+              <a:ext uri="{FF2B5EF4-FFF2-40B4-BE49-F238E27FC236}">
+                <a16:creationId xmlns:a16="http://schemas.microsoft.com/office/drawing/2014/main" id="{DC6EFD80-6B0B-2B47-9D51-01E0621499CA}"/>
+              </a:ext>
+            </a:extLst>
+          </p:cNvPr>
+          <p:cNvCxnSpPr>
+            <a:cxnSpLocks/>
+            <a:stCxn id="5" idx="0"/>
+            <a:endCxn id="9" idx="2"/>
+          </p:cNvCxnSpPr>
+          <p:nvPr/>
+        </p:nvCxnSpPr>
+        <p:spPr>
+          <a:xfrm flipH="1" flipV="1">
+            <a:off x="1995123" y="1579371"/>
+            <a:ext cx="1042508" cy="1345344"/>
+          </a:xfrm>
+          <a:prstGeom prst="straightConnector1">
+            <a:avLst/>
+          </a:prstGeom>
+          <a:ln>
+            <a:solidFill>
+              <a:schemeClr val="tx1"/>
+            </a:solidFill>
+            <a:headEnd type="none" w="med" len="med"/>
+            <a:tailEnd type="arrow" w="med" len="med"/>
+          </a:ln>
+        </p:spPr>
+        <p:style>
+          <a:lnRef idx="1">
+            <a:schemeClr val="accent1"/>
+          </a:lnRef>
+          <a:fillRef idx="0">
+            <a:schemeClr val="accent1"/>
+          </a:fillRef>
+          <a:effectRef idx="0">
+            <a:schemeClr val="accent1"/>
+          </a:effectRef>
+          <a:fontRef idx="minor">
+            <a:schemeClr val="tx1"/>
+          </a:fontRef>
+        </p:style>
+      </p:cxnSp>
+      <p:sp>
+        <p:nvSpPr>
+          <p:cNvPr id="38" name="TextBox 37">
+            <a:extLst>
+              <a:ext uri="{FF2B5EF4-FFF2-40B4-BE49-F238E27FC236}">
+                <a16:creationId xmlns:a16="http://schemas.microsoft.com/office/drawing/2014/main" id="{673731F1-8FC3-1047-A842-CB0BA7061F29}"/>
+              </a:ext>
+            </a:extLst>
+          </p:cNvPr>
+          <p:cNvSpPr txBox="1"/>
+          <p:nvPr/>
+        </p:nvSpPr>
+        <p:spPr>
+          <a:xfrm>
+            <a:off x="2862243" y="1928013"/>
+            <a:ext cx="1957139" cy="184666"/>
+          </a:xfrm>
+          <a:prstGeom prst="rect">
+            <a:avLst/>
+          </a:prstGeom>
+          <a:solidFill>
+            <a:schemeClr val="bg1"/>
+          </a:solidFill>
+        </p:spPr>
+        <p:txBody>
+          <a:bodyPr wrap="none" lIns="0" tIns="0" rIns="0" bIns="0" rtlCol="0">
+            <a:spAutoFit/>
+          </a:bodyPr>
+          <a:lstStyle/>
+          <a:p>
+            <a:r>
+              <a:rPr lang="en-US" sz="1200" dirty="0"/>
+              <a:t>eudm:hasEUDMCategory [1..N]</a:t>
+            </a:r>
+          </a:p>
+        </p:txBody>
+      </p:sp>
+      <p:sp>
+        <p:nvSpPr>
+          <p:cNvPr id="39" name="Rounded Rectangle 38">
+            <a:extLst>
+              <a:ext uri="{FF2B5EF4-FFF2-40B4-BE49-F238E27FC236}">
+                <a16:creationId xmlns:a16="http://schemas.microsoft.com/office/drawing/2014/main" id="{E6412BC6-5034-8E48-8EF3-75A0D69C8EC5}"/>
+              </a:ext>
+            </a:extLst>
+          </p:cNvPr>
+          <p:cNvSpPr/>
+          <p:nvPr/>
+        </p:nvSpPr>
+        <p:spPr>
+          <a:xfrm>
+            <a:off x="4861875" y="2924715"/>
+            <a:ext cx="1248936" cy="657922"/>
+          </a:xfrm>
+          <a:prstGeom prst="roundRect">
+            <a:avLst/>
+          </a:prstGeom>
+          <a:pattFill prst="openDmnd">
+            <a:fgClr>
+              <a:schemeClr val="bg1">
+                <a:lumMod val="85000"/>
+              </a:schemeClr>
+            </a:fgClr>
+            <a:bgClr>
+              <a:schemeClr val="bg1"/>
+            </a:bgClr>
+          </a:pattFill>
+          <a:ln>
+            <a:solidFill>
+              <a:schemeClr val="tx1"/>
+            </a:solidFill>
+          </a:ln>
+        </p:spPr>
+        <p:style>
+          <a:lnRef idx="2">
+            <a:schemeClr val="accent1">
+              <a:shade val="50000"/>
+            </a:schemeClr>
+          </a:lnRef>
+          <a:fillRef idx="1">
+            <a:schemeClr val="accent1"/>
+          </a:fillRef>
+          <a:effectRef idx="0">
+            <a:schemeClr val="accent1"/>
+          </a:effectRef>
+          <a:fontRef idx="minor">
+            <a:schemeClr val="lt1"/>
+          </a:fontRef>
+        </p:style>
+        <p:txBody>
+          <a:bodyPr rtlCol="0" anchor="ctr"/>
+          <a:lstStyle/>
+          <a:p>
+            <a:pPr algn="ctr"/>
+            <a:r>
+              <a:rPr lang="en-US" sz="1200">
+                <a:solidFill>
+                  <a:schemeClr val="tx1"/>
+                </a:solidFill>
+              </a:rPr>
+              <a:t>dcat:</a:t>
+            </a:r>
+            <a:br>
+              <a:rPr lang="en-US" sz="1200">
+                <a:solidFill>
+                  <a:schemeClr val="tx1"/>
+                </a:solidFill>
+              </a:rPr>
+            </a:br>
+            <a:r>
+              <a:rPr lang="en-US" sz="1200">
+                <a:solidFill>
+                  <a:schemeClr val="tx1"/>
+                </a:solidFill>
+              </a:rPr>
+              <a:t>Distribution</a:t>
+            </a:r>
+          </a:p>
+        </p:txBody>
+      </p:sp>
+      <p:cxnSp>
+        <p:nvCxnSpPr>
+          <p:cNvPr id="40" name="Straight Arrow Connector 39">
+            <a:extLst>
+              <a:ext uri="{FF2B5EF4-FFF2-40B4-BE49-F238E27FC236}">
+                <a16:creationId xmlns:a16="http://schemas.microsoft.com/office/drawing/2014/main" id="{C10BD34F-565D-6844-A6DE-496C08FC3386}"/>
+              </a:ext>
+            </a:extLst>
+          </p:cNvPr>
+          <p:cNvCxnSpPr>
+            <a:cxnSpLocks/>
+            <a:stCxn id="5" idx="3"/>
+            <a:endCxn id="39" idx="1"/>
+          </p:cNvCxnSpPr>
+          <p:nvPr/>
+        </p:nvCxnSpPr>
+        <p:spPr>
+          <a:xfrm>
+            <a:off x="3662099" y="3253676"/>
+            <a:ext cx="1199776" cy="0"/>
+          </a:xfrm>
+          <a:prstGeom prst="straightConnector1">
+            <a:avLst/>
+          </a:prstGeom>
+          <a:ln>
+            <a:solidFill>
+              <a:schemeClr val="tx1"/>
+            </a:solidFill>
+            <a:headEnd type="none" w="med" len="med"/>
+            <a:tailEnd type="arrow" w="med" len="med"/>
+          </a:ln>
+        </p:spPr>
+        <p:style>
+          <a:lnRef idx="1">
+            <a:schemeClr val="accent1"/>
+          </a:lnRef>
+          <a:fillRef idx="0">
+            <a:schemeClr val="accent1"/>
+          </a:fillRef>
+          <a:effectRef idx="0">
+            <a:schemeClr val="accent1"/>
+          </a:effectRef>
+          <a:fontRef idx="minor">
+            <a:schemeClr val="tx1"/>
+          </a:fontRef>
+        </p:style>
+      </p:cxnSp>
+      <p:sp>
+        <p:nvSpPr>
+          <p:cNvPr id="42" name="TextBox 41">
+            <a:extLst>
+              <a:ext uri="{FF2B5EF4-FFF2-40B4-BE49-F238E27FC236}">
+                <a16:creationId xmlns:a16="http://schemas.microsoft.com/office/drawing/2014/main" id="{2C96F83B-8EF6-BC43-8CB1-C705C5990671}"/>
+              </a:ext>
+            </a:extLst>
+          </p:cNvPr>
+          <p:cNvSpPr txBox="1"/>
+          <p:nvPr/>
+        </p:nvSpPr>
+        <p:spPr>
+          <a:xfrm>
+            <a:off x="3662099" y="2988963"/>
+            <a:ext cx="1217385" cy="276999"/>
+          </a:xfrm>
+          <a:prstGeom prst="rect">
+            <a:avLst/>
+          </a:prstGeom>
+          <a:noFill/>
+        </p:spPr>
+        <p:txBody>
+          <a:bodyPr wrap="none" rtlCol="0">
+            <a:spAutoFit/>
+          </a:bodyPr>
+          <a:lstStyle/>
+          <a:p>
+            <a:r>
+              <a:rPr lang="en-US" sz="1200" dirty="0"/>
+              <a:t>dcat:distribution</a:t>
+            </a:r>
+          </a:p>
+        </p:txBody>
+      </p:sp>
+      <p:sp>
+        <p:nvSpPr>
+          <p:cNvPr id="60" name="TextBox 59">
+            <a:extLst>
+              <a:ext uri="{FF2B5EF4-FFF2-40B4-BE49-F238E27FC236}">
+                <a16:creationId xmlns:a16="http://schemas.microsoft.com/office/drawing/2014/main" id="{C6080F0E-ADD5-984A-82E8-DE89531C8A7A}"/>
+              </a:ext>
+            </a:extLst>
+          </p:cNvPr>
+          <p:cNvSpPr txBox="1"/>
+          <p:nvPr/>
+        </p:nvSpPr>
+        <p:spPr>
+          <a:xfrm>
+            <a:off x="2168526" y="2232418"/>
+            <a:ext cx="695703" cy="184666"/>
+          </a:xfrm>
+          <a:prstGeom prst="rect">
+            <a:avLst/>
+          </a:prstGeom>
+          <a:solidFill>
+            <a:schemeClr val="bg1"/>
+          </a:solidFill>
+        </p:spPr>
+        <p:txBody>
+          <a:bodyPr wrap="none" lIns="0" tIns="0" rIns="0" bIns="0" rtlCol="0">
+            <a:spAutoFit/>
+          </a:bodyPr>
+          <a:lstStyle/>
+          <a:p>
+            <a:r>
+              <a:rPr lang="en-US" sz="1200" dirty="0"/>
+              <a:t>dct:title [1]</a:t>
+            </a:r>
+          </a:p>
+        </p:txBody>
+      </p:sp>
+      <p:sp>
+        <p:nvSpPr>
+          <p:cNvPr id="52" name="Rounded Rectangle 51">
+            <a:extLst>
+              <a:ext uri="{FF2B5EF4-FFF2-40B4-BE49-F238E27FC236}">
+                <a16:creationId xmlns:a16="http://schemas.microsoft.com/office/drawing/2014/main" id="{CD3812B9-D5A0-F24B-8DC1-990B992D7C64}"/>
+              </a:ext>
+            </a:extLst>
+          </p:cNvPr>
+          <p:cNvSpPr/>
+          <p:nvPr/>
+        </p:nvSpPr>
+        <p:spPr>
+          <a:xfrm>
+            <a:off x="4861875" y="4170331"/>
+            <a:ext cx="1248936" cy="657922"/>
+          </a:xfrm>
+          <a:prstGeom prst="roundRect">
+            <a:avLst/>
+          </a:prstGeom>
+          <a:noFill/>
+          <a:ln>
+            <a:solidFill>
+              <a:schemeClr val="tx1"/>
+            </a:solidFill>
+          </a:ln>
+        </p:spPr>
+        <p:style>
+          <a:lnRef idx="2">
+            <a:schemeClr val="accent1">
+              <a:shade val="50000"/>
+            </a:schemeClr>
+          </a:lnRef>
+          <a:fillRef idx="1">
+            <a:schemeClr val="accent1"/>
+          </a:fillRef>
+          <a:effectRef idx="0">
+            <a:schemeClr val="accent1"/>
+          </a:effectRef>
+          <a:fontRef idx="minor">
+            <a:schemeClr val="lt1"/>
+          </a:fontRef>
+        </p:style>
+        <p:txBody>
+          <a:bodyPr rtlCol="0" anchor="ctr"/>
+          <a:lstStyle/>
+          <a:p>
+            <a:pPr algn="ctr"/>
+            <a:r>
+              <a:rPr lang="en-US" sz="1200">
+                <a:solidFill>
+                  <a:schemeClr val="tx1"/>
+                </a:solidFill>
+              </a:rPr>
+              <a:t>odrl:</a:t>
+            </a:r>
+            <a:br>
+              <a:rPr lang="en-US" sz="1200">
+                <a:solidFill>
+                  <a:schemeClr val="tx1"/>
+                </a:solidFill>
+              </a:rPr>
+            </a:br>
+            <a:r>
+              <a:rPr lang="en-US" sz="1200">
+                <a:solidFill>
+                  <a:schemeClr val="tx1"/>
+                </a:solidFill>
+              </a:rPr>
+              <a:t>Policy</a:t>
+            </a:r>
+          </a:p>
+        </p:txBody>
+      </p:sp>
+      <p:sp>
+        <p:nvSpPr>
+          <p:cNvPr id="55" name="Rounded Rectangle 54">
+            <a:extLst>
+              <a:ext uri="{FF2B5EF4-FFF2-40B4-BE49-F238E27FC236}">
+                <a16:creationId xmlns:a16="http://schemas.microsoft.com/office/drawing/2014/main" id="{272B4C63-5130-134B-AF87-0CB0F178A6C3}"/>
+              </a:ext>
+            </a:extLst>
+          </p:cNvPr>
+          <p:cNvSpPr/>
+          <p:nvPr/>
+        </p:nvSpPr>
+        <p:spPr>
+          <a:xfrm>
+            <a:off x="4861875" y="925980"/>
+            <a:ext cx="1248936" cy="657922"/>
+          </a:xfrm>
+          <a:prstGeom prst="roundRect">
+            <a:avLst/>
+          </a:prstGeom>
+          <a:pattFill prst="openDmnd">
+            <a:fgClr>
+              <a:schemeClr val="bg1">
+                <a:lumMod val="85000"/>
+              </a:schemeClr>
+            </a:fgClr>
+            <a:bgClr>
+              <a:schemeClr val="bg1"/>
+            </a:bgClr>
+          </a:pattFill>
+          <a:ln>
+            <a:solidFill>
+              <a:schemeClr val="tx1"/>
+            </a:solidFill>
+          </a:ln>
+        </p:spPr>
+        <p:style>
+          <a:lnRef idx="2">
+            <a:schemeClr val="accent1">
+              <a:shade val="50000"/>
+            </a:schemeClr>
+          </a:lnRef>
+          <a:fillRef idx="1">
+            <a:schemeClr val="accent1"/>
+          </a:fillRef>
+          <a:effectRef idx="0">
+            <a:schemeClr val="accent1"/>
+          </a:effectRef>
+          <a:fontRef idx="minor">
+            <a:schemeClr val="lt1"/>
+          </a:fontRef>
+        </p:style>
+        <p:txBody>
+          <a:bodyPr rtlCol="0" anchor="ctr"/>
+          <a:lstStyle/>
+          <a:p>
+            <a:pPr algn="ctr"/>
+            <a:r>
+              <a:rPr lang="en-US" sz="1200">
+                <a:solidFill>
+                  <a:schemeClr val="tx1"/>
+                </a:solidFill>
+              </a:rPr>
+              <a:t>skos:</a:t>
+            </a:r>
+            <a:br>
+              <a:rPr lang="en-US" sz="1200">
+                <a:solidFill>
+                  <a:schemeClr val="tx1"/>
+                </a:solidFill>
+              </a:rPr>
+            </a:br>
+            <a:r>
+              <a:rPr lang="en-US" sz="1200">
+                <a:solidFill>
+                  <a:schemeClr val="tx1"/>
+                </a:solidFill>
+              </a:rPr>
+              <a:t>Concept</a:t>
+            </a:r>
+          </a:p>
+        </p:txBody>
+      </p:sp>
+      <p:sp>
+        <p:nvSpPr>
+          <p:cNvPr id="69" name="Rounded Rectangle 68">
+            <a:extLst>
+              <a:ext uri="{FF2B5EF4-FFF2-40B4-BE49-F238E27FC236}">
+                <a16:creationId xmlns:a16="http://schemas.microsoft.com/office/drawing/2014/main" id="{31E81272-87B4-B246-80AF-60AA19A4D71F}"/>
+              </a:ext>
+            </a:extLst>
+          </p:cNvPr>
+          <p:cNvSpPr/>
+          <p:nvPr/>
+        </p:nvSpPr>
+        <p:spPr>
+          <a:xfrm>
+            <a:off x="4861875" y="5415947"/>
+            <a:ext cx="1248936" cy="657922"/>
+          </a:xfrm>
+          <a:prstGeom prst="roundRect">
+            <a:avLst/>
+          </a:prstGeom>
+          <a:noFill/>
+          <a:ln>
+            <a:solidFill>
+              <a:schemeClr val="tx1"/>
+            </a:solidFill>
+          </a:ln>
+        </p:spPr>
+        <p:style>
+          <a:lnRef idx="2">
+            <a:schemeClr val="accent1">
+              <a:shade val="50000"/>
+            </a:schemeClr>
+          </a:lnRef>
+          <a:fillRef idx="1">
+            <a:schemeClr val="accent1"/>
+          </a:fillRef>
+          <a:effectRef idx="0">
+            <a:schemeClr val="accent1"/>
+          </a:effectRef>
+          <a:fontRef idx="minor">
+            <a:schemeClr val="lt1"/>
+          </a:fontRef>
+        </p:style>
+        <p:txBody>
+          <a:bodyPr rtlCol="0" anchor="ctr"/>
+          <a:lstStyle/>
+          <a:p>
+            <a:pPr algn="ctr"/>
+            <a:r>
+              <a:rPr lang="en-US" sz="1200">
+                <a:solidFill>
+                  <a:schemeClr val="tx1"/>
+                </a:solidFill>
+              </a:rPr>
+              <a:t>odrl:</a:t>
+            </a:r>
+            <a:br>
+              <a:rPr lang="en-US" sz="1200">
+                <a:solidFill>
+                  <a:schemeClr val="tx1"/>
+                </a:solidFill>
+              </a:rPr>
+            </a:br>
+            <a:r>
+              <a:rPr lang="en-US" sz="1200">
+                <a:solidFill>
+                  <a:schemeClr val="tx1"/>
+                </a:solidFill>
+              </a:rPr>
+              <a:t>Permission</a:t>
+            </a:r>
+          </a:p>
+        </p:txBody>
+      </p:sp>
+      <p:cxnSp>
+        <p:nvCxnSpPr>
+          <p:cNvPr id="70" name="Straight Arrow Connector 69">
+            <a:extLst>
+              <a:ext uri="{FF2B5EF4-FFF2-40B4-BE49-F238E27FC236}">
+                <a16:creationId xmlns:a16="http://schemas.microsoft.com/office/drawing/2014/main" id="{F30ED95A-CFF0-0E4A-80F6-E75EE0CD8F09}"/>
+              </a:ext>
+            </a:extLst>
+          </p:cNvPr>
+          <p:cNvCxnSpPr>
+            <a:cxnSpLocks/>
+            <a:stCxn id="52" idx="2"/>
+            <a:endCxn id="69" idx="0"/>
+          </p:cNvCxnSpPr>
+          <p:nvPr/>
+        </p:nvCxnSpPr>
+        <p:spPr>
+          <a:xfrm>
+            <a:off x="5486343" y="4828253"/>
+            <a:ext cx="0" cy="587694"/>
+          </a:xfrm>
+          <a:prstGeom prst="straightConnector1">
+            <a:avLst/>
+          </a:prstGeom>
+          <a:ln>
+            <a:solidFill>
+              <a:schemeClr val="tx1"/>
+            </a:solidFill>
+            <a:headEnd type="none" w="med" len="med"/>
+            <a:tailEnd type="arrow" w="med" len="med"/>
+          </a:ln>
+        </p:spPr>
+        <p:style>
+          <a:lnRef idx="1">
+            <a:schemeClr val="accent1"/>
+          </a:lnRef>
+          <a:fillRef idx="0">
+            <a:schemeClr val="accent1"/>
+          </a:fillRef>
+          <a:effectRef idx="0">
+            <a:schemeClr val="accent1"/>
+          </a:effectRef>
+          <a:fontRef idx="minor">
+            <a:schemeClr val="tx1"/>
+          </a:fontRef>
+        </p:style>
+      </p:cxnSp>
+      <p:sp>
+        <p:nvSpPr>
+          <p:cNvPr id="71" name="TextBox 70">
+            <a:extLst>
+              <a:ext uri="{FF2B5EF4-FFF2-40B4-BE49-F238E27FC236}">
+                <a16:creationId xmlns:a16="http://schemas.microsoft.com/office/drawing/2014/main" id="{C97D7754-1B10-4B49-9ACC-5136713C71C7}"/>
+              </a:ext>
+            </a:extLst>
+          </p:cNvPr>
+          <p:cNvSpPr txBox="1"/>
+          <p:nvPr/>
+        </p:nvSpPr>
+        <p:spPr>
+          <a:xfrm>
+            <a:off x="4897609" y="5003812"/>
+            <a:ext cx="1362552" cy="184666"/>
+          </a:xfrm>
+          <a:prstGeom prst="rect">
+            <a:avLst/>
+          </a:prstGeom>
+          <a:solidFill>
+            <a:schemeClr val="bg1"/>
+          </a:solidFill>
+        </p:spPr>
+        <p:txBody>
+          <a:bodyPr wrap="none" lIns="0" tIns="0" rIns="0" bIns="0" rtlCol="0">
+            <a:spAutoFit/>
+          </a:bodyPr>
+          <a:lstStyle/>
+          <a:p>
+            <a:r>
+              <a:rPr lang="en-US" sz="1200" dirty="0"/>
+              <a:t>odrl:permission [1..N]</a:t>
+            </a:r>
+          </a:p>
+        </p:txBody>
+      </p:sp>
+      <p:sp>
+        <p:nvSpPr>
+          <p:cNvPr id="77" name="Rounded Rectangle 76">
+            <a:extLst>
+              <a:ext uri="{FF2B5EF4-FFF2-40B4-BE49-F238E27FC236}">
+                <a16:creationId xmlns:a16="http://schemas.microsoft.com/office/drawing/2014/main" id="{35F4B891-5CB7-3848-BDEE-6B4CCEB4D787}"/>
+              </a:ext>
+            </a:extLst>
+          </p:cNvPr>
+          <p:cNvSpPr/>
+          <p:nvPr/>
+        </p:nvSpPr>
+        <p:spPr>
+          <a:xfrm>
+            <a:off x="121595" y="2924715"/>
+            <a:ext cx="1248936" cy="657922"/>
+          </a:xfrm>
+          <a:prstGeom prst="roundRect">
+            <a:avLst/>
+          </a:prstGeom>
+          <a:pattFill prst="openDmnd">
+            <a:fgClr>
+              <a:schemeClr val="bg1">
+                <a:lumMod val="85000"/>
+              </a:schemeClr>
+            </a:fgClr>
+            <a:bgClr>
+              <a:schemeClr val="bg1"/>
+            </a:bgClr>
+          </a:pattFill>
+          <a:ln>
+            <a:solidFill>
+              <a:schemeClr val="tx1"/>
+            </a:solidFill>
+          </a:ln>
+        </p:spPr>
+        <p:style>
+          <a:lnRef idx="2">
+            <a:schemeClr val="accent1">
+              <a:shade val="50000"/>
+            </a:schemeClr>
+          </a:lnRef>
+          <a:fillRef idx="1">
+            <a:schemeClr val="accent1"/>
+          </a:fillRef>
+          <a:effectRef idx="0">
+            <a:schemeClr val="accent1"/>
+          </a:effectRef>
+          <a:fontRef idx="minor">
+            <a:schemeClr val="lt1"/>
+          </a:fontRef>
+        </p:style>
+        <p:txBody>
+          <a:bodyPr rtlCol="0" anchor="ctr"/>
+          <a:lstStyle/>
+          <a:p>
+            <a:pPr algn="ctr"/>
+            <a:r>
+              <a:rPr lang="en-US" sz="1200">
+                <a:solidFill>
+                  <a:schemeClr val="tx1"/>
+                </a:solidFill>
+              </a:rPr>
+              <a:t>Commonly used DCAT classes</a:t>
+            </a:r>
+          </a:p>
+        </p:txBody>
+      </p:sp>
+      <p:sp>
+        <p:nvSpPr>
+          <p:cNvPr id="78" name="TextBox 77">
+            <a:extLst>
+              <a:ext uri="{FF2B5EF4-FFF2-40B4-BE49-F238E27FC236}">
+                <a16:creationId xmlns:a16="http://schemas.microsoft.com/office/drawing/2014/main" id="{1ED8AFF4-F320-314E-B11B-AF8265EB16A1}"/>
+              </a:ext>
+            </a:extLst>
+          </p:cNvPr>
+          <p:cNvSpPr txBox="1"/>
+          <p:nvPr/>
+        </p:nvSpPr>
+        <p:spPr>
+          <a:xfrm>
+            <a:off x="200722" y="2414632"/>
+            <a:ext cx="1090683" cy="307777"/>
+          </a:xfrm>
+          <a:prstGeom prst="rect">
+            <a:avLst/>
+          </a:prstGeom>
+          <a:noFill/>
+        </p:spPr>
+        <p:txBody>
+          <a:bodyPr wrap="none" rtlCol="0">
+            <a:spAutoFit/>
+          </a:bodyPr>
+          <a:lstStyle/>
+          <a:p>
+            <a:r>
+              <a:rPr lang="en-US" sz="1400" u="sng"/>
+              <a:t>Element Key</a:t>
+            </a:r>
+          </a:p>
+        </p:txBody>
+      </p:sp>
+      <p:cxnSp>
+        <p:nvCxnSpPr>
+          <p:cNvPr id="79" name="Straight Arrow Connector 78">
+            <a:extLst>
+              <a:ext uri="{FF2B5EF4-FFF2-40B4-BE49-F238E27FC236}">
+                <a16:creationId xmlns:a16="http://schemas.microsoft.com/office/drawing/2014/main" id="{B2831C82-3DF6-EC40-9025-EE1EE1B5921B}"/>
+              </a:ext>
+            </a:extLst>
+          </p:cNvPr>
+          <p:cNvCxnSpPr>
+            <a:cxnSpLocks/>
+          </p:cNvCxnSpPr>
+          <p:nvPr/>
+        </p:nvCxnSpPr>
+        <p:spPr>
+          <a:xfrm flipV="1">
+            <a:off x="182742" y="3717381"/>
+            <a:ext cx="0" cy="423747"/>
+          </a:xfrm>
+          <a:prstGeom prst="straightConnector1">
+            <a:avLst/>
+          </a:prstGeom>
+          <a:ln>
+            <a:solidFill>
+              <a:schemeClr val="tx1"/>
+            </a:solidFill>
+            <a:prstDash val="dash"/>
+            <a:headEnd type="none" w="med" len="med"/>
+            <a:tailEnd type="arrow" w="med" len="med"/>
+          </a:ln>
+        </p:spPr>
+        <p:style>
+          <a:lnRef idx="1">
+            <a:schemeClr val="accent1"/>
+          </a:lnRef>
+          <a:fillRef idx="0">
+            <a:schemeClr val="accent1"/>
+          </a:fillRef>
+          <a:effectRef idx="0">
+            <a:schemeClr val="accent1"/>
+          </a:effectRef>
+          <a:fontRef idx="minor">
+            <a:schemeClr val="tx1"/>
+          </a:fontRef>
+        </p:style>
+      </p:cxnSp>
+      <p:sp>
+        <p:nvSpPr>
+          <p:cNvPr id="80" name="TextBox 79">
+            <a:extLst>
+              <a:ext uri="{FF2B5EF4-FFF2-40B4-BE49-F238E27FC236}">
+                <a16:creationId xmlns:a16="http://schemas.microsoft.com/office/drawing/2014/main" id="{86B7A641-ACA8-794C-BF41-692746B90448}"/>
+              </a:ext>
+            </a:extLst>
+          </p:cNvPr>
+          <p:cNvSpPr txBox="1"/>
+          <p:nvPr/>
+        </p:nvSpPr>
+        <p:spPr>
+          <a:xfrm>
+            <a:off x="225025" y="3790754"/>
+            <a:ext cx="1145506" cy="276999"/>
+          </a:xfrm>
+          <a:prstGeom prst="rect">
+            <a:avLst/>
+          </a:prstGeom>
+          <a:noFill/>
+        </p:spPr>
+        <p:txBody>
+          <a:bodyPr wrap="none" rtlCol="0">
+            <a:spAutoFit/>
+          </a:bodyPr>
+          <a:lstStyle/>
+          <a:p>
+            <a:r>
+              <a:rPr lang="en-US" sz="1200"/>
+              <a:t>rdfs:subClassOf</a:t>
+            </a:r>
+          </a:p>
+        </p:txBody>
+      </p:sp>
+      <p:cxnSp>
+        <p:nvCxnSpPr>
+          <p:cNvPr id="81" name="Straight Arrow Connector 80">
+            <a:extLst>
+              <a:ext uri="{FF2B5EF4-FFF2-40B4-BE49-F238E27FC236}">
+                <a16:creationId xmlns:a16="http://schemas.microsoft.com/office/drawing/2014/main" id="{55409669-2F73-6F46-89AC-998BF64D550C}"/>
+              </a:ext>
+            </a:extLst>
+          </p:cNvPr>
+          <p:cNvCxnSpPr>
+            <a:cxnSpLocks/>
+            <a:stCxn id="8" idx="3"/>
+            <a:endCxn id="55" idx="1"/>
+          </p:cNvCxnSpPr>
+          <p:nvPr/>
+        </p:nvCxnSpPr>
+        <p:spPr>
+          <a:xfrm>
+            <a:off x="4465281" y="1250410"/>
+            <a:ext cx="396594" cy="4531"/>
+          </a:xfrm>
+          <a:prstGeom prst="straightConnector1">
+            <a:avLst/>
+          </a:prstGeom>
+          <a:ln>
+            <a:solidFill>
+              <a:schemeClr val="tx1"/>
+            </a:solidFill>
+            <a:prstDash val="dash"/>
+            <a:headEnd type="none" w="med" len="med"/>
+            <a:tailEnd type="arrow" w="med" len="med"/>
+          </a:ln>
+        </p:spPr>
+        <p:style>
+          <a:lnRef idx="1">
+            <a:schemeClr val="accent1"/>
+          </a:lnRef>
+          <a:fillRef idx="0">
+            <a:schemeClr val="accent1"/>
+          </a:fillRef>
+          <a:effectRef idx="0">
+            <a:schemeClr val="accent1"/>
+          </a:effectRef>
+          <a:fontRef idx="minor">
+            <a:schemeClr val="tx1"/>
+          </a:fontRef>
+        </p:style>
+      </p:cxnSp>
+    </p:spTree>
+    <p:extLst>
+      <p:ext uri="{BB962C8B-B14F-4D97-AF65-F5344CB8AC3E}">
+        <p14:creationId xmlns:p14="http://schemas.microsoft.com/office/powerpoint/2010/main" val="3453486242"/>
+      </p:ext>
+    </p:extLst>
+  </p:cSld>
+  <p:clrMapOvr>
+    <a:masterClrMapping/>
+  </p:clrMapOvr>
+</p:sld>
+</file>
+
+<file path=ppt/slides/slide4.xml><?xml version="1.0" encoding="utf-8"?>
+<p:sld xmlns:a="http://schemas.openxmlformats.org/drawingml/2006/main" xmlns:r="http://schemas.openxmlformats.org/officeDocument/2006/relationships" xmlns:p="http://schemas.openxmlformats.org/presentationml/2006/main">
+  <p:cSld>
+    <p:spTree>
+      <p:nvGrpSpPr>
+        <p:cNvPr id="1" name=""/>
+        <p:cNvGrpSpPr/>
+        <p:nvPr/>
+      </p:nvGrpSpPr>
+      <p:grpSpPr>
+        <a:xfrm>
+          <a:off x="0" y="0"/>
+          <a:ext cx="0" cy="0"/>
+          <a:chOff x="0" y="0"/>
+          <a:chExt cx="0" cy="0"/>
+        </a:xfrm>
+      </p:grpSpPr>
+      <p:sp>
+        <p:nvSpPr>
+          <p:cNvPr id="5" name="Rounded Rectangle 4">
+            <a:extLst>
+              <a:ext uri="{FF2B5EF4-FFF2-40B4-BE49-F238E27FC236}">
+                <a16:creationId xmlns:a16="http://schemas.microsoft.com/office/drawing/2014/main" id="{2FCCD6C3-502D-0B4D-88FE-C1CDB3827318}"/>
+              </a:ext>
+            </a:extLst>
+          </p:cNvPr>
+          <p:cNvSpPr/>
+          <p:nvPr/>
+        </p:nvSpPr>
+        <p:spPr>
+          <a:xfrm>
+            <a:off x="2413163" y="2924715"/>
+            <a:ext cx="1248936" cy="657922"/>
+          </a:xfrm>
+          <a:prstGeom prst="roundRect">
+            <a:avLst/>
+          </a:prstGeom>
+          <a:pattFill prst="openDmnd">
+            <a:fgClr>
+              <a:schemeClr val="bg1">
+                <a:lumMod val="85000"/>
+              </a:schemeClr>
+            </a:fgClr>
+            <a:bgClr>
+              <a:schemeClr val="bg1"/>
+            </a:bgClr>
+          </a:pattFill>
+          <a:ln>
+            <a:solidFill>
+              <a:schemeClr val="tx1"/>
+            </a:solidFill>
+          </a:ln>
+        </p:spPr>
+        <p:style>
+          <a:lnRef idx="2">
+            <a:schemeClr val="accent1">
+              <a:shade val="50000"/>
+            </a:schemeClr>
+          </a:lnRef>
+          <a:fillRef idx="1">
+            <a:schemeClr val="accent1"/>
+          </a:fillRef>
+          <a:effectRef idx="0">
+            <a:schemeClr val="accent1"/>
+          </a:effectRef>
+          <a:fontRef idx="minor">
+            <a:schemeClr val="lt1"/>
+          </a:fontRef>
+        </p:style>
+        <p:txBody>
+          <a:bodyPr rtlCol="0" anchor="ctr"/>
+          <a:lstStyle/>
+          <a:p>
+            <a:pPr algn="ctr"/>
+            <a:r>
+              <a:rPr lang="en-US" sz="1200">
+                <a:solidFill>
+                  <a:schemeClr val="tx1"/>
+                </a:solidFill>
+              </a:rPr>
+              <a:t>dcat:</a:t>
+            </a:r>
+            <a:br>
+              <a:rPr lang="en-US" sz="1200">
+                <a:solidFill>
+                  <a:schemeClr val="tx1"/>
+                </a:solidFill>
+              </a:rPr>
+            </a:br>
+            <a:r>
+              <a:rPr lang="en-US" sz="1200">
+                <a:solidFill>
+                  <a:schemeClr val="tx1"/>
+                </a:solidFill>
+              </a:rPr>
+              <a:t>Dataset</a:t>
+            </a:r>
+          </a:p>
+        </p:txBody>
+      </p:sp>
+      <p:sp>
+        <p:nvSpPr>
+          <p:cNvPr id="8" name="Rounded Rectangle 7">
+            <a:extLst>
+              <a:ext uri="{FF2B5EF4-FFF2-40B4-BE49-F238E27FC236}">
+                <a16:creationId xmlns:a16="http://schemas.microsoft.com/office/drawing/2014/main" id="{947B3C7F-32C3-CC45-921A-7E2558E35C81}"/>
+              </a:ext>
+            </a:extLst>
+          </p:cNvPr>
+          <p:cNvSpPr/>
+          <p:nvPr/>
+        </p:nvSpPr>
+        <p:spPr>
+          <a:xfrm>
+            <a:off x="3216345" y="921449"/>
+            <a:ext cx="1248936" cy="657922"/>
+          </a:xfrm>
+          <a:prstGeom prst="roundRect">
+            <a:avLst/>
+          </a:prstGeom>
+          <a:pattFill prst="wdDnDiag">
+            <a:fgClr>
+              <a:schemeClr val="bg1">
+                <a:lumMod val="85000"/>
+              </a:schemeClr>
+            </a:fgClr>
+            <a:bgClr>
+              <a:schemeClr val="bg1"/>
+            </a:bgClr>
+          </a:pattFill>
+          <a:ln>
+            <a:solidFill>
+              <a:schemeClr val="tx1"/>
+            </a:solidFill>
+          </a:ln>
+        </p:spPr>
+        <p:style>
+          <a:lnRef idx="2">
+            <a:schemeClr val="accent1">
+              <a:shade val="50000"/>
+            </a:schemeClr>
+          </a:lnRef>
+          <a:fillRef idx="1">
+            <a:schemeClr val="accent1"/>
+          </a:fillRef>
+          <a:effectRef idx="0">
+            <a:schemeClr val="accent1"/>
+          </a:effectRef>
+          <a:fontRef idx="minor">
+            <a:schemeClr val="lt1"/>
+          </a:fontRef>
+        </p:style>
+        <p:txBody>
+          <a:bodyPr rtlCol="0" anchor="ctr"/>
+          <a:lstStyle/>
+          <a:p>
+            <a:pPr algn="ctr"/>
+            <a:r>
+              <a:rPr lang="en-US" sz="1200">
+                <a:solidFill>
+                  <a:schemeClr val="tx1"/>
+                </a:solidFill>
+              </a:rPr>
+              <a:t>eudm:</a:t>
+            </a:r>
+            <a:br>
+              <a:rPr lang="en-US" sz="1200">
+                <a:solidFill>
+                  <a:schemeClr val="tx1"/>
+                </a:solidFill>
+              </a:rPr>
+            </a:br>
+            <a:r>
+              <a:rPr lang="en-US" sz="1200">
+                <a:solidFill>
+                  <a:schemeClr val="tx1"/>
+                </a:solidFill>
+              </a:rPr>
+              <a:t>EUDMcategory</a:t>
+            </a:r>
+          </a:p>
+        </p:txBody>
+      </p:sp>
+      <p:cxnSp>
+        <p:nvCxnSpPr>
+          <p:cNvPr id="24" name="Straight Arrow Connector 23">
+            <a:extLst>
+              <a:ext uri="{FF2B5EF4-FFF2-40B4-BE49-F238E27FC236}">
+                <a16:creationId xmlns:a16="http://schemas.microsoft.com/office/drawing/2014/main" id="{7BEE96F2-F71B-A442-98BA-E91194380122}"/>
+              </a:ext>
+            </a:extLst>
+          </p:cNvPr>
+          <p:cNvCxnSpPr>
+            <a:cxnSpLocks/>
+            <a:stCxn id="39" idx="2"/>
+            <a:endCxn id="52" idx="0"/>
+          </p:cNvCxnSpPr>
+          <p:nvPr/>
+        </p:nvCxnSpPr>
+        <p:spPr>
+          <a:xfrm>
+            <a:off x="5486343" y="3582637"/>
+            <a:ext cx="0" cy="587694"/>
+          </a:xfrm>
+          <a:prstGeom prst="straightConnector1">
+            <a:avLst/>
+          </a:prstGeom>
+          <a:ln>
+            <a:solidFill>
+              <a:schemeClr val="tx1"/>
+            </a:solidFill>
+            <a:headEnd type="none" w="med" len="med"/>
+            <a:tailEnd type="arrow" w="med" len="med"/>
+          </a:ln>
+        </p:spPr>
+        <p:style>
+          <a:lnRef idx="1">
+            <a:schemeClr val="accent1"/>
+          </a:lnRef>
+          <a:fillRef idx="0">
+            <a:schemeClr val="accent1"/>
+          </a:fillRef>
+          <a:effectRef idx="0">
+            <a:schemeClr val="accent1"/>
+          </a:effectRef>
+          <a:fontRef idx="minor">
+            <a:schemeClr val="tx1"/>
+          </a:fontRef>
+        </p:style>
+      </p:cxnSp>
+      <p:cxnSp>
+        <p:nvCxnSpPr>
+          <p:cNvPr id="30" name="Straight Arrow Connector 29">
+            <a:extLst>
+              <a:ext uri="{FF2B5EF4-FFF2-40B4-BE49-F238E27FC236}">
+                <a16:creationId xmlns:a16="http://schemas.microsoft.com/office/drawing/2014/main" id="{764B6735-4826-5144-8B21-B7EC5C97F3BB}"/>
+              </a:ext>
+            </a:extLst>
+          </p:cNvPr>
+          <p:cNvCxnSpPr>
+            <a:cxnSpLocks/>
+            <a:stCxn id="5" idx="0"/>
+            <a:endCxn id="8" idx="2"/>
+          </p:cNvCxnSpPr>
+          <p:nvPr/>
+        </p:nvCxnSpPr>
+        <p:spPr>
+          <a:xfrm flipV="1">
+            <a:off x="3037631" y="1579371"/>
+            <a:ext cx="803182" cy="1345344"/>
+          </a:xfrm>
+          <a:prstGeom prst="straightConnector1">
+            <a:avLst/>
+          </a:prstGeom>
+          <a:ln>
+            <a:solidFill>
+              <a:schemeClr val="tx1"/>
+            </a:solidFill>
+            <a:headEnd type="none" w="med" len="med"/>
+            <a:tailEnd type="arrow" w="med" len="med"/>
+          </a:ln>
+        </p:spPr>
+        <p:style>
+          <a:lnRef idx="1">
+            <a:schemeClr val="accent1"/>
+          </a:lnRef>
+          <a:fillRef idx="0">
+            <a:schemeClr val="accent1"/>
+          </a:fillRef>
+          <a:effectRef idx="0">
+            <a:schemeClr val="accent1"/>
+          </a:effectRef>
+          <a:fontRef idx="minor">
+            <a:schemeClr val="tx1"/>
+          </a:fontRef>
+        </p:style>
+      </p:cxnSp>
+      <p:sp>
+        <p:nvSpPr>
+          <p:cNvPr id="63" name="TextBox 62">
+            <a:extLst>
+              <a:ext uri="{FF2B5EF4-FFF2-40B4-BE49-F238E27FC236}">
+                <a16:creationId xmlns:a16="http://schemas.microsoft.com/office/drawing/2014/main" id="{1AC45464-5DD1-114B-8475-191B5ACD96AC}"/>
+              </a:ext>
+            </a:extLst>
+          </p:cNvPr>
+          <p:cNvSpPr txBox="1"/>
+          <p:nvPr/>
+        </p:nvSpPr>
+        <p:spPr>
+          <a:xfrm>
+            <a:off x="4879484" y="3776994"/>
+            <a:ext cx="1253677" cy="184666"/>
+          </a:xfrm>
+          <a:prstGeom prst="rect">
+            <a:avLst/>
+          </a:prstGeom>
+          <a:solidFill>
+            <a:schemeClr val="bg1"/>
+          </a:solidFill>
+        </p:spPr>
+        <p:txBody>
+          <a:bodyPr wrap="none" lIns="0" tIns="0" rIns="0" bIns="0" rtlCol="0">
+            <a:spAutoFit/>
+          </a:bodyPr>
+          <a:lstStyle/>
+          <a:p>
+            <a:r>
+              <a:rPr lang="en-US" sz="1200" dirty="0"/>
+              <a:t>odrl:hasPolicy [1..N]</a:t>
+            </a:r>
+          </a:p>
+        </p:txBody>
+      </p:sp>
+      <p:sp>
+        <p:nvSpPr>
+          <p:cNvPr id="68" name="TextBox 67">
+            <a:extLst>
+              <a:ext uri="{FF2B5EF4-FFF2-40B4-BE49-F238E27FC236}">
+                <a16:creationId xmlns:a16="http://schemas.microsoft.com/office/drawing/2014/main" id="{16382ECD-F397-964C-8702-5104706237B5}"/>
+              </a:ext>
+            </a:extLst>
+          </p:cNvPr>
+          <p:cNvSpPr txBox="1"/>
+          <p:nvPr/>
+        </p:nvSpPr>
+        <p:spPr>
+          <a:xfrm>
+            <a:off x="200722" y="156117"/>
+            <a:ext cx="3967689" cy="369332"/>
+          </a:xfrm>
+          <a:prstGeom prst="rect">
+            <a:avLst/>
+          </a:prstGeom>
+          <a:noFill/>
+        </p:spPr>
+        <p:txBody>
+          <a:bodyPr wrap="none" rtlCol="0">
+            <a:spAutoFit/>
+          </a:bodyPr>
+          <a:lstStyle/>
+          <a:p>
+            <a:r>
+              <a:rPr lang="en-US" u="sng"/>
+              <a:t>Partial EUDM Profile of DCAT, Annotated</a:t>
+            </a:r>
+          </a:p>
+        </p:txBody>
+      </p:sp>
+      <p:sp>
+        <p:nvSpPr>
+          <p:cNvPr id="9" name="Rectangle 8">
+            <a:extLst>
+              <a:ext uri="{FF2B5EF4-FFF2-40B4-BE49-F238E27FC236}">
+                <a16:creationId xmlns:a16="http://schemas.microsoft.com/office/drawing/2014/main" id="{20D4D2A8-65C2-7148-8D0F-39EF18A766BD}"/>
+              </a:ext>
+            </a:extLst>
+          </p:cNvPr>
+          <p:cNvSpPr/>
+          <p:nvPr/>
+        </p:nvSpPr>
+        <p:spPr>
+          <a:xfrm>
+            <a:off x="1190053" y="1360710"/>
+            <a:ext cx="1610139" cy="218661"/>
+          </a:xfrm>
+          <a:prstGeom prst="rect">
+            <a:avLst/>
+          </a:prstGeom>
+          <a:solidFill>
+            <a:schemeClr val="bg1"/>
+          </a:solidFill>
+          <a:ln>
+            <a:solidFill>
+              <a:schemeClr val="tx1"/>
+            </a:solidFill>
+          </a:ln>
+        </p:spPr>
+        <p:style>
+          <a:lnRef idx="2">
+            <a:schemeClr val="accent1">
+              <a:shade val="50000"/>
+            </a:schemeClr>
+          </a:lnRef>
+          <a:fillRef idx="1">
+            <a:schemeClr val="accent1"/>
+          </a:fillRef>
+          <a:effectRef idx="0">
+            <a:schemeClr val="accent1"/>
+          </a:effectRef>
+          <a:fontRef idx="minor">
+            <a:schemeClr val="lt1"/>
+          </a:fontRef>
+        </p:style>
+        <p:txBody>
+          <a:bodyPr rtlCol="0" anchor="ctr"/>
+          <a:lstStyle/>
+          <a:p>
+            <a:pPr algn="ctr"/>
+            <a:r>
+              <a:rPr lang="en-US" sz="1400">
+                <a:solidFill>
+                  <a:schemeClr val="tx1"/>
+                </a:solidFill>
+              </a:rPr>
+              <a:t>text</a:t>
+            </a:r>
+          </a:p>
+        </p:txBody>
+      </p:sp>
+      <p:cxnSp>
+        <p:nvCxnSpPr>
+          <p:cNvPr id="31" name="Straight Arrow Connector 30">
+            <a:extLst>
+              <a:ext uri="{FF2B5EF4-FFF2-40B4-BE49-F238E27FC236}">
+                <a16:creationId xmlns:a16="http://schemas.microsoft.com/office/drawing/2014/main" id="{DC6EFD80-6B0B-2B47-9D51-01E0621499CA}"/>
+              </a:ext>
+            </a:extLst>
+          </p:cNvPr>
+          <p:cNvCxnSpPr>
+            <a:cxnSpLocks/>
+            <a:stCxn id="5" idx="0"/>
+            <a:endCxn id="9" idx="2"/>
+          </p:cNvCxnSpPr>
+          <p:nvPr/>
+        </p:nvCxnSpPr>
+        <p:spPr>
+          <a:xfrm flipH="1" flipV="1">
+            <a:off x="1995123" y="1579371"/>
+            <a:ext cx="1042508" cy="1345344"/>
+          </a:xfrm>
+          <a:prstGeom prst="straightConnector1">
+            <a:avLst/>
+          </a:prstGeom>
+          <a:ln>
+            <a:solidFill>
+              <a:schemeClr val="tx1"/>
+            </a:solidFill>
+            <a:headEnd type="none" w="med" len="med"/>
+            <a:tailEnd type="arrow" w="med" len="med"/>
+          </a:ln>
+        </p:spPr>
+        <p:style>
+          <a:lnRef idx="1">
+            <a:schemeClr val="accent1"/>
+          </a:lnRef>
+          <a:fillRef idx="0">
+            <a:schemeClr val="accent1"/>
+          </a:fillRef>
+          <a:effectRef idx="0">
+            <a:schemeClr val="accent1"/>
+          </a:effectRef>
+          <a:fontRef idx="minor">
+            <a:schemeClr val="tx1"/>
+          </a:fontRef>
+        </p:style>
+      </p:cxnSp>
+      <p:sp>
+        <p:nvSpPr>
+          <p:cNvPr id="38" name="TextBox 37">
+            <a:extLst>
+              <a:ext uri="{FF2B5EF4-FFF2-40B4-BE49-F238E27FC236}">
+                <a16:creationId xmlns:a16="http://schemas.microsoft.com/office/drawing/2014/main" id="{673731F1-8FC3-1047-A842-CB0BA7061F29}"/>
+              </a:ext>
+            </a:extLst>
+          </p:cNvPr>
+          <p:cNvSpPr txBox="1"/>
+          <p:nvPr/>
+        </p:nvSpPr>
+        <p:spPr>
+          <a:xfrm>
+            <a:off x="2862243" y="1928013"/>
+            <a:ext cx="1939826" cy="184666"/>
+          </a:xfrm>
+          <a:prstGeom prst="rect">
+            <a:avLst/>
+          </a:prstGeom>
+          <a:solidFill>
+            <a:schemeClr val="bg1"/>
+          </a:solidFill>
+        </p:spPr>
+        <p:txBody>
+          <a:bodyPr wrap="none" lIns="0" tIns="0" rIns="0" bIns="0" rtlCol="0">
+            <a:spAutoFit/>
+          </a:bodyPr>
+          <a:lstStyle/>
+          <a:p>
+            <a:r>
+              <a:rPr lang="en-US" sz="1200" dirty="0"/>
+              <a:t>eudm:hasEUDMcategory [1..N]</a:t>
+            </a:r>
+          </a:p>
+        </p:txBody>
+      </p:sp>
+      <p:sp>
+        <p:nvSpPr>
+          <p:cNvPr id="39" name="Rounded Rectangle 38">
+            <a:extLst>
+              <a:ext uri="{FF2B5EF4-FFF2-40B4-BE49-F238E27FC236}">
+                <a16:creationId xmlns:a16="http://schemas.microsoft.com/office/drawing/2014/main" id="{E6412BC6-5034-8E48-8EF3-75A0D69C8EC5}"/>
+              </a:ext>
+            </a:extLst>
+          </p:cNvPr>
+          <p:cNvSpPr/>
+          <p:nvPr/>
+        </p:nvSpPr>
+        <p:spPr>
+          <a:xfrm>
+            <a:off x="4861875" y="2924715"/>
+            <a:ext cx="1248936" cy="657922"/>
+          </a:xfrm>
+          <a:prstGeom prst="roundRect">
+            <a:avLst/>
+          </a:prstGeom>
+          <a:pattFill prst="openDmnd">
+            <a:fgClr>
+              <a:schemeClr val="bg1">
+                <a:lumMod val="85000"/>
+              </a:schemeClr>
+            </a:fgClr>
+            <a:bgClr>
+              <a:schemeClr val="bg1"/>
+            </a:bgClr>
+          </a:pattFill>
+          <a:ln>
+            <a:solidFill>
+              <a:schemeClr val="tx1"/>
+            </a:solidFill>
+          </a:ln>
+        </p:spPr>
+        <p:style>
+          <a:lnRef idx="2">
+            <a:schemeClr val="accent1">
+              <a:shade val="50000"/>
+            </a:schemeClr>
+          </a:lnRef>
+          <a:fillRef idx="1">
+            <a:schemeClr val="accent1"/>
+          </a:fillRef>
+          <a:effectRef idx="0">
+            <a:schemeClr val="accent1"/>
+          </a:effectRef>
+          <a:fontRef idx="minor">
+            <a:schemeClr val="lt1"/>
+          </a:fontRef>
+        </p:style>
+        <p:txBody>
+          <a:bodyPr rtlCol="0" anchor="ctr"/>
+          <a:lstStyle/>
+          <a:p>
+            <a:pPr algn="ctr"/>
+            <a:r>
+              <a:rPr lang="en-US" sz="1200">
+                <a:solidFill>
+                  <a:schemeClr val="tx1"/>
+                </a:solidFill>
+              </a:rPr>
+              <a:t>dcat:</a:t>
+            </a:r>
+            <a:br>
+              <a:rPr lang="en-US" sz="1200">
+                <a:solidFill>
+                  <a:schemeClr val="tx1"/>
+                </a:solidFill>
+              </a:rPr>
+            </a:br>
+            <a:r>
+              <a:rPr lang="en-US" sz="1200">
+                <a:solidFill>
+                  <a:schemeClr val="tx1"/>
+                </a:solidFill>
+              </a:rPr>
+              <a:t>Distribution</a:t>
+            </a:r>
+          </a:p>
+        </p:txBody>
+      </p:sp>
+      <p:cxnSp>
+        <p:nvCxnSpPr>
+          <p:cNvPr id="40" name="Straight Arrow Connector 39">
+            <a:extLst>
+              <a:ext uri="{FF2B5EF4-FFF2-40B4-BE49-F238E27FC236}">
+                <a16:creationId xmlns:a16="http://schemas.microsoft.com/office/drawing/2014/main" id="{C10BD34F-565D-6844-A6DE-496C08FC3386}"/>
+              </a:ext>
+            </a:extLst>
+          </p:cNvPr>
+          <p:cNvCxnSpPr>
+            <a:cxnSpLocks/>
+            <a:stCxn id="5" idx="3"/>
+            <a:endCxn id="39" idx="1"/>
+          </p:cNvCxnSpPr>
+          <p:nvPr/>
+        </p:nvCxnSpPr>
+        <p:spPr>
+          <a:xfrm>
+            <a:off x="3662099" y="3253676"/>
+            <a:ext cx="1199776" cy="0"/>
+          </a:xfrm>
+          <a:prstGeom prst="straightConnector1">
+            <a:avLst/>
+          </a:prstGeom>
+          <a:ln>
+            <a:solidFill>
+              <a:schemeClr val="tx1"/>
+            </a:solidFill>
+            <a:headEnd type="none" w="med" len="med"/>
+            <a:tailEnd type="arrow" w="med" len="med"/>
+          </a:ln>
+        </p:spPr>
+        <p:style>
+          <a:lnRef idx="1">
+            <a:schemeClr val="accent1"/>
+          </a:lnRef>
+          <a:fillRef idx="0">
+            <a:schemeClr val="accent1"/>
+          </a:fillRef>
+          <a:effectRef idx="0">
+            <a:schemeClr val="accent1"/>
+          </a:effectRef>
+          <a:fontRef idx="minor">
+            <a:schemeClr val="tx1"/>
+          </a:fontRef>
+        </p:style>
+      </p:cxnSp>
+      <p:sp>
+        <p:nvSpPr>
+          <p:cNvPr id="42" name="TextBox 41">
+            <a:extLst>
+              <a:ext uri="{FF2B5EF4-FFF2-40B4-BE49-F238E27FC236}">
+                <a16:creationId xmlns:a16="http://schemas.microsoft.com/office/drawing/2014/main" id="{2C96F83B-8EF6-BC43-8CB1-C705C5990671}"/>
+              </a:ext>
+            </a:extLst>
+          </p:cNvPr>
+          <p:cNvSpPr txBox="1"/>
+          <p:nvPr/>
+        </p:nvSpPr>
+        <p:spPr>
+          <a:xfrm>
+            <a:off x="3662099" y="2988963"/>
+            <a:ext cx="1217385" cy="276999"/>
+          </a:xfrm>
+          <a:prstGeom prst="rect">
+            <a:avLst/>
+          </a:prstGeom>
+          <a:noFill/>
+        </p:spPr>
+        <p:txBody>
+          <a:bodyPr wrap="none" rtlCol="0">
+            <a:spAutoFit/>
+          </a:bodyPr>
+          <a:lstStyle/>
+          <a:p>
+            <a:r>
+              <a:rPr lang="en-US" sz="1200" dirty="0"/>
+              <a:t>dcat:distribution</a:t>
+            </a:r>
+          </a:p>
+        </p:txBody>
+      </p:sp>
+      <p:sp>
+        <p:nvSpPr>
+          <p:cNvPr id="60" name="TextBox 59">
+            <a:extLst>
+              <a:ext uri="{FF2B5EF4-FFF2-40B4-BE49-F238E27FC236}">
+                <a16:creationId xmlns:a16="http://schemas.microsoft.com/office/drawing/2014/main" id="{C6080F0E-ADD5-984A-82E8-DE89531C8A7A}"/>
+              </a:ext>
+            </a:extLst>
+          </p:cNvPr>
+          <p:cNvSpPr txBox="1"/>
+          <p:nvPr/>
+        </p:nvSpPr>
+        <p:spPr>
+          <a:xfrm>
+            <a:off x="2168526" y="2232418"/>
+            <a:ext cx="695703" cy="184666"/>
+          </a:xfrm>
+          <a:prstGeom prst="rect">
+            <a:avLst/>
+          </a:prstGeom>
+          <a:solidFill>
+            <a:schemeClr val="bg1"/>
+          </a:solidFill>
+        </p:spPr>
+        <p:txBody>
+          <a:bodyPr wrap="none" lIns="0" tIns="0" rIns="0" bIns="0" rtlCol="0">
+            <a:spAutoFit/>
+          </a:bodyPr>
+          <a:lstStyle/>
+          <a:p>
+            <a:r>
+              <a:rPr lang="en-US" sz="1200" dirty="0"/>
+              <a:t>dct:title [1]</a:t>
+            </a:r>
+          </a:p>
+        </p:txBody>
+      </p:sp>
+      <p:sp>
+        <p:nvSpPr>
+          <p:cNvPr id="52" name="Rounded Rectangle 51">
+            <a:extLst>
+              <a:ext uri="{FF2B5EF4-FFF2-40B4-BE49-F238E27FC236}">
+                <a16:creationId xmlns:a16="http://schemas.microsoft.com/office/drawing/2014/main" id="{CD3812B9-D5A0-F24B-8DC1-990B992D7C64}"/>
+              </a:ext>
+            </a:extLst>
+          </p:cNvPr>
+          <p:cNvSpPr/>
+          <p:nvPr/>
+        </p:nvSpPr>
+        <p:spPr>
+          <a:xfrm>
+            <a:off x="4861875" y="4170331"/>
+            <a:ext cx="1248936" cy="657922"/>
+          </a:xfrm>
+          <a:prstGeom prst="roundRect">
+            <a:avLst/>
+          </a:prstGeom>
+          <a:noFill/>
+          <a:ln>
+            <a:solidFill>
+              <a:schemeClr val="tx1"/>
+            </a:solidFill>
+          </a:ln>
+        </p:spPr>
+        <p:style>
+          <a:lnRef idx="2">
+            <a:schemeClr val="accent1">
+              <a:shade val="50000"/>
+            </a:schemeClr>
+          </a:lnRef>
+          <a:fillRef idx="1">
+            <a:schemeClr val="accent1"/>
+          </a:fillRef>
+          <a:effectRef idx="0">
+            <a:schemeClr val="accent1"/>
+          </a:effectRef>
+          <a:fontRef idx="minor">
+            <a:schemeClr val="lt1"/>
+          </a:fontRef>
+        </p:style>
+        <p:txBody>
+          <a:bodyPr rtlCol="0" anchor="ctr"/>
+          <a:lstStyle/>
+          <a:p>
+            <a:pPr algn="ctr"/>
+            <a:r>
+              <a:rPr lang="en-US" sz="1200">
+                <a:solidFill>
+                  <a:schemeClr val="tx1"/>
+                </a:solidFill>
+              </a:rPr>
+              <a:t>odrl:</a:t>
+            </a:r>
+            <a:br>
+              <a:rPr lang="en-US" sz="1200">
+                <a:solidFill>
+                  <a:schemeClr val="tx1"/>
+                </a:solidFill>
+              </a:rPr>
+            </a:br>
+            <a:r>
+              <a:rPr lang="en-US" sz="1200">
+                <a:solidFill>
+                  <a:schemeClr val="tx1"/>
+                </a:solidFill>
+              </a:rPr>
+              <a:t>Policy</a:t>
+            </a:r>
+          </a:p>
+        </p:txBody>
+      </p:sp>
+      <p:sp>
+        <p:nvSpPr>
+          <p:cNvPr id="55" name="Rounded Rectangle 54">
+            <a:extLst>
+              <a:ext uri="{FF2B5EF4-FFF2-40B4-BE49-F238E27FC236}">
+                <a16:creationId xmlns:a16="http://schemas.microsoft.com/office/drawing/2014/main" id="{272B4C63-5130-134B-AF87-0CB0F178A6C3}"/>
+              </a:ext>
+            </a:extLst>
+          </p:cNvPr>
+          <p:cNvSpPr/>
+          <p:nvPr/>
+        </p:nvSpPr>
+        <p:spPr>
+          <a:xfrm>
+            <a:off x="4861875" y="925980"/>
+            <a:ext cx="1248936" cy="657922"/>
+          </a:xfrm>
+          <a:prstGeom prst="roundRect">
+            <a:avLst/>
+          </a:prstGeom>
+          <a:pattFill prst="openDmnd">
+            <a:fgClr>
+              <a:schemeClr val="bg1">
+                <a:lumMod val="85000"/>
+              </a:schemeClr>
+            </a:fgClr>
+            <a:bgClr>
+              <a:schemeClr val="bg1"/>
+            </a:bgClr>
+          </a:pattFill>
+          <a:ln>
+            <a:solidFill>
+              <a:schemeClr val="tx1"/>
+            </a:solidFill>
+          </a:ln>
+        </p:spPr>
+        <p:style>
+          <a:lnRef idx="2">
+            <a:schemeClr val="accent1">
+              <a:shade val="50000"/>
+            </a:schemeClr>
+          </a:lnRef>
+          <a:fillRef idx="1">
+            <a:schemeClr val="accent1"/>
+          </a:fillRef>
+          <a:effectRef idx="0">
+            <a:schemeClr val="accent1"/>
+          </a:effectRef>
+          <a:fontRef idx="minor">
+            <a:schemeClr val="lt1"/>
+          </a:fontRef>
+        </p:style>
+        <p:txBody>
+          <a:bodyPr rtlCol="0" anchor="ctr"/>
+          <a:lstStyle/>
+          <a:p>
+            <a:pPr algn="ctr"/>
+            <a:r>
+              <a:rPr lang="en-US" sz="1200">
+                <a:solidFill>
+                  <a:schemeClr val="tx1"/>
+                </a:solidFill>
+              </a:rPr>
+              <a:t>skos:</a:t>
+            </a:r>
+            <a:br>
+              <a:rPr lang="en-US" sz="1200">
+                <a:solidFill>
+                  <a:schemeClr val="tx1"/>
+                </a:solidFill>
+              </a:rPr>
+            </a:br>
+            <a:r>
+              <a:rPr lang="en-US" sz="1200">
+                <a:solidFill>
+                  <a:schemeClr val="tx1"/>
+                </a:solidFill>
+              </a:rPr>
+              <a:t>Concept</a:t>
+            </a:r>
+          </a:p>
+        </p:txBody>
+      </p:sp>
+      <p:sp>
+        <p:nvSpPr>
+          <p:cNvPr id="69" name="Rounded Rectangle 68">
+            <a:extLst>
+              <a:ext uri="{FF2B5EF4-FFF2-40B4-BE49-F238E27FC236}">
+                <a16:creationId xmlns:a16="http://schemas.microsoft.com/office/drawing/2014/main" id="{31E81272-87B4-B246-80AF-60AA19A4D71F}"/>
+              </a:ext>
+            </a:extLst>
+          </p:cNvPr>
+          <p:cNvSpPr/>
+          <p:nvPr/>
+        </p:nvSpPr>
+        <p:spPr>
+          <a:xfrm>
+            <a:off x="4861875" y="5415947"/>
+            <a:ext cx="1248936" cy="657922"/>
+          </a:xfrm>
+          <a:prstGeom prst="roundRect">
+            <a:avLst/>
+          </a:prstGeom>
+          <a:noFill/>
+          <a:ln>
+            <a:solidFill>
+              <a:schemeClr val="tx1"/>
+            </a:solidFill>
+          </a:ln>
+        </p:spPr>
+        <p:style>
+          <a:lnRef idx="2">
+            <a:schemeClr val="accent1">
+              <a:shade val="50000"/>
+            </a:schemeClr>
+          </a:lnRef>
+          <a:fillRef idx="1">
+            <a:schemeClr val="accent1"/>
+          </a:fillRef>
+          <a:effectRef idx="0">
+            <a:schemeClr val="accent1"/>
+          </a:effectRef>
+          <a:fontRef idx="minor">
+            <a:schemeClr val="lt1"/>
+          </a:fontRef>
+        </p:style>
+        <p:txBody>
+          <a:bodyPr rtlCol="0" anchor="ctr"/>
+          <a:lstStyle/>
+          <a:p>
+            <a:pPr algn="ctr"/>
+            <a:r>
+              <a:rPr lang="en-US" sz="1200">
+                <a:solidFill>
+                  <a:schemeClr val="tx1"/>
+                </a:solidFill>
+              </a:rPr>
+              <a:t>odrl:</a:t>
+            </a:r>
+            <a:br>
+              <a:rPr lang="en-US" sz="1200">
+                <a:solidFill>
+                  <a:schemeClr val="tx1"/>
+                </a:solidFill>
+              </a:rPr>
+            </a:br>
+            <a:r>
+              <a:rPr lang="en-US" sz="1200">
+                <a:solidFill>
+                  <a:schemeClr val="tx1"/>
+                </a:solidFill>
+              </a:rPr>
+              <a:t>Permission</a:t>
+            </a:r>
+          </a:p>
+        </p:txBody>
+      </p:sp>
+      <p:cxnSp>
+        <p:nvCxnSpPr>
+          <p:cNvPr id="70" name="Straight Arrow Connector 69">
+            <a:extLst>
+              <a:ext uri="{FF2B5EF4-FFF2-40B4-BE49-F238E27FC236}">
+                <a16:creationId xmlns:a16="http://schemas.microsoft.com/office/drawing/2014/main" id="{F30ED95A-CFF0-0E4A-80F6-E75EE0CD8F09}"/>
+              </a:ext>
+            </a:extLst>
+          </p:cNvPr>
+          <p:cNvCxnSpPr>
+            <a:cxnSpLocks/>
+            <a:stCxn id="52" idx="2"/>
+            <a:endCxn id="69" idx="0"/>
+          </p:cNvCxnSpPr>
+          <p:nvPr/>
+        </p:nvCxnSpPr>
+        <p:spPr>
+          <a:xfrm>
+            <a:off x="5486343" y="4828253"/>
+            <a:ext cx="0" cy="587694"/>
+          </a:xfrm>
+          <a:prstGeom prst="straightConnector1">
+            <a:avLst/>
+          </a:prstGeom>
+          <a:ln>
+            <a:solidFill>
+              <a:schemeClr val="tx1"/>
+            </a:solidFill>
+            <a:headEnd type="none" w="med" len="med"/>
+            <a:tailEnd type="arrow" w="med" len="med"/>
+          </a:ln>
+        </p:spPr>
+        <p:style>
+          <a:lnRef idx="1">
+            <a:schemeClr val="accent1"/>
+          </a:lnRef>
+          <a:fillRef idx="0">
+            <a:schemeClr val="accent1"/>
+          </a:fillRef>
+          <a:effectRef idx="0">
+            <a:schemeClr val="accent1"/>
+          </a:effectRef>
+          <a:fontRef idx="minor">
+            <a:schemeClr val="tx1"/>
+          </a:fontRef>
+        </p:style>
+      </p:cxnSp>
+      <p:sp>
+        <p:nvSpPr>
+          <p:cNvPr id="71" name="TextBox 70">
+            <a:extLst>
+              <a:ext uri="{FF2B5EF4-FFF2-40B4-BE49-F238E27FC236}">
+                <a16:creationId xmlns:a16="http://schemas.microsoft.com/office/drawing/2014/main" id="{C97D7754-1B10-4B49-9ACC-5136713C71C7}"/>
+              </a:ext>
+            </a:extLst>
+          </p:cNvPr>
+          <p:cNvSpPr txBox="1"/>
+          <p:nvPr/>
+        </p:nvSpPr>
+        <p:spPr>
+          <a:xfrm>
+            <a:off x="4897609" y="5003812"/>
+            <a:ext cx="1362552" cy="184666"/>
+          </a:xfrm>
+          <a:prstGeom prst="rect">
+            <a:avLst/>
+          </a:prstGeom>
+          <a:solidFill>
+            <a:schemeClr val="bg1"/>
+          </a:solidFill>
+        </p:spPr>
+        <p:txBody>
+          <a:bodyPr wrap="none" lIns="0" tIns="0" rIns="0" bIns="0" rtlCol="0">
+            <a:spAutoFit/>
+          </a:bodyPr>
+          <a:lstStyle/>
+          <a:p>
+            <a:r>
+              <a:rPr lang="en-US" sz="1200" dirty="0"/>
+              <a:t>odrl:permission [1..N]</a:t>
+            </a:r>
+          </a:p>
+        </p:txBody>
+      </p:sp>
+      <p:sp>
+        <p:nvSpPr>
+          <p:cNvPr id="74" name="Freeform 73">
+            <a:extLst>
+              <a:ext uri="{FF2B5EF4-FFF2-40B4-BE49-F238E27FC236}">
+                <a16:creationId xmlns:a16="http://schemas.microsoft.com/office/drawing/2014/main" id="{8307162F-865D-0345-8573-A258B0E77C6C}"/>
+              </a:ext>
+            </a:extLst>
+          </p:cNvPr>
+          <p:cNvSpPr/>
+          <p:nvPr/>
+        </p:nvSpPr>
+        <p:spPr>
+          <a:xfrm>
+            <a:off x="2772192" y="705678"/>
+            <a:ext cx="3718060" cy="1560444"/>
+          </a:xfrm>
+          <a:custGeom>
+            <a:avLst/>
+            <a:gdLst>
+              <a:gd name="connsiteX0" fmla="*/ 3409947 w 3718060"/>
+              <a:gd name="connsiteY0" fmla="*/ 49696 h 1560444"/>
+              <a:gd name="connsiteX1" fmla="*/ 2962686 w 3718060"/>
+              <a:gd name="connsiteY1" fmla="*/ 39757 h 1560444"/>
+              <a:gd name="connsiteX2" fmla="*/ 2873234 w 3718060"/>
+              <a:gd name="connsiteY2" fmla="*/ 29818 h 1560444"/>
+              <a:gd name="connsiteX3" fmla="*/ 2386217 w 3718060"/>
+              <a:gd name="connsiteY3" fmla="*/ 19879 h 1560444"/>
+              <a:gd name="connsiteX4" fmla="*/ 1750112 w 3718060"/>
+              <a:gd name="connsiteY4" fmla="*/ 0 h 1560444"/>
+              <a:gd name="connsiteX5" fmla="*/ 607112 w 3718060"/>
+              <a:gd name="connsiteY5" fmla="*/ 29818 h 1560444"/>
+              <a:gd name="connsiteX6" fmla="*/ 428208 w 3718060"/>
+              <a:gd name="connsiteY6" fmla="*/ 69574 h 1560444"/>
+              <a:gd name="connsiteX7" fmla="*/ 398391 w 3718060"/>
+              <a:gd name="connsiteY7" fmla="*/ 89452 h 1560444"/>
+              <a:gd name="connsiteX8" fmla="*/ 378512 w 3718060"/>
+              <a:gd name="connsiteY8" fmla="*/ 109331 h 1560444"/>
+              <a:gd name="connsiteX9" fmla="*/ 338756 w 3718060"/>
+              <a:gd name="connsiteY9" fmla="*/ 168965 h 1560444"/>
+              <a:gd name="connsiteX10" fmla="*/ 318878 w 3718060"/>
+              <a:gd name="connsiteY10" fmla="*/ 228600 h 1560444"/>
+              <a:gd name="connsiteX11" fmla="*/ 308938 w 3718060"/>
+              <a:gd name="connsiteY11" fmla="*/ 258418 h 1560444"/>
+              <a:gd name="connsiteX12" fmla="*/ 298999 w 3718060"/>
+              <a:gd name="connsiteY12" fmla="*/ 298174 h 1560444"/>
+              <a:gd name="connsiteX13" fmla="*/ 289060 w 3718060"/>
+              <a:gd name="connsiteY13" fmla="*/ 665922 h 1560444"/>
+              <a:gd name="connsiteX14" fmla="*/ 279121 w 3718060"/>
+              <a:gd name="connsiteY14" fmla="*/ 725557 h 1560444"/>
+              <a:gd name="connsiteX15" fmla="*/ 259243 w 3718060"/>
+              <a:gd name="connsiteY15" fmla="*/ 785192 h 1560444"/>
+              <a:gd name="connsiteX16" fmla="*/ 229425 w 3718060"/>
+              <a:gd name="connsiteY16" fmla="*/ 884583 h 1560444"/>
+              <a:gd name="connsiteX17" fmla="*/ 189669 w 3718060"/>
+              <a:gd name="connsiteY17" fmla="*/ 934279 h 1560444"/>
+              <a:gd name="connsiteX18" fmla="*/ 149912 w 3718060"/>
+              <a:gd name="connsiteY18" fmla="*/ 983974 h 1560444"/>
+              <a:gd name="connsiteX19" fmla="*/ 120095 w 3718060"/>
+              <a:gd name="connsiteY19" fmla="*/ 1003852 h 1560444"/>
+              <a:gd name="connsiteX20" fmla="*/ 80338 w 3718060"/>
+              <a:gd name="connsiteY20" fmla="*/ 1043609 h 1560444"/>
+              <a:gd name="connsiteX21" fmla="*/ 50521 w 3718060"/>
+              <a:gd name="connsiteY21" fmla="*/ 1073426 h 1560444"/>
+              <a:gd name="connsiteX22" fmla="*/ 30643 w 3718060"/>
+              <a:gd name="connsiteY22" fmla="*/ 1093305 h 1560444"/>
+              <a:gd name="connsiteX23" fmla="*/ 20704 w 3718060"/>
+              <a:gd name="connsiteY23" fmla="*/ 1123122 h 1560444"/>
+              <a:gd name="connsiteX24" fmla="*/ 825 w 3718060"/>
+              <a:gd name="connsiteY24" fmla="*/ 1143000 h 1560444"/>
+              <a:gd name="connsiteX25" fmla="*/ 10765 w 3718060"/>
+              <a:gd name="connsiteY25" fmla="*/ 1321905 h 1560444"/>
+              <a:gd name="connsiteX26" fmla="*/ 30643 w 3718060"/>
+              <a:gd name="connsiteY26" fmla="*/ 1381539 h 1560444"/>
+              <a:gd name="connsiteX27" fmla="*/ 80338 w 3718060"/>
+              <a:gd name="connsiteY27" fmla="*/ 1421296 h 1560444"/>
+              <a:gd name="connsiteX28" fmla="*/ 100217 w 3718060"/>
+              <a:gd name="connsiteY28" fmla="*/ 1461052 h 1560444"/>
+              <a:gd name="connsiteX29" fmla="*/ 130034 w 3718060"/>
+              <a:gd name="connsiteY29" fmla="*/ 1470992 h 1560444"/>
+              <a:gd name="connsiteX30" fmla="*/ 189669 w 3718060"/>
+              <a:gd name="connsiteY30" fmla="*/ 1500809 h 1560444"/>
+              <a:gd name="connsiteX31" fmla="*/ 219486 w 3718060"/>
+              <a:gd name="connsiteY31" fmla="*/ 1520687 h 1560444"/>
+              <a:gd name="connsiteX32" fmla="*/ 408330 w 3718060"/>
+              <a:gd name="connsiteY32" fmla="*/ 1550505 h 1560444"/>
+              <a:gd name="connsiteX33" fmla="*/ 984799 w 3718060"/>
+              <a:gd name="connsiteY33" fmla="*/ 1560444 h 1560444"/>
+              <a:gd name="connsiteX34" fmla="*/ 2068165 w 3718060"/>
+              <a:gd name="connsiteY34" fmla="*/ 1550505 h 1560444"/>
+              <a:gd name="connsiteX35" fmla="*/ 2197373 w 3718060"/>
+              <a:gd name="connsiteY35" fmla="*/ 1540565 h 1560444"/>
+              <a:gd name="connsiteX36" fmla="*/ 2555182 w 3718060"/>
+              <a:gd name="connsiteY36" fmla="*/ 1520687 h 1560444"/>
+              <a:gd name="connsiteX37" fmla="*/ 2803660 w 3718060"/>
+              <a:gd name="connsiteY37" fmla="*/ 1500809 h 1560444"/>
+              <a:gd name="connsiteX38" fmla="*/ 2853356 w 3718060"/>
+              <a:gd name="connsiteY38" fmla="*/ 1490870 h 1560444"/>
+              <a:gd name="connsiteX39" fmla="*/ 2883173 w 3718060"/>
+              <a:gd name="connsiteY39" fmla="*/ 1480931 h 1560444"/>
+              <a:gd name="connsiteX40" fmla="*/ 2922930 w 3718060"/>
+              <a:gd name="connsiteY40" fmla="*/ 1470992 h 1560444"/>
+              <a:gd name="connsiteX41" fmla="*/ 2952747 w 3718060"/>
+              <a:gd name="connsiteY41" fmla="*/ 1461052 h 1560444"/>
+              <a:gd name="connsiteX42" fmla="*/ 3032260 w 3718060"/>
+              <a:gd name="connsiteY42" fmla="*/ 1441174 h 1560444"/>
+              <a:gd name="connsiteX43" fmla="*/ 3072017 w 3718060"/>
+              <a:gd name="connsiteY43" fmla="*/ 1431235 h 1560444"/>
+              <a:gd name="connsiteX44" fmla="*/ 3171408 w 3718060"/>
+              <a:gd name="connsiteY44" fmla="*/ 1411357 h 1560444"/>
+              <a:gd name="connsiteX45" fmla="*/ 3231043 w 3718060"/>
+              <a:gd name="connsiteY45" fmla="*/ 1391479 h 1560444"/>
+              <a:gd name="connsiteX46" fmla="*/ 3310556 w 3718060"/>
+              <a:gd name="connsiteY46" fmla="*/ 1371600 h 1560444"/>
+              <a:gd name="connsiteX47" fmla="*/ 3350312 w 3718060"/>
+              <a:gd name="connsiteY47" fmla="*/ 1351722 h 1560444"/>
+              <a:gd name="connsiteX48" fmla="*/ 3409947 w 3718060"/>
+              <a:gd name="connsiteY48" fmla="*/ 1311965 h 1560444"/>
+              <a:gd name="connsiteX49" fmla="*/ 3439765 w 3718060"/>
+              <a:gd name="connsiteY49" fmla="*/ 1292087 h 1560444"/>
+              <a:gd name="connsiteX50" fmla="*/ 3469582 w 3718060"/>
+              <a:gd name="connsiteY50" fmla="*/ 1272209 h 1560444"/>
+              <a:gd name="connsiteX51" fmla="*/ 3499399 w 3718060"/>
+              <a:gd name="connsiteY51" fmla="*/ 1252331 h 1560444"/>
+              <a:gd name="connsiteX52" fmla="*/ 3519278 w 3718060"/>
+              <a:gd name="connsiteY52" fmla="*/ 1232452 h 1560444"/>
+              <a:gd name="connsiteX53" fmla="*/ 3549095 w 3718060"/>
+              <a:gd name="connsiteY53" fmla="*/ 1172818 h 1560444"/>
+              <a:gd name="connsiteX54" fmla="*/ 3578912 w 3718060"/>
+              <a:gd name="connsiteY54" fmla="*/ 1113183 h 1560444"/>
+              <a:gd name="connsiteX55" fmla="*/ 3618669 w 3718060"/>
+              <a:gd name="connsiteY55" fmla="*/ 993913 h 1560444"/>
+              <a:gd name="connsiteX56" fmla="*/ 3628608 w 3718060"/>
+              <a:gd name="connsiteY56" fmla="*/ 964096 h 1560444"/>
+              <a:gd name="connsiteX57" fmla="*/ 3638547 w 3718060"/>
+              <a:gd name="connsiteY57" fmla="*/ 934279 h 1560444"/>
+              <a:gd name="connsiteX58" fmla="*/ 3648486 w 3718060"/>
+              <a:gd name="connsiteY58" fmla="*/ 894522 h 1560444"/>
+              <a:gd name="connsiteX59" fmla="*/ 3658425 w 3718060"/>
+              <a:gd name="connsiteY59" fmla="*/ 844826 h 1560444"/>
+              <a:gd name="connsiteX60" fmla="*/ 3678304 w 3718060"/>
+              <a:gd name="connsiteY60" fmla="*/ 785192 h 1560444"/>
+              <a:gd name="connsiteX61" fmla="*/ 3688243 w 3718060"/>
+              <a:gd name="connsiteY61" fmla="*/ 735496 h 1560444"/>
+              <a:gd name="connsiteX62" fmla="*/ 3708121 w 3718060"/>
+              <a:gd name="connsiteY62" fmla="*/ 616226 h 1560444"/>
+              <a:gd name="connsiteX63" fmla="*/ 3718060 w 3718060"/>
+              <a:gd name="connsiteY63" fmla="*/ 506896 h 1560444"/>
+              <a:gd name="connsiteX64" fmla="*/ 3698182 w 3718060"/>
+              <a:gd name="connsiteY64" fmla="*/ 337931 h 1560444"/>
+              <a:gd name="connsiteX65" fmla="*/ 3678304 w 3718060"/>
+              <a:gd name="connsiteY65" fmla="*/ 278296 h 1560444"/>
+              <a:gd name="connsiteX66" fmla="*/ 3668365 w 3718060"/>
+              <a:gd name="connsiteY66" fmla="*/ 248479 h 1560444"/>
+              <a:gd name="connsiteX67" fmla="*/ 3648486 w 3718060"/>
+              <a:gd name="connsiteY67" fmla="*/ 228600 h 1560444"/>
+              <a:gd name="connsiteX68" fmla="*/ 3628608 w 3718060"/>
+              <a:gd name="connsiteY68" fmla="*/ 198783 h 1560444"/>
+              <a:gd name="connsiteX69" fmla="*/ 3568973 w 3718060"/>
+              <a:gd name="connsiteY69" fmla="*/ 149087 h 1560444"/>
+              <a:gd name="connsiteX70" fmla="*/ 3509338 w 3718060"/>
+              <a:gd name="connsiteY70" fmla="*/ 129209 h 1560444"/>
+              <a:gd name="connsiteX71" fmla="*/ 3479521 w 3718060"/>
+              <a:gd name="connsiteY71" fmla="*/ 109331 h 1560444"/>
+              <a:gd name="connsiteX72" fmla="*/ 3449704 w 3718060"/>
+              <a:gd name="connsiteY72" fmla="*/ 99392 h 1560444"/>
+              <a:gd name="connsiteX73" fmla="*/ 3409947 w 3718060"/>
+              <a:gd name="connsiteY73" fmla="*/ 49696 h 1560444"/>
+            </a:gdLst>
+            <a:ahLst/>
+            <a:cxnLst>
+              <a:cxn ang="0">
+                <a:pos x="connsiteX0" y="connsiteY0"/>
+              </a:cxn>
+              <a:cxn ang="0">
+                <a:pos x="connsiteX1" y="connsiteY1"/>
+              </a:cxn>
+              <a:cxn ang="0">
+                <a:pos x="connsiteX2" y="connsiteY2"/>
+              </a:cxn>
+              <a:cxn ang="0">
+                <a:pos x="connsiteX3" y="connsiteY3"/>
+              </a:cxn>
+              <a:cxn ang="0">
+                <a:pos x="connsiteX4" y="connsiteY4"/>
+              </a:cxn>
+              <a:cxn ang="0">
+                <a:pos x="connsiteX5" y="connsiteY5"/>
+              </a:cxn>
+              <a:cxn ang="0">
+                <a:pos x="connsiteX6" y="connsiteY6"/>
+              </a:cxn>
+              <a:cxn ang="0">
+                <a:pos x="connsiteX7" y="connsiteY7"/>
+              </a:cxn>
+              <a:cxn ang="0">
+                <a:pos x="connsiteX8" y="connsiteY8"/>
+              </a:cxn>
+              <a:cxn ang="0">
+                <a:pos x="connsiteX9" y="connsiteY9"/>
+              </a:cxn>
+              <a:cxn ang="0">
+                <a:pos x="connsiteX10" y="connsiteY10"/>
+              </a:cxn>
+              <a:cxn ang="0">
+                <a:pos x="connsiteX11" y="connsiteY11"/>
+              </a:cxn>
+              <a:cxn ang="0">
+                <a:pos x="connsiteX12" y="connsiteY12"/>
+              </a:cxn>
+              <a:cxn ang="0">
+                <a:pos x="connsiteX13" y="connsiteY13"/>
+              </a:cxn>
+              <a:cxn ang="0">
+                <a:pos x="connsiteX14" y="connsiteY14"/>
+              </a:cxn>
+              <a:cxn ang="0">
+                <a:pos x="connsiteX15" y="connsiteY15"/>
+              </a:cxn>
+              <a:cxn ang="0">
+                <a:pos x="connsiteX16" y="connsiteY16"/>
+              </a:cxn>
+              <a:cxn ang="0">
+                <a:pos x="connsiteX17" y="connsiteY17"/>
+              </a:cxn>
+              <a:cxn ang="0">
+                <a:pos x="connsiteX18" y="connsiteY18"/>
+              </a:cxn>
+              <a:cxn ang="0">
+                <a:pos x="connsiteX19" y="connsiteY19"/>
+              </a:cxn>
+              <a:cxn ang="0">
+                <a:pos x="connsiteX20" y="connsiteY20"/>
+              </a:cxn>
+              <a:cxn ang="0">
+                <a:pos x="connsiteX21" y="connsiteY21"/>
+              </a:cxn>
+              <a:cxn ang="0">
+                <a:pos x="connsiteX22" y="connsiteY22"/>
+              </a:cxn>
+              <a:cxn ang="0">
+                <a:pos x="connsiteX23" y="connsiteY23"/>
+              </a:cxn>
+              <a:cxn ang="0">
+                <a:pos x="connsiteX24" y="connsiteY24"/>
+              </a:cxn>
+              <a:cxn ang="0">
+                <a:pos x="connsiteX25" y="connsiteY25"/>
+              </a:cxn>
+              <a:cxn ang="0">
+                <a:pos x="connsiteX26" y="connsiteY26"/>
+              </a:cxn>
+              <a:cxn ang="0">
+                <a:pos x="connsiteX27" y="connsiteY27"/>
+              </a:cxn>
+              <a:cxn ang="0">
+                <a:pos x="connsiteX28" y="connsiteY28"/>
+              </a:cxn>
+              <a:cxn ang="0">
+                <a:pos x="connsiteX29" y="connsiteY29"/>
+              </a:cxn>
+              <a:cxn ang="0">
+                <a:pos x="connsiteX30" y="connsiteY30"/>
+              </a:cxn>
+              <a:cxn ang="0">
+                <a:pos x="connsiteX31" y="connsiteY31"/>
+              </a:cxn>
+              <a:cxn ang="0">
+                <a:pos x="connsiteX32" y="connsiteY32"/>
+              </a:cxn>
+              <a:cxn ang="0">
+                <a:pos x="connsiteX33" y="connsiteY33"/>
+              </a:cxn>
+              <a:cxn ang="0">
+                <a:pos x="connsiteX34" y="connsiteY34"/>
+              </a:cxn>
+              <a:cxn ang="0">
+                <a:pos x="connsiteX35" y="connsiteY35"/>
+              </a:cxn>
+              <a:cxn ang="0">
+                <a:pos x="connsiteX36" y="connsiteY36"/>
+              </a:cxn>
+              <a:cxn ang="0">
+                <a:pos x="connsiteX37" y="connsiteY37"/>
+              </a:cxn>
+              <a:cxn ang="0">
+                <a:pos x="connsiteX38" y="connsiteY38"/>
+              </a:cxn>
+              <a:cxn ang="0">
+                <a:pos x="connsiteX39" y="connsiteY39"/>
+              </a:cxn>
+              <a:cxn ang="0">
+                <a:pos x="connsiteX40" y="connsiteY40"/>
+              </a:cxn>
+              <a:cxn ang="0">
+                <a:pos x="connsiteX41" y="connsiteY41"/>
+              </a:cxn>
+              <a:cxn ang="0">
+                <a:pos x="connsiteX42" y="connsiteY42"/>
+              </a:cxn>
+              <a:cxn ang="0">
+                <a:pos x="connsiteX43" y="connsiteY43"/>
+              </a:cxn>
+              <a:cxn ang="0">
+                <a:pos x="connsiteX44" y="connsiteY44"/>
+              </a:cxn>
+              <a:cxn ang="0">
+                <a:pos x="connsiteX45" y="connsiteY45"/>
+              </a:cxn>
+              <a:cxn ang="0">
+                <a:pos x="connsiteX46" y="connsiteY46"/>
+              </a:cxn>
+              <a:cxn ang="0">
+                <a:pos x="connsiteX47" y="connsiteY47"/>
+              </a:cxn>
+              <a:cxn ang="0">
+                <a:pos x="connsiteX48" y="connsiteY48"/>
+              </a:cxn>
+              <a:cxn ang="0">
+                <a:pos x="connsiteX49" y="connsiteY49"/>
+              </a:cxn>
+              <a:cxn ang="0">
+                <a:pos x="connsiteX50" y="connsiteY50"/>
+              </a:cxn>
+              <a:cxn ang="0">
+                <a:pos x="connsiteX51" y="connsiteY51"/>
+              </a:cxn>
+              <a:cxn ang="0">
+                <a:pos x="connsiteX52" y="connsiteY52"/>
+              </a:cxn>
+              <a:cxn ang="0">
+                <a:pos x="connsiteX53" y="connsiteY53"/>
+              </a:cxn>
+              <a:cxn ang="0">
+                <a:pos x="connsiteX54" y="connsiteY54"/>
+              </a:cxn>
+              <a:cxn ang="0">
+                <a:pos x="connsiteX55" y="connsiteY55"/>
+              </a:cxn>
+              <a:cxn ang="0">
+                <a:pos x="connsiteX56" y="connsiteY56"/>
+              </a:cxn>
+              <a:cxn ang="0">
+                <a:pos x="connsiteX57" y="connsiteY57"/>
+              </a:cxn>
+              <a:cxn ang="0">
+                <a:pos x="connsiteX58" y="connsiteY58"/>
+              </a:cxn>
+              <a:cxn ang="0">
+                <a:pos x="connsiteX59" y="connsiteY59"/>
+              </a:cxn>
+              <a:cxn ang="0">
+                <a:pos x="connsiteX60" y="connsiteY60"/>
+              </a:cxn>
+              <a:cxn ang="0">
+                <a:pos x="connsiteX61" y="connsiteY61"/>
+              </a:cxn>
+              <a:cxn ang="0">
+                <a:pos x="connsiteX62" y="connsiteY62"/>
+              </a:cxn>
+              <a:cxn ang="0">
+                <a:pos x="connsiteX63" y="connsiteY63"/>
+              </a:cxn>
+              <a:cxn ang="0">
+                <a:pos x="connsiteX64" y="connsiteY64"/>
+              </a:cxn>
+              <a:cxn ang="0">
+                <a:pos x="connsiteX65" y="connsiteY65"/>
+              </a:cxn>
+              <a:cxn ang="0">
+                <a:pos x="connsiteX66" y="connsiteY66"/>
+              </a:cxn>
+              <a:cxn ang="0">
+                <a:pos x="connsiteX67" y="connsiteY67"/>
+              </a:cxn>
+              <a:cxn ang="0">
+                <a:pos x="connsiteX68" y="connsiteY68"/>
+              </a:cxn>
+              <a:cxn ang="0">
+                <a:pos x="connsiteX69" y="connsiteY69"/>
+              </a:cxn>
+              <a:cxn ang="0">
+                <a:pos x="connsiteX70" y="connsiteY70"/>
+              </a:cxn>
+              <a:cxn ang="0">
+                <a:pos x="connsiteX71" y="connsiteY71"/>
+              </a:cxn>
+              <a:cxn ang="0">
+                <a:pos x="connsiteX72" y="connsiteY72"/>
+              </a:cxn>
+              <a:cxn ang="0">
+                <a:pos x="connsiteX73" y="connsiteY73"/>
+              </a:cxn>
+            </a:cxnLst>
+            <a:rect l="l" t="t" r="r" b="b"/>
+            <a:pathLst>
+              <a:path w="3718060" h="1560444">
+                <a:moveTo>
+                  <a:pt x="3409947" y="49696"/>
+                </a:moveTo>
+                <a:cubicBezTo>
+                  <a:pt x="3328777" y="39757"/>
+                  <a:pt x="3111708" y="45276"/>
+                  <a:pt x="2962686" y="39757"/>
+                </a:cubicBezTo>
+                <a:cubicBezTo>
+                  <a:pt x="2932706" y="38647"/>
+                  <a:pt x="2903217" y="30852"/>
+                  <a:pt x="2873234" y="29818"/>
+                </a:cubicBezTo>
+                <a:cubicBezTo>
+                  <a:pt x="2710958" y="24222"/>
+                  <a:pt x="2548533" y="24188"/>
+                  <a:pt x="2386217" y="19879"/>
+                </a:cubicBezTo>
+                <a:lnTo>
+                  <a:pt x="1750112" y="0"/>
+                </a:lnTo>
+                <a:cubicBezTo>
+                  <a:pt x="713037" y="20952"/>
+                  <a:pt x="1093557" y="-584"/>
+                  <a:pt x="607112" y="29818"/>
+                </a:cubicBezTo>
+                <a:cubicBezTo>
+                  <a:pt x="592682" y="32223"/>
+                  <a:pt x="460831" y="47825"/>
+                  <a:pt x="428208" y="69574"/>
+                </a:cubicBezTo>
+                <a:cubicBezTo>
+                  <a:pt x="418269" y="76200"/>
+                  <a:pt x="407719" y="81990"/>
+                  <a:pt x="398391" y="89452"/>
+                </a:cubicBezTo>
+                <a:cubicBezTo>
+                  <a:pt x="391073" y="95306"/>
+                  <a:pt x="384135" y="101834"/>
+                  <a:pt x="378512" y="109331"/>
+                </a:cubicBezTo>
+                <a:cubicBezTo>
+                  <a:pt x="364178" y="128443"/>
+                  <a:pt x="338756" y="168965"/>
+                  <a:pt x="338756" y="168965"/>
+                </a:cubicBezTo>
+                <a:lnTo>
+                  <a:pt x="318878" y="228600"/>
+                </a:lnTo>
+                <a:cubicBezTo>
+                  <a:pt x="315565" y="238539"/>
+                  <a:pt x="311479" y="248254"/>
+                  <a:pt x="308938" y="258418"/>
+                </a:cubicBezTo>
+                <a:lnTo>
+                  <a:pt x="298999" y="298174"/>
+                </a:lnTo>
+                <a:cubicBezTo>
+                  <a:pt x="295686" y="420757"/>
+                  <a:pt x="294757" y="543427"/>
+                  <a:pt x="289060" y="665922"/>
+                </a:cubicBezTo>
+                <a:cubicBezTo>
+                  <a:pt x="288124" y="686053"/>
+                  <a:pt x="284009" y="706006"/>
+                  <a:pt x="279121" y="725557"/>
+                </a:cubicBezTo>
+                <a:cubicBezTo>
+                  <a:pt x="274039" y="745885"/>
+                  <a:pt x="264325" y="764864"/>
+                  <a:pt x="259243" y="785192"/>
+                </a:cubicBezTo>
+                <a:cubicBezTo>
+                  <a:pt x="253687" y="807418"/>
+                  <a:pt x="239105" y="870062"/>
+                  <a:pt x="229425" y="884583"/>
+                </a:cubicBezTo>
+                <a:cubicBezTo>
+                  <a:pt x="168243" y="976355"/>
+                  <a:pt x="246318" y="863467"/>
+                  <a:pt x="189669" y="934279"/>
+                </a:cubicBezTo>
+                <a:cubicBezTo>
+                  <a:pt x="166708" y="962981"/>
+                  <a:pt x="176578" y="962641"/>
+                  <a:pt x="149912" y="983974"/>
+                </a:cubicBezTo>
+                <a:cubicBezTo>
+                  <a:pt x="140584" y="991436"/>
+                  <a:pt x="129164" y="996078"/>
+                  <a:pt x="120095" y="1003852"/>
+                </a:cubicBezTo>
+                <a:cubicBezTo>
+                  <a:pt x="105865" y="1016049"/>
+                  <a:pt x="93590" y="1030357"/>
+                  <a:pt x="80338" y="1043609"/>
+                </a:cubicBezTo>
+                <a:lnTo>
+                  <a:pt x="50521" y="1073426"/>
+                </a:lnTo>
+                <a:lnTo>
+                  <a:pt x="30643" y="1093305"/>
+                </a:lnTo>
+                <a:cubicBezTo>
+                  <a:pt x="27330" y="1103244"/>
+                  <a:pt x="26094" y="1114138"/>
+                  <a:pt x="20704" y="1123122"/>
+                </a:cubicBezTo>
+                <a:cubicBezTo>
+                  <a:pt x="15883" y="1131157"/>
+                  <a:pt x="1293" y="1133641"/>
+                  <a:pt x="825" y="1143000"/>
+                </a:cubicBezTo>
+                <a:cubicBezTo>
+                  <a:pt x="-2158" y="1202652"/>
+                  <a:pt x="3357" y="1262639"/>
+                  <a:pt x="10765" y="1321905"/>
+                </a:cubicBezTo>
+                <a:cubicBezTo>
+                  <a:pt x="13364" y="1342696"/>
+                  <a:pt x="15827" y="1366722"/>
+                  <a:pt x="30643" y="1381539"/>
+                </a:cubicBezTo>
+                <a:cubicBezTo>
+                  <a:pt x="58967" y="1409865"/>
+                  <a:pt x="42724" y="1396220"/>
+                  <a:pt x="80338" y="1421296"/>
+                </a:cubicBezTo>
+                <a:cubicBezTo>
+                  <a:pt x="86964" y="1434548"/>
+                  <a:pt x="89740" y="1450575"/>
+                  <a:pt x="100217" y="1461052"/>
+                </a:cubicBezTo>
+                <a:cubicBezTo>
+                  <a:pt x="107625" y="1468460"/>
+                  <a:pt x="120663" y="1466307"/>
+                  <a:pt x="130034" y="1470992"/>
+                </a:cubicBezTo>
+                <a:cubicBezTo>
+                  <a:pt x="207092" y="1509522"/>
+                  <a:pt x="114730" y="1475830"/>
+                  <a:pt x="189669" y="1500809"/>
+                </a:cubicBezTo>
+                <a:cubicBezTo>
+                  <a:pt x="199608" y="1507435"/>
+                  <a:pt x="208069" y="1517174"/>
+                  <a:pt x="219486" y="1520687"/>
+                </a:cubicBezTo>
+                <a:cubicBezTo>
+                  <a:pt x="257839" y="1532488"/>
+                  <a:pt x="365619" y="1549230"/>
+                  <a:pt x="408330" y="1550505"/>
+                </a:cubicBezTo>
+                <a:cubicBezTo>
+                  <a:pt x="600429" y="1556240"/>
+                  <a:pt x="792643" y="1557131"/>
+                  <a:pt x="984799" y="1560444"/>
+                </a:cubicBezTo>
+                <a:lnTo>
+                  <a:pt x="2068165" y="1550505"/>
+                </a:lnTo>
+                <a:cubicBezTo>
+                  <a:pt x="2111356" y="1549797"/>
+                  <a:pt x="2154256" y="1543178"/>
+                  <a:pt x="2197373" y="1540565"/>
+                </a:cubicBezTo>
+                <a:cubicBezTo>
+                  <a:pt x="2422888" y="1526897"/>
+                  <a:pt x="2351007" y="1535626"/>
+                  <a:pt x="2555182" y="1520687"/>
+                </a:cubicBezTo>
+                <a:lnTo>
+                  <a:pt x="2803660" y="1500809"/>
+                </a:lnTo>
+                <a:cubicBezTo>
+                  <a:pt x="2820225" y="1497496"/>
+                  <a:pt x="2836967" y="1494967"/>
+                  <a:pt x="2853356" y="1490870"/>
+                </a:cubicBezTo>
+                <a:cubicBezTo>
+                  <a:pt x="2863520" y="1488329"/>
+                  <a:pt x="2873099" y="1483809"/>
+                  <a:pt x="2883173" y="1480931"/>
+                </a:cubicBezTo>
+                <a:cubicBezTo>
+                  <a:pt x="2896308" y="1477178"/>
+                  <a:pt x="2909795" y="1474745"/>
+                  <a:pt x="2922930" y="1470992"/>
+                </a:cubicBezTo>
+                <a:cubicBezTo>
+                  <a:pt x="2933004" y="1468114"/>
+                  <a:pt x="2942639" y="1463809"/>
+                  <a:pt x="2952747" y="1461052"/>
+                </a:cubicBezTo>
+                <a:cubicBezTo>
+                  <a:pt x="2979104" y="1453863"/>
+                  <a:pt x="3005756" y="1447800"/>
+                  <a:pt x="3032260" y="1441174"/>
+                </a:cubicBezTo>
+                <a:cubicBezTo>
+                  <a:pt x="3045512" y="1437861"/>
+                  <a:pt x="3058622" y="1433914"/>
+                  <a:pt x="3072017" y="1431235"/>
+                </a:cubicBezTo>
+                <a:cubicBezTo>
+                  <a:pt x="3105147" y="1424609"/>
+                  <a:pt x="3139355" y="1422041"/>
+                  <a:pt x="3171408" y="1411357"/>
+                </a:cubicBezTo>
+                <a:cubicBezTo>
+                  <a:pt x="3191286" y="1404731"/>
+                  <a:pt x="3210715" y="1396561"/>
+                  <a:pt x="3231043" y="1391479"/>
+                </a:cubicBezTo>
+                <a:lnTo>
+                  <a:pt x="3310556" y="1371600"/>
+                </a:lnTo>
+                <a:cubicBezTo>
+                  <a:pt x="3323808" y="1364974"/>
+                  <a:pt x="3337607" y="1359345"/>
+                  <a:pt x="3350312" y="1351722"/>
+                </a:cubicBezTo>
+                <a:cubicBezTo>
+                  <a:pt x="3370798" y="1339430"/>
+                  <a:pt x="3390069" y="1325217"/>
+                  <a:pt x="3409947" y="1311965"/>
+                </a:cubicBezTo>
+                <a:lnTo>
+                  <a:pt x="3439765" y="1292087"/>
+                </a:lnTo>
+                <a:lnTo>
+                  <a:pt x="3469582" y="1272209"/>
+                </a:lnTo>
+                <a:cubicBezTo>
+                  <a:pt x="3479521" y="1265583"/>
+                  <a:pt x="3490952" y="1260778"/>
+                  <a:pt x="3499399" y="1252331"/>
+                </a:cubicBezTo>
+                <a:lnTo>
+                  <a:pt x="3519278" y="1232452"/>
+                </a:lnTo>
+                <a:cubicBezTo>
+                  <a:pt x="3544261" y="1157503"/>
+                  <a:pt x="3510560" y="1249890"/>
+                  <a:pt x="3549095" y="1172818"/>
+                </a:cubicBezTo>
+                <a:cubicBezTo>
+                  <a:pt x="3590244" y="1090519"/>
+                  <a:pt x="3521945" y="1198633"/>
+                  <a:pt x="3578912" y="1113183"/>
+                </a:cubicBezTo>
+                <a:lnTo>
+                  <a:pt x="3618669" y="993913"/>
+                </a:lnTo>
+                <a:lnTo>
+                  <a:pt x="3628608" y="964096"/>
+                </a:lnTo>
+                <a:cubicBezTo>
+                  <a:pt x="3631921" y="954157"/>
+                  <a:pt x="3636006" y="944443"/>
+                  <a:pt x="3638547" y="934279"/>
+                </a:cubicBezTo>
+                <a:cubicBezTo>
+                  <a:pt x="3641860" y="921027"/>
+                  <a:pt x="3645523" y="907857"/>
+                  <a:pt x="3648486" y="894522"/>
+                </a:cubicBezTo>
+                <a:cubicBezTo>
+                  <a:pt x="3652151" y="878031"/>
+                  <a:pt x="3653980" y="861124"/>
+                  <a:pt x="3658425" y="844826"/>
+                </a:cubicBezTo>
+                <a:cubicBezTo>
+                  <a:pt x="3663938" y="824611"/>
+                  <a:pt x="3674195" y="805738"/>
+                  <a:pt x="3678304" y="785192"/>
+                </a:cubicBezTo>
+                <a:cubicBezTo>
+                  <a:pt x="3681617" y="768627"/>
+                  <a:pt x="3685466" y="752160"/>
+                  <a:pt x="3688243" y="735496"/>
+                </a:cubicBezTo>
+                <a:cubicBezTo>
+                  <a:pt x="3712899" y="587557"/>
+                  <a:pt x="3684698" y="733344"/>
+                  <a:pt x="3708121" y="616226"/>
+                </a:cubicBezTo>
+                <a:cubicBezTo>
+                  <a:pt x="3711434" y="579783"/>
+                  <a:pt x="3718060" y="543490"/>
+                  <a:pt x="3718060" y="506896"/>
+                </a:cubicBezTo>
+                <a:cubicBezTo>
+                  <a:pt x="3718060" y="468309"/>
+                  <a:pt x="3711142" y="385453"/>
+                  <a:pt x="3698182" y="337931"/>
+                </a:cubicBezTo>
+                <a:cubicBezTo>
+                  <a:pt x="3692669" y="317716"/>
+                  <a:pt x="3684930" y="298174"/>
+                  <a:pt x="3678304" y="278296"/>
+                </a:cubicBezTo>
+                <a:cubicBezTo>
+                  <a:pt x="3674991" y="268357"/>
+                  <a:pt x="3675773" y="255887"/>
+                  <a:pt x="3668365" y="248479"/>
+                </a:cubicBezTo>
+                <a:cubicBezTo>
+                  <a:pt x="3661739" y="241853"/>
+                  <a:pt x="3654340" y="235918"/>
+                  <a:pt x="3648486" y="228600"/>
+                </a:cubicBezTo>
+                <a:cubicBezTo>
+                  <a:pt x="3641024" y="219272"/>
+                  <a:pt x="3636255" y="207960"/>
+                  <a:pt x="3628608" y="198783"/>
+                </a:cubicBezTo>
+                <a:cubicBezTo>
+                  <a:pt x="3614838" y="182258"/>
+                  <a:pt x="3589671" y="158286"/>
+                  <a:pt x="3568973" y="149087"/>
+                </a:cubicBezTo>
+                <a:cubicBezTo>
+                  <a:pt x="3549825" y="140577"/>
+                  <a:pt x="3509338" y="129209"/>
+                  <a:pt x="3509338" y="129209"/>
+                </a:cubicBezTo>
+                <a:cubicBezTo>
+                  <a:pt x="3499399" y="122583"/>
+                  <a:pt x="3490205" y="114673"/>
+                  <a:pt x="3479521" y="109331"/>
+                </a:cubicBezTo>
+                <a:cubicBezTo>
+                  <a:pt x="3470150" y="104646"/>
+                  <a:pt x="3458688" y="104782"/>
+                  <a:pt x="3449704" y="99392"/>
+                </a:cubicBezTo>
+                <a:cubicBezTo>
+                  <a:pt x="3408764" y="74828"/>
+                  <a:pt x="3491117" y="59635"/>
+                  <a:pt x="3409947" y="49696"/>
+                </a:cubicBezTo>
+                <a:close/>
+              </a:path>
+            </a:pathLst>
+          </a:custGeom>
+          <a:noFill/>
+          <a:ln>
+            <a:solidFill>
+              <a:srgbClr val="C00000"/>
+            </a:solidFill>
+          </a:ln>
+        </p:spPr>
+        <p:style>
+          <a:lnRef idx="2">
+            <a:schemeClr val="accent1">
+              <a:shade val="50000"/>
+            </a:schemeClr>
+          </a:lnRef>
+          <a:fillRef idx="1">
+            <a:schemeClr val="accent1"/>
+          </a:fillRef>
+          <a:effectRef idx="0">
+            <a:schemeClr val="accent1"/>
+          </a:effectRef>
+          <a:fontRef idx="minor">
+            <a:schemeClr val="lt1"/>
+          </a:fontRef>
+        </p:style>
+        <p:txBody>
+          <a:bodyPr rtlCol="0" anchor="ctr"/>
+          <a:lstStyle/>
+          <a:p>
+            <a:pPr algn="ctr"/>
+            <a:endParaRPr lang="en-US"/>
+          </a:p>
+        </p:txBody>
+      </p:sp>
+      <p:sp>
+        <p:nvSpPr>
+          <p:cNvPr id="75" name="Freeform 74">
+            <a:extLst>
+              <a:ext uri="{FF2B5EF4-FFF2-40B4-BE49-F238E27FC236}">
+                <a16:creationId xmlns:a16="http://schemas.microsoft.com/office/drawing/2014/main" id="{847FC3D3-90A6-2D41-A658-124F2AE425ED}"/>
+              </a:ext>
+            </a:extLst>
+          </p:cNvPr>
+          <p:cNvSpPr/>
+          <p:nvPr/>
+        </p:nvSpPr>
+        <p:spPr>
+          <a:xfrm>
+            <a:off x="4691270" y="3687417"/>
+            <a:ext cx="1709530" cy="2594113"/>
+          </a:xfrm>
+          <a:custGeom>
+            <a:avLst/>
+            <a:gdLst>
+              <a:gd name="connsiteX0" fmla="*/ 39756 w 1709530"/>
+              <a:gd name="connsiteY0" fmla="*/ 248479 h 2594113"/>
+              <a:gd name="connsiteX1" fmla="*/ 59634 w 1709530"/>
+              <a:gd name="connsiteY1" fmla="*/ 198783 h 2594113"/>
+              <a:gd name="connsiteX2" fmla="*/ 79513 w 1709530"/>
+              <a:gd name="connsiteY2" fmla="*/ 129209 h 2594113"/>
+              <a:gd name="connsiteX3" fmla="*/ 168965 w 1709530"/>
+              <a:gd name="connsiteY3" fmla="*/ 59635 h 2594113"/>
+              <a:gd name="connsiteX4" fmla="*/ 198782 w 1709530"/>
+              <a:gd name="connsiteY4" fmla="*/ 49696 h 2594113"/>
+              <a:gd name="connsiteX5" fmla="*/ 228600 w 1709530"/>
+              <a:gd name="connsiteY5" fmla="*/ 29818 h 2594113"/>
+              <a:gd name="connsiteX6" fmla="*/ 377687 w 1709530"/>
+              <a:gd name="connsiteY6" fmla="*/ 9940 h 2594113"/>
+              <a:gd name="connsiteX7" fmla="*/ 636104 w 1709530"/>
+              <a:gd name="connsiteY7" fmla="*/ 0 h 2594113"/>
+              <a:gd name="connsiteX8" fmla="*/ 1123121 w 1709530"/>
+              <a:gd name="connsiteY8" fmla="*/ 9940 h 2594113"/>
+              <a:gd name="connsiteX9" fmla="*/ 1391478 w 1709530"/>
+              <a:gd name="connsiteY9" fmla="*/ 29818 h 2594113"/>
+              <a:gd name="connsiteX10" fmla="*/ 1451113 w 1709530"/>
+              <a:gd name="connsiteY10" fmla="*/ 59635 h 2594113"/>
+              <a:gd name="connsiteX11" fmla="*/ 1510747 w 1709530"/>
+              <a:gd name="connsiteY11" fmla="*/ 99392 h 2594113"/>
+              <a:gd name="connsiteX12" fmla="*/ 1530626 w 1709530"/>
+              <a:gd name="connsiteY12" fmla="*/ 119270 h 2594113"/>
+              <a:gd name="connsiteX13" fmla="*/ 1560443 w 1709530"/>
+              <a:gd name="connsiteY13" fmla="*/ 168966 h 2594113"/>
+              <a:gd name="connsiteX14" fmla="*/ 1600200 w 1709530"/>
+              <a:gd name="connsiteY14" fmla="*/ 258418 h 2594113"/>
+              <a:gd name="connsiteX15" fmla="*/ 1630017 w 1709530"/>
+              <a:gd name="connsiteY15" fmla="*/ 337931 h 2594113"/>
+              <a:gd name="connsiteX16" fmla="*/ 1639956 w 1709530"/>
+              <a:gd name="connsiteY16" fmla="*/ 377687 h 2594113"/>
+              <a:gd name="connsiteX17" fmla="*/ 1679713 w 1709530"/>
+              <a:gd name="connsiteY17" fmla="*/ 506896 h 2594113"/>
+              <a:gd name="connsiteX18" fmla="*/ 1699591 w 1709530"/>
+              <a:gd name="connsiteY18" fmla="*/ 665922 h 2594113"/>
+              <a:gd name="connsiteX19" fmla="*/ 1709530 w 1709530"/>
+              <a:gd name="connsiteY19" fmla="*/ 834887 h 2594113"/>
+              <a:gd name="connsiteX20" fmla="*/ 1699591 w 1709530"/>
+              <a:gd name="connsiteY20" fmla="*/ 1331844 h 2594113"/>
+              <a:gd name="connsiteX21" fmla="*/ 1689652 w 1709530"/>
+              <a:gd name="connsiteY21" fmla="*/ 1441174 h 2594113"/>
+              <a:gd name="connsiteX22" fmla="*/ 1669773 w 1709530"/>
+              <a:gd name="connsiteY22" fmla="*/ 1729409 h 2594113"/>
+              <a:gd name="connsiteX23" fmla="*/ 1659834 w 1709530"/>
+              <a:gd name="connsiteY23" fmla="*/ 1828800 h 2594113"/>
+              <a:gd name="connsiteX24" fmla="*/ 1649895 w 1709530"/>
+              <a:gd name="connsiteY24" fmla="*/ 1938131 h 2594113"/>
+              <a:gd name="connsiteX25" fmla="*/ 1620078 w 1709530"/>
+              <a:gd name="connsiteY25" fmla="*/ 2117035 h 2594113"/>
+              <a:gd name="connsiteX26" fmla="*/ 1610139 w 1709530"/>
+              <a:gd name="connsiteY26" fmla="*/ 2146853 h 2594113"/>
+              <a:gd name="connsiteX27" fmla="*/ 1590260 w 1709530"/>
+              <a:gd name="connsiteY27" fmla="*/ 2166731 h 2594113"/>
+              <a:gd name="connsiteX28" fmla="*/ 1550504 w 1709530"/>
+              <a:gd name="connsiteY28" fmla="*/ 2226366 h 2594113"/>
+              <a:gd name="connsiteX29" fmla="*/ 1530626 w 1709530"/>
+              <a:gd name="connsiteY29" fmla="*/ 2256183 h 2594113"/>
+              <a:gd name="connsiteX30" fmla="*/ 1510747 w 1709530"/>
+              <a:gd name="connsiteY30" fmla="*/ 2286000 h 2594113"/>
+              <a:gd name="connsiteX31" fmla="*/ 1490869 w 1709530"/>
+              <a:gd name="connsiteY31" fmla="*/ 2315818 h 2594113"/>
+              <a:gd name="connsiteX32" fmla="*/ 1441173 w 1709530"/>
+              <a:gd name="connsiteY32" fmla="*/ 2365513 h 2594113"/>
+              <a:gd name="connsiteX33" fmla="*/ 1421295 w 1709530"/>
+              <a:gd name="connsiteY33" fmla="*/ 2385392 h 2594113"/>
+              <a:gd name="connsiteX34" fmla="*/ 1411356 w 1709530"/>
+              <a:gd name="connsiteY34" fmla="*/ 2415209 h 2594113"/>
+              <a:gd name="connsiteX35" fmla="*/ 1381539 w 1709530"/>
+              <a:gd name="connsiteY35" fmla="*/ 2435087 h 2594113"/>
+              <a:gd name="connsiteX36" fmla="*/ 1361660 w 1709530"/>
+              <a:gd name="connsiteY36" fmla="*/ 2454966 h 2594113"/>
+              <a:gd name="connsiteX37" fmla="*/ 1302026 w 1709530"/>
+              <a:gd name="connsiteY37" fmla="*/ 2494722 h 2594113"/>
+              <a:gd name="connsiteX38" fmla="*/ 1282147 w 1709530"/>
+              <a:gd name="connsiteY38" fmla="*/ 2514600 h 2594113"/>
+              <a:gd name="connsiteX39" fmla="*/ 1222513 w 1709530"/>
+              <a:gd name="connsiteY39" fmla="*/ 2534479 h 2594113"/>
+              <a:gd name="connsiteX40" fmla="*/ 1192695 w 1709530"/>
+              <a:gd name="connsiteY40" fmla="*/ 2544418 h 2594113"/>
+              <a:gd name="connsiteX41" fmla="*/ 1162878 w 1709530"/>
+              <a:gd name="connsiteY41" fmla="*/ 2564296 h 2594113"/>
+              <a:gd name="connsiteX42" fmla="*/ 1123121 w 1709530"/>
+              <a:gd name="connsiteY42" fmla="*/ 2574235 h 2594113"/>
+              <a:gd name="connsiteX43" fmla="*/ 974034 w 1709530"/>
+              <a:gd name="connsiteY43" fmla="*/ 2594113 h 2594113"/>
+              <a:gd name="connsiteX44" fmla="*/ 606287 w 1709530"/>
+              <a:gd name="connsiteY44" fmla="*/ 2574235 h 2594113"/>
+              <a:gd name="connsiteX45" fmla="*/ 407504 w 1709530"/>
+              <a:gd name="connsiteY45" fmla="*/ 2554357 h 2594113"/>
+              <a:gd name="connsiteX46" fmla="*/ 367747 w 1709530"/>
+              <a:gd name="connsiteY46" fmla="*/ 2544418 h 2594113"/>
+              <a:gd name="connsiteX47" fmla="*/ 308113 w 1709530"/>
+              <a:gd name="connsiteY47" fmla="*/ 2524540 h 2594113"/>
+              <a:gd name="connsiteX48" fmla="*/ 258417 w 1709530"/>
+              <a:gd name="connsiteY48" fmla="*/ 2494722 h 2594113"/>
+              <a:gd name="connsiteX49" fmla="*/ 198782 w 1709530"/>
+              <a:gd name="connsiteY49" fmla="*/ 2464905 h 2594113"/>
+              <a:gd name="connsiteX50" fmla="*/ 178904 w 1709530"/>
+              <a:gd name="connsiteY50" fmla="*/ 2445026 h 2594113"/>
+              <a:gd name="connsiteX51" fmla="*/ 129208 w 1709530"/>
+              <a:gd name="connsiteY51" fmla="*/ 2405270 h 2594113"/>
+              <a:gd name="connsiteX52" fmla="*/ 119269 w 1709530"/>
+              <a:gd name="connsiteY52" fmla="*/ 2375453 h 2594113"/>
+              <a:gd name="connsiteX53" fmla="*/ 79513 w 1709530"/>
+              <a:gd name="connsiteY53" fmla="*/ 2325757 h 2594113"/>
+              <a:gd name="connsiteX54" fmla="*/ 59634 w 1709530"/>
+              <a:gd name="connsiteY54" fmla="*/ 2266122 h 2594113"/>
+              <a:gd name="connsiteX55" fmla="*/ 49695 w 1709530"/>
+              <a:gd name="connsiteY55" fmla="*/ 2236305 h 2594113"/>
+              <a:gd name="connsiteX56" fmla="*/ 39756 w 1709530"/>
+              <a:gd name="connsiteY56" fmla="*/ 2206487 h 2594113"/>
+              <a:gd name="connsiteX57" fmla="*/ 29817 w 1709530"/>
+              <a:gd name="connsiteY57" fmla="*/ 2126974 h 2594113"/>
+              <a:gd name="connsiteX58" fmla="*/ 19878 w 1709530"/>
+              <a:gd name="connsiteY58" fmla="*/ 2087218 h 2594113"/>
+              <a:gd name="connsiteX59" fmla="*/ 0 w 1709530"/>
+              <a:gd name="connsiteY59" fmla="*/ 1918253 h 2594113"/>
+              <a:gd name="connsiteX60" fmla="*/ 19878 w 1709530"/>
+              <a:gd name="connsiteY60" fmla="*/ 725557 h 2594113"/>
+              <a:gd name="connsiteX61" fmla="*/ 39756 w 1709530"/>
+              <a:gd name="connsiteY61" fmla="*/ 606287 h 2594113"/>
+              <a:gd name="connsiteX62" fmla="*/ 59634 w 1709530"/>
+              <a:gd name="connsiteY62" fmla="*/ 467140 h 2594113"/>
+              <a:gd name="connsiteX63" fmla="*/ 39756 w 1709530"/>
+              <a:gd name="connsiteY63" fmla="*/ 248479 h 2594113"/>
+            </a:gdLst>
+            <a:ahLst/>
+            <a:cxnLst>
+              <a:cxn ang="0">
+                <a:pos x="connsiteX0" y="connsiteY0"/>
+              </a:cxn>
+              <a:cxn ang="0">
+                <a:pos x="connsiteX1" y="connsiteY1"/>
+              </a:cxn>
+              <a:cxn ang="0">
+                <a:pos x="connsiteX2" y="connsiteY2"/>
+              </a:cxn>
+              <a:cxn ang="0">
+                <a:pos x="connsiteX3" y="connsiteY3"/>
+              </a:cxn>
+              <a:cxn ang="0">
+                <a:pos x="connsiteX4" y="connsiteY4"/>
+              </a:cxn>
+              <a:cxn ang="0">
+                <a:pos x="connsiteX5" y="connsiteY5"/>
+              </a:cxn>
+              <a:cxn ang="0">
+                <a:pos x="connsiteX6" y="connsiteY6"/>
+              </a:cxn>
+              <a:cxn ang="0">
+                <a:pos x="connsiteX7" y="connsiteY7"/>
+              </a:cxn>
+              <a:cxn ang="0">
+                <a:pos x="connsiteX8" y="connsiteY8"/>
+              </a:cxn>
+              <a:cxn ang="0">
+                <a:pos x="connsiteX9" y="connsiteY9"/>
+              </a:cxn>
+              <a:cxn ang="0">
+                <a:pos x="connsiteX10" y="connsiteY10"/>
+              </a:cxn>
+              <a:cxn ang="0">
+                <a:pos x="connsiteX11" y="connsiteY11"/>
+              </a:cxn>
+              <a:cxn ang="0">
+                <a:pos x="connsiteX12" y="connsiteY12"/>
+              </a:cxn>
+              <a:cxn ang="0">
+                <a:pos x="connsiteX13" y="connsiteY13"/>
+              </a:cxn>
+              <a:cxn ang="0">
+                <a:pos x="connsiteX14" y="connsiteY14"/>
+              </a:cxn>
+              <a:cxn ang="0">
+                <a:pos x="connsiteX15" y="connsiteY15"/>
+              </a:cxn>
+              <a:cxn ang="0">
+                <a:pos x="connsiteX16" y="connsiteY16"/>
+              </a:cxn>
+              <a:cxn ang="0">
+                <a:pos x="connsiteX17" y="connsiteY17"/>
+              </a:cxn>
+              <a:cxn ang="0">
+                <a:pos x="connsiteX18" y="connsiteY18"/>
+              </a:cxn>
+              <a:cxn ang="0">
+                <a:pos x="connsiteX19" y="connsiteY19"/>
+              </a:cxn>
+              <a:cxn ang="0">
+                <a:pos x="connsiteX20" y="connsiteY20"/>
+              </a:cxn>
+              <a:cxn ang="0">
+                <a:pos x="connsiteX21" y="connsiteY21"/>
+              </a:cxn>
+              <a:cxn ang="0">
+                <a:pos x="connsiteX22" y="connsiteY22"/>
+              </a:cxn>
+              <a:cxn ang="0">
+                <a:pos x="connsiteX23" y="connsiteY23"/>
+              </a:cxn>
+              <a:cxn ang="0">
+                <a:pos x="connsiteX24" y="connsiteY24"/>
+              </a:cxn>
+              <a:cxn ang="0">
+                <a:pos x="connsiteX25" y="connsiteY25"/>
+              </a:cxn>
+              <a:cxn ang="0">
+                <a:pos x="connsiteX26" y="connsiteY26"/>
+              </a:cxn>
+              <a:cxn ang="0">
+                <a:pos x="connsiteX27" y="connsiteY27"/>
+              </a:cxn>
+              <a:cxn ang="0">
+                <a:pos x="connsiteX28" y="connsiteY28"/>
+              </a:cxn>
+              <a:cxn ang="0">
+                <a:pos x="connsiteX29" y="connsiteY29"/>
+              </a:cxn>
+              <a:cxn ang="0">
+                <a:pos x="connsiteX30" y="connsiteY30"/>
+              </a:cxn>
+              <a:cxn ang="0">
+                <a:pos x="connsiteX31" y="connsiteY31"/>
+              </a:cxn>
+              <a:cxn ang="0">
+                <a:pos x="connsiteX32" y="connsiteY32"/>
+              </a:cxn>
+              <a:cxn ang="0">
+                <a:pos x="connsiteX33" y="connsiteY33"/>
+              </a:cxn>
+              <a:cxn ang="0">
+                <a:pos x="connsiteX34" y="connsiteY34"/>
+              </a:cxn>
+              <a:cxn ang="0">
+                <a:pos x="connsiteX35" y="connsiteY35"/>
+              </a:cxn>
+              <a:cxn ang="0">
+                <a:pos x="connsiteX36" y="connsiteY36"/>
+              </a:cxn>
+              <a:cxn ang="0">
+                <a:pos x="connsiteX37" y="connsiteY37"/>
+              </a:cxn>
+              <a:cxn ang="0">
+                <a:pos x="connsiteX38" y="connsiteY38"/>
+              </a:cxn>
+              <a:cxn ang="0">
+                <a:pos x="connsiteX39" y="connsiteY39"/>
+              </a:cxn>
+              <a:cxn ang="0">
+                <a:pos x="connsiteX40" y="connsiteY40"/>
+              </a:cxn>
+              <a:cxn ang="0">
+                <a:pos x="connsiteX41" y="connsiteY41"/>
+              </a:cxn>
+              <a:cxn ang="0">
+                <a:pos x="connsiteX42" y="connsiteY42"/>
+              </a:cxn>
+              <a:cxn ang="0">
+                <a:pos x="connsiteX43" y="connsiteY43"/>
+              </a:cxn>
+              <a:cxn ang="0">
+                <a:pos x="connsiteX44" y="connsiteY44"/>
+              </a:cxn>
+              <a:cxn ang="0">
+                <a:pos x="connsiteX45" y="connsiteY45"/>
+              </a:cxn>
+              <a:cxn ang="0">
+                <a:pos x="connsiteX46" y="connsiteY46"/>
+              </a:cxn>
+              <a:cxn ang="0">
+                <a:pos x="connsiteX47" y="connsiteY47"/>
+              </a:cxn>
+              <a:cxn ang="0">
+                <a:pos x="connsiteX48" y="connsiteY48"/>
+              </a:cxn>
+              <a:cxn ang="0">
+                <a:pos x="connsiteX49" y="connsiteY49"/>
+              </a:cxn>
+              <a:cxn ang="0">
+                <a:pos x="connsiteX50" y="connsiteY50"/>
+              </a:cxn>
+              <a:cxn ang="0">
+                <a:pos x="connsiteX51" y="connsiteY51"/>
+              </a:cxn>
+              <a:cxn ang="0">
+                <a:pos x="connsiteX52" y="connsiteY52"/>
+              </a:cxn>
+              <a:cxn ang="0">
+                <a:pos x="connsiteX53" y="connsiteY53"/>
+              </a:cxn>
+              <a:cxn ang="0">
+                <a:pos x="connsiteX54" y="connsiteY54"/>
+              </a:cxn>
+              <a:cxn ang="0">
+                <a:pos x="connsiteX55" y="connsiteY55"/>
+              </a:cxn>
+              <a:cxn ang="0">
+                <a:pos x="connsiteX56" y="connsiteY56"/>
+              </a:cxn>
+              <a:cxn ang="0">
+                <a:pos x="connsiteX57" y="connsiteY57"/>
+              </a:cxn>
+              <a:cxn ang="0">
+                <a:pos x="connsiteX58" y="connsiteY58"/>
+              </a:cxn>
+              <a:cxn ang="0">
+                <a:pos x="connsiteX59" y="connsiteY59"/>
+              </a:cxn>
+              <a:cxn ang="0">
+                <a:pos x="connsiteX60" y="connsiteY60"/>
+              </a:cxn>
+              <a:cxn ang="0">
+                <a:pos x="connsiteX61" y="connsiteY61"/>
+              </a:cxn>
+              <a:cxn ang="0">
+                <a:pos x="connsiteX62" y="connsiteY62"/>
+              </a:cxn>
+              <a:cxn ang="0">
+                <a:pos x="connsiteX63" y="connsiteY63"/>
+              </a:cxn>
+            </a:cxnLst>
+            <a:rect l="l" t="t" r="r" b="b"/>
+            <a:pathLst>
+              <a:path w="1709530" h="2594113">
+                <a:moveTo>
+                  <a:pt x="39756" y="248479"/>
+                </a:moveTo>
+                <a:cubicBezTo>
+                  <a:pt x="39756" y="203753"/>
+                  <a:pt x="53992" y="215709"/>
+                  <a:pt x="59634" y="198783"/>
+                </a:cubicBezTo>
+                <a:cubicBezTo>
+                  <a:pt x="61845" y="192150"/>
+                  <a:pt x="73129" y="138785"/>
+                  <a:pt x="79513" y="129209"/>
+                </a:cubicBezTo>
+                <a:cubicBezTo>
+                  <a:pt x="94215" y="107157"/>
+                  <a:pt x="152040" y="65277"/>
+                  <a:pt x="168965" y="59635"/>
+                </a:cubicBezTo>
+                <a:cubicBezTo>
+                  <a:pt x="178904" y="56322"/>
+                  <a:pt x="189411" y="54381"/>
+                  <a:pt x="198782" y="49696"/>
+                </a:cubicBezTo>
+                <a:cubicBezTo>
+                  <a:pt x="209466" y="44354"/>
+                  <a:pt x="217620" y="34523"/>
+                  <a:pt x="228600" y="29818"/>
+                </a:cubicBezTo>
+                <a:cubicBezTo>
+                  <a:pt x="263459" y="14879"/>
+                  <a:pt x="362976" y="10735"/>
+                  <a:pt x="377687" y="9940"/>
+                </a:cubicBezTo>
+                <a:cubicBezTo>
+                  <a:pt x="463764" y="5287"/>
+                  <a:pt x="549965" y="3313"/>
+                  <a:pt x="636104" y="0"/>
+                </a:cubicBezTo>
+                <a:lnTo>
+                  <a:pt x="1123121" y="9940"/>
+                </a:lnTo>
+                <a:cubicBezTo>
+                  <a:pt x="1286289" y="14739"/>
+                  <a:pt x="1271599" y="14833"/>
+                  <a:pt x="1391478" y="29818"/>
+                </a:cubicBezTo>
+                <a:cubicBezTo>
+                  <a:pt x="1421360" y="39779"/>
+                  <a:pt x="1425425" y="38228"/>
+                  <a:pt x="1451113" y="59635"/>
+                </a:cubicBezTo>
+                <a:cubicBezTo>
+                  <a:pt x="1500749" y="100998"/>
+                  <a:pt x="1458345" y="81925"/>
+                  <a:pt x="1510747" y="99392"/>
+                </a:cubicBezTo>
+                <a:cubicBezTo>
+                  <a:pt x="1517373" y="106018"/>
+                  <a:pt x="1525805" y="111235"/>
+                  <a:pt x="1530626" y="119270"/>
+                </a:cubicBezTo>
+                <a:cubicBezTo>
+                  <a:pt x="1569338" y="183788"/>
+                  <a:pt x="1510072" y="118592"/>
+                  <a:pt x="1560443" y="168966"/>
+                </a:cubicBezTo>
+                <a:cubicBezTo>
+                  <a:pt x="1584099" y="239933"/>
+                  <a:pt x="1568698" y="211166"/>
+                  <a:pt x="1600200" y="258418"/>
+                </a:cubicBezTo>
+                <a:cubicBezTo>
+                  <a:pt x="1625712" y="360464"/>
+                  <a:pt x="1591037" y="233983"/>
+                  <a:pt x="1630017" y="337931"/>
+                </a:cubicBezTo>
+                <a:cubicBezTo>
+                  <a:pt x="1634813" y="350721"/>
+                  <a:pt x="1636031" y="364603"/>
+                  <a:pt x="1639956" y="377687"/>
+                </a:cubicBezTo>
+                <a:cubicBezTo>
+                  <a:pt x="1653039" y="421298"/>
+                  <a:pt x="1670773" y="462199"/>
+                  <a:pt x="1679713" y="506896"/>
+                </a:cubicBezTo>
+                <a:cubicBezTo>
+                  <a:pt x="1690335" y="560005"/>
+                  <a:pt x="1695561" y="611522"/>
+                  <a:pt x="1699591" y="665922"/>
+                </a:cubicBezTo>
+                <a:cubicBezTo>
+                  <a:pt x="1703759" y="722187"/>
+                  <a:pt x="1706217" y="778565"/>
+                  <a:pt x="1709530" y="834887"/>
+                </a:cubicBezTo>
+                <a:cubicBezTo>
+                  <a:pt x="1706217" y="1000539"/>
+                  <a:pt x="1705020" y="1166248"/>
+                  <a:pt x="1699591" y="1331844"/>
+                </a:cubicBezTo>
+                <a:cubicBezTo>
+                  <a:pt x="1698392" y="1368418"/>
+                  <a:pt x="1692389" y="1404683"/>
+                  <a:pt x="1689652" y="1441174"/>
+                </a:cubicBezTo>
+                <a:cubicBezTo>
+                  <a:pt x="1682449" y="1537211"/>
+                  <a:pt x="1679356" y="1633580"/>
+                  <a:pt x="1669773" y="1729409"/>
+                </a:cubicBezTo>
+                <a:cubicBezTo>
+                  <a:pt x="1666460" y="1762539"/>
+                  <a:pt x="1662991" y="1795654"/>
+                  <a:pt x="1659834" y="1828800"/>
+                </a:cubicBezTo>
+                <a:cubicBezTo>
+                  <a:pt x="1656365" y="1865229"/>
+                  <a:pt x="1654255" y="1901798"/>
+                  <a:pt x="1649895" y="1938131"/>
+                </a:cubicBezTo>
+                <a:cubicBezTo>
+                  <a:pt x="1641660" y="2006760"/>
+                  <a:pt x="1637423" y="2056326"/>
+                  <a:pt x="1620078" y="2117035"/>
+                </a:cubicBezTo>
+                <a:cubicBezTo>
+                  <a:pt x="1617200" y="2127109"/>
+                  <a:pt x="1615529" y="2137869"/>
+                  <a:pt x="1610139" y="2146853"/>
+                </a:cubicBezTo>
+                <a:cubicBezTo>
+                  <a:pt x="1605318" y="2154888"/>
+                  <a:pt x="1595883" y="2159234"/>
+                  <a:pt x="1590260" y="2166731"/>
+                </a:cubicBezTo>
+                <a:cubicBezTo>
+                  <a:pt x="1575926" y="2185843"/>
+                  <a:pt x="1563756" y="2206488"/>
+                  <a:pt x="1550504" y="2226366"/>
+                </a:cubicBezTo>
+                <a:lnTo>
+                  <a:pt x="1530626" y="2256183"/>
+                </a:lnTo>
+                <a:lnTo>
+                  <a:pt x="1510747" y="2286000"/>
+                </a:lnTo>
+                <a:cubicBezTo>
+                  <a:pt x="1504121" y="2295939"/>
+                  <a:pt x="1499316" y="2307371"/>
+                  <a:pt x="1490869" y="2315818"/>
+                </a:cubicBezTo>
+                <a:lnTo>
+                  <a:pt x="1441173" y="2365513"/>
+                </a:lnTo>
+                <a:lnTo>
+                  <a:pt x="1421295" y="2385392"/>
+                </a:lnTo>
+                <a:cubicBezTo>
+                  <a:pt x="1417982" y="2395331"/>
+                  <a:pt x="1417901" y="2407028"/>
+                  <a:pt x="1411356" y="2415209"/>
+                </a:cubicBezTo>
+                <a:cubicBezTo>
+                  <a:pt x="1403894" y="2424537"/>
+                  <a:pt x="1390867" y="2427625"/>
+                  <a:pt x="1381539" y="2435087"/>
+                </a:cubicBezTo>
+                <a:cubicBezTo>
+                  <a:pt x="1374221" y="2440941"/>
+                  <a:pt x="1369157" y="2449343"/>
+                  <a:pt x="1361660" y="2454966"/>
+                </a:cubicBezTo>
+                <a:cubicBezTo>
+                  <a:pt x="1342548" y="2469300"/>
+                  <a:pt x="1318919" y="2477829"/>
+                  <a:pt x="1302026" y="2494722"/>
+                </a:cubicBezTo>
+                <a:cubicBezTo>
+                  <a:pt x="1295400" y="2501348"/>
+                  <a:pt x="1290528" y="2510409"/>
+                  <a:pt x="1282147" y="2514600"/>
+                </a:cubicBezTo>
+                <a:cubicBezTo>
+                  <a:pt x="1263406" y="2523971"/>
+                  <a:pt x="1242391" y="2527853"/>
+                  <a:pt x="1222513" y="2534479"/>
+                </a:cubicBezTo>
+                <a:lnTo>
+                  <a:pt x="1192695" y="2544418"/>
+                </a:lnTo>
+                <a:cubicBezTo>
+                  <a:pt x="1182756" y="2551044"/>
+                  <a:pt x="1173857" y="2559591"/>
+                  <a:pt x="1162878" y="2564296"/>
+                </a:cubicBezTo>
+                <a:cubicBezTo>
+                  <a:pt x="1150322" y="2569677"/>
+                  <a:pt x="1136456" y="2571272"/>
+                  <a:pt x="1123121" y="2574235"/>
+                </a:cubicBezTo>
+                <a:cubicBezTo>
+                  <a:pt x="1055747" y="2589207"/>
+                  <a:pt x="1060729" y="2585444"/>
+                  <a:pt x="974034" y="2594113"/>
+                </a:cubicBezTo>
+                <a:cubicBezTo>
+                  <a:pt x="602151" y="2580832"/>
+                  <a:pt x="808553" y="2595159"/>
+                  <a:pt x="606287" y="2574235"/>
+                </a:cubicBezTo>
+                <a:lnTo>
+                  <a:pt x="407504" y="2554357"/>
+                </a:lnTo>
+                <a:cubicBezTo>
+                  <a:pt x="394252" y="2551044"/>
+                  <a:pt x="380831" y="2548343"/>
+                  <a:pt x="367747" y="2544418"/>
+                </a:cubicBezTo>
+                <a:cubicBezTo>
+                  <a:pt x="347677" y="2538397"/>
+                  <a:pt x="308113" y="2524540"/>
+                  <a:pt x="308113" y="2524540"/>
+                </a:cubicBezTo>
+                <a:cubicBezTo>
+                  <a:pt x="269285" y="2485712"/>
+                  <a:pt x="310027" y="2520527"/>
+                  <a:pt x="258417" y="2494722"/>
+                </a:cubicBezTo>
+                <a:cubicBezTo>
+                  <a:pt x="181351" y="2456189"/>
+                  <a:pt x="273728" y="2489886"/>
+                  <a:pt x="198782" y="2464905"/>
+                </a:cubicBezTo>
+                <a:cubicBezTo>
+                  <a:pt x="192156" y="2458279"/>
+                  <a:pt x="186221" y="2450880"/>
+                  <a:pt x="178904" y="2445026"/>
+                </a:cubicBezTo>
+                <a:cubicBezTo>
+                  <a:pt x="116201" y="2394863"/>
+                  <a:pt x="177215" y="2453275"/>
+                  <a:pt x="129208" y="2405270"/>
+                </a:cubicBezTo>
+                <a:cubicBezTo>
+                  <a:pt x="125895" y="2395331"/>
+                  <a:pt x="124659" y="2384437"/>
+                  <a:pt x="119269" y="2375453"/>
+                </a:cubicBezTo>
+                <a:cubicBezTo>
+                  <a:pt x="83865" y="2316446"/>
+                  <a:pt x="113613" y="2402482"/>
+                  <a:pt x="79513" y="2325757"/>
+                </a:cubicBezTo>
+                <a:cubicBezTo>
+                  <a:pt x="71003" y="2306609"/>
+                  <a:pt x="66260" y="2286000"/>
+                  <a:pt x="59634" y="2266122"/>
+                </a:cubicBezTo>
+                <a:lnTo>
+                  <a:pt x="49695" y="2236305"/>
+                </a:lnTo>
+                <a:lnTo>
+                  <a:pt x="39756" y="2206487"/>
+                </a:lnTo>
+                <a:cubicBezTo>
+                  <a:pt x="36443" y="2179983"/>
+                  <a:pt x="34208" y="2153321"/>
+                  <a:pt x="29817" y="2126974"/>
+                </a:cubicBezTo>
+                <a:cubicBezTo>
+                  <a:pt x="27571" y="2113500"/>
+                  <a:pt x="22322" y="2100658"/>
+                  <a:pt x="19878" y="2087218"/>
+                </a:cubicBezTo>
+                <a:cubicBezTo>
+                  <a:pt x="10113" y="2033510"/>
+                  <a:pt x="5330" y="1971559"/>
+                  <a:pt x="0" y="1918253"/>
+                </a:cubicBezTo>
+                <a:cubicBezTo>
+                  <a:pt x="1458" y="1776794"/>
+                  <a:pt x="-1822" y="1061904"/>
+                  <a:pt x="19878" y="725557"/>
+                </a:cubicBezTo>
+                <a:cubicBezTo>
+                  <a:pt x="26259" y="626652"/>
+                  <a:pt x="26025" y="674942"/>
+                  <a:pt x="39756" y="606287"/>
+                </a:cubicBezTo>
+                <a:cubicBezTo>
+                  <a:pt x="49310" y="558518"/>
+                  <a:pt x="53526" y="516002"/>
+                  <a:pt x="59634" y="467140"/>
+                </a:cubicBezTo>
+                <a:cubicBezTo>
+                  <a:pt x="48593" y="301524"/>
+                  <a:pt x="39756" y="293205"/>
+                  <a:pt x="39756" y="248479"/>
+                </a:cubicBezTo>
+                <a:close/>
+              </a:path>
+            </a:pathLst>
+          </a:custGeom>
+          <a:noFill/>
+          <a:ln>
+            <a:solidFill>
+              <a:srgbClr val="C00000"/>
+            </a:solidFill>
+          </a:ln>
+        </p:spPr>
+        <p:style>
+          <a:lnRef idx="2">
+            <a:schemeClr val="accent1">
+              <a:shade val="50000"/>
+            </a:schemeClr>
+          </a:lnRef>
+          <a:fillRef idx="1">
+            <a:schemeClr val="accent1"/>
+          </a:fillRef>
+          <a:effectRef idx="0">
+            <a:schemeClr val="accent1"/>
+          </a:effectRef>
+          <a:fontRef idx="minor">
+            <a:schemeClr val="lt1"/>
+          </a:fontRef>
+        </p:style>
+        <p:txBody>
+          <a:bodyPr rtlCol="0" anchor="ctr"/>
+          <a:lstStyle/>
+          <a:p>
+            <a:pPr algn="ctr"/>
+            <a:endParaRPr lang="en-US"/>
+          </a:p>
+        </p:txBody>
+      </p:sp>
+      <p:sp>
+        <p:nvSpPr>
+          <p:cNvPr id="76" name="Freeform 75">
+            <a:extLst>
+              <a:ext uri="{FF2B5EF4-FFF2-40B4-BE49-F238E27FC236}">
+                <a16:creationId xmlns:a16="http://schemas.microsoft.com/office/drawing/2014/main" id="{A0989769-AB57-5D45-ACA2-75F0D578A577}"/>
+              </a:ext>
+            </a:extLst>
+          </p:cNvPr>
+          <p:cNvSpPr/>
+          <p:nvPr/>
+        </p:nvSpPr>
+        <p:spPr>
+          <a:xfrm>
+            <a:off x="1023730" y="1192696"/>
+            <a:ext cx="1858618" cy="1341782"/>
+          </a:xfrm>
+          <a:custGeom>
+            <a:avLst/>
+            <a:gdLst>
+              <a:gd name="connsiteX0" fmla="*/ 79513 w 1858618"/>
+              <a:gd name="connsiteY0" fmla="*/ 59634 h 1341782"/>
+              <a:gd name="connsiteX1" fmla="*/ 159027 w 1858618"/>
+              <a:gd name="connsiteY1" fmla="*/ 49695 h 1341782"/>
+              <a:gd name="connsiteX2" fmla="*/ 278296 w 1858618"/>
+              <a:gd name="connsiteY2" fmla="*/ 19878 h 1341782"/>
+              <a:gd name="connsiteX3" fmla="*/ 327992 w 1858618"/>
+              <a:gd name="connsiteY3" fmla="*/ 9939 h 1341782"/>
+              <a:gd name="connsiteX4" fmla="*/ 526774 w 1858618"/>
+              <a:gd name="connsiteY4" fmla="*/ 0 h 1341782"/>
+              <a:gd name="connsiteX5" fmla="*/ 1610140 w 1858618"/>
+              <a:gd name="connsiteY5" fmla="*/ 9939 h 1341782"/>
+              <a:gd name="connsiteX6" fmla="*/ 1719470 w 1858618"/>
+              <a:gd name="connsiteY6" fmla="*/ 29817 h 1341782"/>
+              <a:gd name="connsiteX7" fmla="*/ 1779105 w 1858618"/>
+              <a:gd name="connsiteY7" fmla="*/ 49695 h 1341782"/>
+              <a:gd name="connsiteX8" fmla="*/ 1808922 w 1858618"/>
+              <a:gd name="connsiteY8" fmla="*/ 59634 h 1341782"/>
+              <a:gd name="connsiteX9" fmla="*/ 1858618 w 1858618"/>
+              <a:gd name="connsiteY9" fmla="*/ 129208 h 1341782"/>
+              <a:gd name="connsiteX10" fmla="*/ 1838740 w 1858618"/>
+              <a:gd name="connsiteY10" fmla="*/ 377687 h 1341782"/>
+              <a:gd name="connsiteX11" fmla="*/ 1828800 w 1858618"/>
+              <a:gd name="connsiteY11" fmla="*/ 407504 h 1341782"/>
+              <a:gd name="connsiteX12" fmla="*/ 1789044 w 1858618"/>
+              <a:gd name="connsiteY12" fmla="*/ 457200 h 1341782"/>
+              <a:gd name="connsiteX13" fmla="*/ 1749287 w 1858618"/>
+              <a:gd name="connsiteY13" fmla="*/ 506895 h 1341782"/>
+              <a:gd name="connsiteX14" fmla="*/ 1709531 w 1858618"/>
+              <a:gd name="connsiteY14" fmla="*/ 566530 h 1341782"/>
+              <a:gd name="connsiteX15" fmla="*/ 1689653 w 1858618"/>
+              <a:gd name="connsiteY15" fmla="*/ 596347 h 1341782"/>
+              <a:gd name="connsiteX16" fmla="*/ 1659835 w 1858618"/>
+              <a:gd name="connsiteY16" fmla="*/ 705678 h 1341782"/>
+              <a:gd name="connsiteX17" fmla="*/ 1679713 w 1858618"/>
+              <a:gd name="connsiteY17" fmla="*/ 805069 h 1341782"/>
+              <a:gd name="connsiteX18" fmla="*/ 1699592 w 1858618"/>
+              <a:gd name="connsiteY18" fmla="*/ 864704 h 1341782"/>
+              <a:gd name="connsiteX19" fmla="*/ 1719470 w 1858618"/>
+              <a:gd name="connsiteY19" fmla="*/ 894521 h 1341782"/>
+              <a:gd name="connsiteX20" fmla="*/ 1759227 w 1858618"/>
+              <a:gd name="connsiteY20" fmla="*/ 954156 h 1341782"/>
+              <a:gd name="connsiteX21" fmla="*/ 1808922 w 1858618"/>
+              <a:gd name="connsiteY21" fmla="*/ 1003852 h 1341782"/>
+              <a:gd name="connsiteX22" fmla="*/ 1818861 w 1858618"/>
+              <a:gd name="connsiteY22" fmla="*/ 1033669 h 1341782"/>
+              <a:gd name="connsiteX23" fmla="*/ 1838740 w 1858618"/>
+              <a:gd name="connsiteY23" fmla="*/ 1053547 h 1341782"/>
+              <a:gd name="connsiteX24" fmla="*/ 1848679 w 1858618"/>
+              <a:gd name="connsiteY24" fmla="*/ 1093304 h 1341782"/>
+              <a:gd name="connsiteX25" fmla="*/ 1838740 w 1858618"/>
+              <a:gd name="connsiteY25" fmla="*/ 1202634 h 1341782"/>
+              <a:gd name="connsiteX26" fmla="*/ 1818861 w 1858618"/>
+              <a:gd name="connsiteY26" fmla="*/ 1262269 h 1341782"/>
+              <a:gd name="connsiteX27" fmla="*/ 1759227 w 1858618"/>
+              <a:gd name="connsiteY27" fmla="*/ 1292087 h 1341782"/>
+              <a:gd name="connsiteX28" fmla="*/ 1739348 w 1858618"/>
+              <a:gd name="connsiteY28" fmla="*/ 1311965 h 1341782"/>
+              <a:gd name="connsiteX29" fmla="*/ 1699592 w 1858618"/>
+              <a:gd name="connsiteY29" fmla="*/ 1321904 h 1341782"/>
+              <a:gd name="connsiteX30" fmla="*/ 1550505 w 1858618"/>
+              <a:gd name="connsiteY30" fmla="*/ 1341782 h 1341782"/>
+              <a:gd name="connsiteX31" fmla="*/ 1381540 w 1858618"/>
+              <a:gd name="connsiteY31" fmla="*/ 1331843 h 1341782"/>
+              <a:gd name="connsiteX32" fmla="*/ 1212574 w 1858618"/>
+              <a:gd name="connsiteY32" fmla="*/ 1311965 h 1341782"/>
+              <a:gd name="connsiteX33" fmla="*/ 1162879 w 1858618"/>
+              <a:gd name="connsiteY33" fmla="*/ 1302026 h 1341782"/>
+              <a:gd name="connsiteX34" fmla="*/ 1033670 w 1858618"/>
+              <a:gd name="connsiteY34" fmla="*/ 1282147 h 1341782"/>
+              <a:gd name="connsiteX35" fmla="*/ 974035 w 1858618"/>
+              <a:gd name="connsiteY35" fmla="*/ 1262269 h 1341782"/>
+              <a:gd name="connsiteX36" fmla="*/ 874644 w 1858618"/>
+              <a:gd name="connsiteY36" fmla="*/ 1232452 h 1341782"/>
+              <a:gd name="connsiteX37" fmla="*/ 815009 w 1858618"/>
+              <a:gd name="connsiteY37" fmla="*/ 1212574 h 1341782"/>
+              <a:gd name="connsiteX38" fmla="*/ 785192 w 1858618"/>
+              <a:gd name="connsiteY38" fmla="*/ 1202634 h 1341782"/>
+              <a:gd name="connsiteX39" fmla="*/ 735496 w 1858618"/>
+              <a:gd name="connsiteY39" fmla="*/ 1172817 h 1341782"/>
+              <a:gd name="connsiteX40" fmla="*/ 675861 w 1858618"/>
+              <a:gd name="connsiteY40" fmla="*/ 1143000 h 1341782"/>
+              <a:gd name="connsiteX41" fmla="*/ 626166 w 1858618"/>
+              <a:gd name="connsiteY41" fmla="*/ 1103243 h 1341782"/>
+              <a:gd name="connsiteX42" fmla="*/ 606287 w 1858618"/>
+              <a:gd name="connsiteY42" fmla="*/ 1083365 h 1341782"/>
+              <a:gd name="connsiteX43" fmla="*/ 576470 w 1858618"/>
+              <a:gd name="connsiteY43" fmla="*/ 1063487 h 1341782"/>
+              <a:gd name="connsiteX44" fmla="*/ 556592 w 1858618"/>
+              <a:gd name="connsiteY44" fmla="*/ 1043608 h 1341782"/>
+              <a:gd name="connsiteX45" fmla="*/ 496957 w 1858618"/>
+              <a:gd name="connsiteY45" fmla="*/ 1003852 h 1341782"/>
+              <a:gd name="connsiteX46" fmla="*/ 437322 w 1858618"/>
+              <a:gd name="connsiteY46" fmla="*/ 954156 h 1341782"/>
+              <a:gd name="connsiteX47" fmla="*/ 407505 w 1858618"/>
+              <a:gd name="connsiteY47" fmla="*/ 944217 h 1341782"/>
+              <a:gd name="connsiteX48" fmla="*/ 357809 w 1858618"/>
+              <a:gd name="connsiteY48" fmla="*/ 894521 h 1341782"/>
+              <a:gd name="connsiteX49" fmla="*/ 337931 w 1858618"/>
+              <a:gd name="connsiteY49" fmla="*/ 864704 h 1341782"/>
+              <a:gd name="connsiteX50" fmla="*/ 308113 w 1858618"/>
+              <a:gd name="connsiteY50" fmla="*/ 844826 h 1341782"/>
+              <a:gd name="connsiteX51" fmla="*/ 258418 w 1858618"/>
+              <a:gd name="connsiteY51" fmla="*/ 795130 h 1341782"/>
+              <a:gd name="connsiteX52" fmla="*/ 208722 w 1858618"/>
+              <a:gd name="connsiteY52" fmla="*/ 745434 h 1341782"/>
+              <a:gd name="connsiteX53" fmla="*/ 178905 w 1858618"/>
+              <a:gd name="connsiteY53" fmla="*/ 715617 h 1341782"/>
+              <a:gd name="connsiteX54" fmla="*/ 159027 w 1858618"/>
+              <a:gd name="connsiteY54" fmla="*/ 685800 h 1341782"/>
+              <a:gd name="connsiteX55" fmla="*/ 109331 w 1858618"/>
+              <a:gd name="connsiteY55" fmla="*/ 636104 h 1341782"/>
+              <a:gd name="connsiteX56" fmla="*/ 99392 w 1858618"/>
+              <a:gd name="connsiteY56" fmla="*/ 606287 h 1341782"/>
+              <a:gd name="connsiteX57" fmla="*/ 79513 w 1858618"/>
+              <a:gd name="connsiteY57" fmla="*/ 586408 h 1341782"/>
+              <a:gd name="connsiteX58" fmla="*/ 59635 w 1858618"/>
+              <a:gd name="connsiteY58" fmla="*/ 526774 h 1341782"/>
+              <a:gd name="connsiteX59" fmla="*/ 39757 w 1858618"/>
+              <a:gd name="connsiteY59" fmla="*/ 467139 h 1341782"/>
+              <a:gd name="connsiteX60" fmla="*/ 29818 w 1858618"/>
+              <a:gd name="connsiteY60" fmla="*/ 437321 h 1341782"/>
+              <a:gd name="connsiteX61" fmla="*/ 19879 w 1858618"/>
+              <a:gd name="connsiteY61" fmla="*/ 377687 h 1341782"/>
+              <a:gd name="connsiteX62" fmla="*/ 9940 w 1858618"/>
+              <a:gd name="connsiteY62" fmla="*/ 298174 h 1341782"/>
+              <a:gd name="connsiteX63" fmla="*/ 0 w 1858618"/>
+              <a:gd name="connsiteY63" fmla="*/ 228600 h 1341782"/>
+              <a:gd name="connsiteX64" fmla="*/ 39757 w 1858618"/>
+              <a:gd name="connsiteY64" fmla="*/ 99391 h 1341782"/>
+              <a:gd name="connsiteX65" fmla="*/ 79513 w 1858618"/>
+              <a:gd name="connsiteY65" fmla="*/ 59634 h 1341782"/>
+            </a:gdLst>
+            <a:ahLst/>
+            <a:cxnLst>
+              <a:cxn ang="0">
+                <a:pos x="connsiteX0" y="connsiteY0"/>
+              </a:cxn>
+              <a:cxn ang="0">
+                <a:pos x="connsiteX1" y="connsiteY1"/>
+              </a:cxn>
+              <a:cxn ang="0">
+                <a:pos x="connsiteX2" y="connsiteY2"/>
+              </a:cxn>
+              <a:cxn ang="0">
+                <a:pos x="connsiteX3" y="connsiteY3"/>
+              </a:cxn>
+              <a:cxn ang="0">
+                <a:pos x="connsiteX4" y="connsiteY4"/>
+              </a:cxn>
+              <a:cxn ang="0">
+                <a:pos x="connsiteX5" y="connsiteY5"/>
+              </a:cxn>
+              <a:cxn ang="0">
+                <a:pos x="connsiteX6" y="connsiteY6"/>
+              </a:cxn>
+              <a:cxn ang="0">
+                <a:pos x="connsiteX7" y="connsiteY7"/>
+              </a:cxn>
+              <a:cxn ang="0">
+                <a:pos x="connsiteX8" y="connsiteY8"/>
+              </a:cxn>
+              <a:cxn ang="0">
+                <a:pos x="connsiteX9" y="connsiteY9"/>
+              </a:cxn>
+              <a:cxn ang="0">
+                <a:pos x="connsiteX10" y="connsiteY10"/>
+              </a:cxn>
+              <a:cxn ang="0">
+                <a:pos x="connsiteX11" y="connsiteY11"/>
+              </a:cxn>
+              <a:cxn ang="0">
+                <a:pos x="connsiteX12" y="connsiteY12"/>
+              </a:cxn>
+              <a:cxn ang="0">
+                <a:pos x="connsiteX13" y="connsiteY13"/>
+              </a:cxn>
+              <a:cxn ang="0">
+                <a:pos x="connsiteX14" y="connsiteY14"/>
+              </a:cxn>
+              <a:cxn ang="0">
+                <a:pos x="connsiteX15" y="connsiteY15"/>
+              </a:cxn>
+              <a:cxn ang="0">
+                <a:pos x="connsiteX16" y="connsiteY16"/>
+              </a:cxn>
+              <a:cxn ang="0">
+                <a:pos x="connsiteX17" y="connsiteY17"/>
+              </a:cxn>
+              <a:cxn ang="0">
+                <a:pos x="connsiteX18" y="connsiteY18"/>
+              </a:cxn>
+              <a:cxn ang="0">
+                <a:pos x="connsiteX19" y="connsiteY19"/>
+              </a:cxn>
+              <a:cxn ang="0">
+                <a:pos x="connsiteX20" y="connsiteY20"/>
+              </a:cxn>
+              <a:cxn ang="0">
+                <a:pos x="connsiteX21" y="connsiteY21"/>
+              </a:cxn>
+              <a:cxn ang="0">
+                <a:pos x="connsiteX22" y="connsiteY22"/>
+              </a:cxn>
+              <a:cxn ang="0">
+                <a:pos x="connsiteX23" y="connsiteY23"/>
+              </a:cxn>
+              <a:cxn ang="0">
+                <a:pos x="connsiteX24" y="connsiteY24"/>
+              </a:cxn>
+              <a:cxn ang="0">
+                <a:pos x="connsiteX25" y="connsiteY25"/>
+              </a:cxn>
+              <a:cxn ang="0">
+                <a:pos x="connsiteX26" y="connsiteY26"/>
+              </a:cxn>
+              <a:cxn ang="0">
+                <a:pos x="connsiteX27" y="connsiteY27"/>
+              </a:cxn>
+              <a:cxn ang="0">
+                <a:pos x="connsiteX28" y="connsiteY28"/>
+              </a:cxn>
+              <a:cxn ang="0">
+                <a:pos x="connsiteX29" y="connsiteY29"/>
+              </a:cxn>
+              <a:cxn ang="0">
+                <a:pos x="connsiteX30" y="connsiteY30"/>
+              </a:cxn>
+              <a:cxn ang="0">
+                <a:pos x="connsiteX31" y="connsiteY31"/>
+              </a:cxn>
+              <a:cxn ang="0">
+                <a:pos x="connsiteX32" y="connsiteY32"/>
+              </a:cxn>
+              <a:cxn ang="0">
+                <a:pos x="connsiteX33" y="connsiteY33"/>
+              </a:cxn>
+              <a:cxn ang="0">
+                <a:pos x="connsiteX34" y="connsiteY34"/>
+              </a:cxn>
+              <a:cxn ang="0">
+                <a:pos x="connsiteX35" y="connsiteY35"/>
+              </a:cxn>
+              <a:cxn ang="0">
+                <a:pos x="connsiteX36" y="connsiteY36"/>
+              </a:cxn>
+              <a:cxn ang="0">
+                <a:pos x="connsiteX37" y="connsiteY37"/>
+              </a:cxn>
+              <a:cxn ang="0">
+                <a:pos x="connsiteX38" y="connsiteY38"/>
+              </a:cxn>
+              <a:cxn ang="0">
+                <a:pos x="connsiteX39" y="connsiteY39"/>
+              </a:cxn>
+              <a:cxn ang="0">
+                <a:pos x="connsiteX40" y="connsiteY40"/>
+              </a:cxn>
+              <a:cxn ang="0">
+                <a:pos x="connsiteX41" y="connsiteY41"/>
+              </a:cxn>
+              <a:cxn ang="0">
+                <a:pos x="connsiteX42" y="connsiteY42"/>
+              </a:cxn>
+              <a:cxn ang="0">
+                <a:pos x="connsiteX43" y="connsiteY43"/>
+              </a:cxn>
+              <a:cxn ang="0">
+                <a:pos x="connsiteX44" y="connsiteY44"/>
+              </a:cxn>
+              <a:cxn ang="0">
+                <a:pos x="connsiteX45" y="connsiteY45"/>
+              </a:cxn>
+              <a:cxn ang="0">
+                <a:pos x="connsiteX46" y="connsiteY46"/>
+              </a:cxn>
+              <a:cxn ang="0">
+                <a:pos x="connsiteX47" y="connsiteY47"/>
+              </a:cxn>
+              <a:cxn ang="0">
+                <a:pos x="connsiteX48" y="connsiteY48"/>
+              </a:cxn>
+              <a:cxn ang="0">
+                <a:pos x="connsiteX49" y="connsiteY49"/>
+              </a:cxn>
+              <a:cxn ang="0">
+                <a:pos x="connsiteX50" y="connsiteY50"/>
+              </a:cxn>
+              <a:cxn ang="0">
+                <a:pos x="connsiteX51" y="connsiteY51"/>
+              </a:cxn>
+              <a:cxn ang="0">
+                <a:pos x="connsiteX52" y="connsiteY52"/>
+              </a:cxn>
+              <a:cxn ang="0">
+                <a:pos x="connsiteX53" y="connsiteY53"/>
+              </a:cxn>
+              <a:cxn ang="0">
+                <a:pos x="connsiteX54" y="connsiteY54"/>
+              </a:cxn>
+              <a:cxn ang="0">
+                <a:pos x="connsiteX55" y="connsiteY55"/>
+              </a:cxn>
+              <a:cxn ang="0">
+                <a:pos x="connsiteX56" y="connsiteY56"/>
+              </a:cxn>
+              <a:cxn ang="0">
+                <a:pos x="connsiteX57" y="connsiteY57"/>
+              </a:cxn>
+              <a:cxn ang="0">
+                <a:pos x="connsiteX58" y="connsiteY58"/>
+              </a:cxn>
+              <a:cxn ang="0">
+                <a:pos x="connsiteX59" y="connsiteY59"/>
+              </a:cxn>
+              <a:cxn ang="0">
+                <a:pos x="connsiteX60" y="connsiteY60"/>
+              </a:cxn>
+              <a:cxn ang="0">
+                <a:pos x="connsiteX61" y="connsiteY61"/>
+              </a:cxn>
+              <a:cxn ang="0">
+                <a:pos x="connsiteX62" y="connsiteY62"/>
+              </a:cxn>
+              <a:cxn ang="0">
+                <a:pos x="connsiteX63" y="connsiteY63"/>
+              </a:cxn>
+              <a:cxn ang="0">
+                <a:pos x="connsiteX64" y="connsiteY64"/>
+              </a:cxn>
+              <a:cxn ang="0">
+                <a:pos x="connsiteX65" y="connsiteY65"/>
+              </a:cxn>
+            </a:cxnLst>
+            <a:rect l="l" t="t" r="r" b="b"/>
+            <a:pathLst>
+              <a:path w="1858618" h="1341782">
+                <a:moveTo>
+                  <a:pt x="79513" y="59634"/>
+                </a:moveTo>
+                <a:cubicBezTo>
+                  <a:pt x="99391" y="51351"/>
+                  <a:pt x="132835" y="54933"/>
+                  <a:pt x="159027" y="49695"/>
+                </a:cubicBezTo>
+                <a:cubicBezTo>
+                  <a:pt x="199211" y="41658"/>
+                  <a:pt x="238112" y="27915"/>
+                  <a:pt x="278296" y="19878"/>
+                </a:cubicBezTo>
+                <a:cubicBezTo>
+                  <a:pt x="294861" y="16565"/>
+                  <a:pt x="311152" y="11286"/>
+                  <a:pt x="327992" y="9939"/>
+                </a:cubicBezTo>
+                <a:cubicBezTo>
+                  <a:pt x="394124" y="4648"/>
+                  <a:pt x="460513" y="3313"/>
+                  <a:pt x="526774" y="0"/>
+                </a:cubicBezTo>
+                <a:lnTo>
+                  <a:pt x="1610140" y="9939"/>
+                </a:lnTo>
+                <a:cubicBezTo>
+                  <a:pt x="1618231" y="10080"/>
+                  <a:pt x="1707190" y="26468"/>
+                  <a:pt x="1719470" y="29817"/>
+                </a:cubicBezTo>
+                <a:cubicBezTo>
+                  <a:pt x="1739685" y="35330"/>
+                  <a:pt x="1759227" y="43069"/>
+                  <a:pt x="1779105" y="49695"/>
+                </a:cubicBezTo>
+                <a:lnTo>
+                  <a:pt x="1808922" y="59634"/>
+                </a:lnTo>
+                <a:cubicBezTo>
+                  <a:pt x="1856087" y="106799"/>
+                  <a:pt x="1842752" y="81611"/>
+                  <a:pt x="1858618" y="129208"/>
+                </a:cubicBezTo>
+                <a:cubicBezTo>
+                  <a:pt x="1853470" y="232176"/>
+                  <a:pt x="1860255" y="291630"/>
+                  <a:pt x="1838740" y="377687"/>
+                </a:cubicBezTo>
+                <a:cubicBezTo>
+                  <a:pt x="1836199" y="387851"/>
+                  <a:pt x="1833485" y="398133"/>
+                  <a:pt x="1828800" y="407504"/>
+                </a:cubicBezTo>
+                <a:cubicBezTo>
+                  <a:pt x="1816262" y="432580"/>
+                  <a:pt x="1807533" y="438710"/>
+                  <a:pt x="1789044" y="457200"/>
+                </a:cubicBezTo>
+                <a:cubicBezTo>
+                  <a:pt x="1766661" y="524348"/>
+                  <a:pt x="1797703" y="451562"/>
+                  <a:pt x="1749287" y="506895"/>
+                </a:cubicBezTo>
+                <a:cubicBezTo>
+                  <a:pt x="1733555" y="524875"/>
+                  <a:pt x="1722783" y="546652"/>
+                  <a:pt x="1709531" y="566530"/>
+                </a:cubicBezTo>
+                <a:cubicBezTo>
+                  <a:pt x="1702905" y="576469"/>
+                  <a:pt x="1693431" y="585015"/>
+                  <a:pt x="1689653" y="596347"/>
+                </a:cubicBezTo>
+                <a:cubicBezTo>
+                  <a:pt x="1664432" y="672008"/>
+                  <a:pt x="1673883" y="635435"/>
+                  <a:pt x="1659835" y="705678"/>
+                </a:cubicBezTo>
+                <a:cubicBezTo>
+                  <a:pt x="1666551" y="745974"/>
+                  <a:pt x="1668593" y="768004"/>
+                  <a:pt x="1679713" y="805069"/>
+                </a:cubicBezTo>
+                <a:cubicBezTo>
+                  <a:pt x="1685734" y="825139"/>
+                  <a:pt x="1687969" y="847269"/>
+                  <a:pt x="1699592" y="864704"/>
+                </a:cubicBezTo>
+                <a:lnTo>
+                  <a:pt x="1719470" y="894521"/>
+                </a:lnTo>
+                <a:cubicBezTo>
+                  <a:pt x="1736937" y="946924"/>
+                  <a:pt x="1717864" y="904520"/>
+                  <a:pt x="1759227" y="954156"/>
+                </a:cubicBezTo>
+                <a:cubicBezTo>
+                  <a:pt x="1800642" y="1003854"/>
+                  <a:pt x="1754255" y="967407"/>
+                  <a:pt x="1808922" y="1003852"/>
+                </a:cubicBezTo>
+                <a:cubicBezTo>
+                  <a:pt x="1812235" y="1013791"/>
+                  <a:pt x="1813471" y="1024685"/>
+                  <a:pt x="1818861" y="1033669"/>
+                </a:cubicBezTo>
+                <a:cubicBezTo>
+                  <a:pt x="1823682" y="1041704"/>
+                  <a:pt x="1834549" y="1045166"/>
+                  <a:pt x="1838740" y="1053547"/>
+                </a:cubicBezTo>
+                <a:cubicBezTo>
+                  <a:pt x="1844849" y="1065765"/>
+                  <a:pt x="1845366" y="1080052"/>
+                  <a:pt x="1848679" y="1093304"/>
+                </a:cubicBezTo>
+                <a:cubicBezTo>
+                  <a:pt x="1845366" y="1129747"/>
+                  <a:pt x="1845100" y="1166597"/>
+                  <a:pt x="1838740" y="1202634"/>
+                </a:cubicBezTo>
+                <a:cubicBezTo>
+                  <a:pt x="1835098" y="1223269"/>
+                  <a:pt x="1836296" y="1250646"/>
+                  <a:pt x="1818861" y="1262269"/>
+                </a:cubicBezTo>
+                <a:cubicBezTo>
+                  <a:pt x="1780327" y="1287958"/>
+                  <a:pt x="1800376" y="1278369"/>
+                  <a:pt x="1759227" y="1292087"/>
+                </a:cubicBezTo>
+                <a:cubicBezTo>
+                  <a:pt x="1752601" y="1298713"/>
+                  <a:pt x="1747730" y="1307774"/>
+                  <a:pt x="1739348" y="1311965"/>
+                </a:cubicBezTo>
+                <a:cubicBezTo>
+                  <a:pt x="1727130" y="1318074"/>
+                  <a:pt x="1712987" y="1319225"/>
+                  <a:pt x="1699592" y="1321904"/>
+                </a:cubicBezTo>
+                <a:cubicBezTo>
+                  <a:pt x="1643826" y="1333057"/>
+                  <a:pt x="1610173" y="1335152"/>
+                  <a:pt x="1550505" y="1341782"/>
+                </a:cubicBezTo>
+                <a:lnTo>
+                  <a:pt x="1381540" y="1331843"/>
+                </a:lnTo>
+                <a:cubicBezTo>
+                  <a:pt x="1363124" y="1330426"/>
+                  <a:pt x="1234976" y="1315411"/>
+                  <a:pt x="1212574" y="1311965"/>
+                </a:cubicBezTo>
+                <a:cubicBezTo>
+                  <a:pt x="1195877" y="1309396"/>
+                  <a:pt x="1179542" y="1304803"/>
+                  <a:pt x="1162879" y="1302026"/>
+                </a:cubicBezTo>
+                <a:cubicBezTo>
+                  <a:pt x="1143946" y="1298871"/>
+                  <a:pt x="1055688" y="1287652"/>
+                  <a:pt x="1033670" y="1282147"/>
+                </a:cubicBezTo>
+                <a:cubicBezTo>
+                  <a:pt x="1013342" y="1277065"/>
+                  <a:pt x="994363" y="1267351"/>
+                  <a:pt x="974035" y="1262269"/>
+                </a:cubicBezTo>
+                <a:cubicBezTo>
+                  <a:pt x="913952" y="1247248"/>
+                  <a:pt x="947236" y="1256649"/>
+                  <a:pt x="874644" y="1232452"/>
+                </a:cubicBezTo>
+                <a:lnTo>
+                  <a:pt x="815009" y="1212574"/>
+                </a:lnTo>
+                <a:lnTo>
+                  <a:pt x="785192" y="1202634"/>
+                </a:lnTo>
+                <a:cubicBezTo>
+                  <a:pt x="746363" y="1163807"/>
+                  <a:pt x="787107" y="1198622"/>
+                  <a:pt x="735496" y="1172817"/>
+                </a:cubicBezTo>
+                <a:cubicBezTo>
+                  <a:pt x="658430" y="1134284"/>
+                  <a:pt x="750807" y="1167981"/>
+                  <a:pt x="675861" y="1143000"/>
+                </a:cubicBezTo>
+                <a:cubicBezTo>
+                  <a:pt x="627874" y="1095010"/>
+                  <a:pt x="688845" y="1153385"/>
+                  <a:pt x="626166" y="1103243"/>
+                </a:cubicBezTo>
+                <a:cubicBezTo>
+                  <a:pt x="618849" y="1097389"/>
+                  <a:pt x="613604" y="1089219"/>
+                  <a:pt x="606287" y="1083365"/>
+                </a:cubicBezTo>
+                <a:cubicBezTo>
+                  <a:pt x="596959" y="1075903"/>
+                  <a:pt x="585798" y="1070949"/>
+                  <a:pt x="576470" y="1063487"/>
+                </a:cubicBezTo>
+                <a:cubicBezTo>
+                  <a:pt x="569153" y="1057633"/>
+                  <a:pt x="564089" y="1049231"/>
+                  <a:pt x="556592" y="1043608"/>
+                </a:cubicBezTo>
+                <a:cubicBezTo>
+                  <a:pt x="537480" y="1029274"/>
+                  <a:pt x="513850" y="1020746"/>
+                  <a:pt x="496957" y="1003852"/>
+                </a:cubicBezTo>
+                <a:cubicBezTo>
+                  <a:pt x="474974" y="981868"/>
+                  <a:pt x="465000" y="967995"/>
+                  <a:pt x="437322" y="954156"/>
+                </a:cubicBezTo>
+                <a:cubicBezTo>
+                  <a:pt x="427951" y="949471"/>
+                  <a:pt x="417444" y="947530"/>
+                  <a:pt x="407505" y="944217"/>
+                </a:cubicBezTo>
+                <a:cubicBezTo>
+                  <a:pt x="390940" y="927652"/>
+                  <a:pt x="370804" y="914013"/>
+                  <a:pt x="357809" y="894521"/>
+                </a:cubicBezTo>
+                <a:cubicBezTo>
+                  <a:pt x="351183" y="884582"/>
+                  <a:pt x="346378" y="873150"/>
+                  <a:pt x="337931" y="864704"/>
+                </a:cubicBezTo>
+                <a:cubicBezTo>
+                  <a:pt x="329484" y="856257"/>
+                  <a:pt x="317103" y="852692"/>
+                  <a:pt x="308113" y="844826"/>
+                </a:cubicBezTo>
+                <a:cubicBezTo>
+                  <a:pt x="290483" y="829399"/>
+                  <a:pt x="274983" y="811695"/>
+                  <a:pt x="258418" y="795130"/>
+                </a:cubicBezTo>
+                <a:lnTo>
+                  <a:pt x="208722" y="745434"/>
+                </a:lnTo>
+                <a:cubicBezTo>
+                  <a:pt x="198783" y="735495"/>
+                  <a:pt x="186702" y="727312"/>
+                  <a:pt x="178905" y="715617"/>
+                </a:cubicBezTo>
+                <a:cubicBezTo>
+                  <a:pt x="172279" y="705678"/>
+                  <a:pt x="166893" y="694790"/>
+                  <a:pt x="159027" y="685800"/>
+                </a:cubicBezTo>
+                <a:cubicBezTo>
+                  <a:pt x="143600" y="668169"/>
+                  <a:pt x="109331" y="636104"/>
+                  <a:pt x="109331" y="636104"/>
+                </a:cubicBezTo>
+                <a:cubicBezTo>
+                  <a:pt x="106018" y="626165"/>
+                  <a:pt x="104782" y="615271"/>
+                  <a:pt x="99392" y="606287"/>
+                </a:cubicBezTo>
+                <a:cubicBezTo>
+                  <a:pt x="94571" y="598251"/>
+                  <a:pt x="83704" y="594790"/>
+                  <a:pt x="79513" y="586408"/>
+                </a:cubicBezTo>
+                <a:cubicBezTo>
+                  <a:pt x="70142" y="567667"/>
+                  <a:pt x="66261" y="546652"/>
+                  <a:pt x="59635" y="526774"/>
+                </a:cubicBezTo>
+                <a:lnTo>
+                  <a:pt x="39757" y="467139"/>
+                </a:lnTo>
+                <a:cubicBezTo>
+                  <a:pt x="36444" y="457200"/>
+                  <a:pt x="31540" y="447655"/>
+                  <a:pt x="29818" y="437321"/>
+                </a:cubicBezTo>
+                <a:cubicBezTo>
+                  <a:pt x="26505" y="417443"/>
+                  <a:pt x="22729" y="397637"/>
+                  <a:pt x="19879" y="377687"/>
+                </a:cubicBezTo>
+                <a:cubicBezTo>
+                  <a:pt x="16102" y="351245"/>
+                  <a:pt x="13470" y="324650"/>
+                  <a:pt x="9940" y="298174"/>
+                </a:cubicBezTo>
+                <a:cubicBezTo>
+                  <a:pt x="6844" y="274953"/>
+                  <a:pt x="3313" y="251791"/>
+                  <a:pt x="0" y="228600"/>
+                </a:cubicBezTo>
+                <a:cubicBezTo>
+                  <a:pt x="9838" y="120391"/>
+                  <a:pt x="-20122" y="135318"/>
+                  <a:pt x="39757" y="99391"/>
+                </a:cubicBezTo>
+                <a:cubicBezTo>
+                  <a:pt x="46109" y="95580"/>
+                  <a:pt x="59635" y="67917"/>
+                  <a:pt x="79513" y="59634"/>
+                </a:cubicBezTo>
+                <a:close/>
+              </a:path>
+            </a:pathLst>
+          </a:custGeom>
+          <a:noFill/>
+          <a:ln>
+            <a:solidFill>
+              <a:srgbClr val="C00000"/>
+            </a:solidFill>
+          </a:ln>
+        </p:spPr>
+        <p:style>
+          <a:lnRef idx="2">
+            <a:schemeClr val="accent1">
+              <a:shade val="50000"/>
+            </a:schemeClr>
+          </a:lnRef>
+          <a:fillRef idx="1">
+            <a:schemeClr val="accent1"/>
+          </a:fillRef>
+          <a:effectRef idx="0">
+            <a:schemeClr val="accent1"/>
+          </a:effectRef>
+          <a:fontRef idx="minor">
+            <a:schemeClr val="lt1"/>
+          </a:fontRef>
+        </p:style>
+        <p:txBody>
+          <a:bodyPr rtlCol="0" anchor="ctr"/>
+          <a:lstStyle/>
+          <a:p>
+            <a:pPr algn="ctr"/>
+            <a:endParaRPr lang="en-US"/>
+          </a:p>
+        </p:txBody>
+      </p:sp>
+      <p:sp>
+        <p:nvSpPr>
+          <p:cNvPr id="25" name="TextBox 24">
+            <a:extLst>
+              <a:ext uri="{FF2B5EF4-FFF2-40B4-BE49-F238E27FC236}">
+                <a16:creationId xmlns:a16="http://schemas.microsoft.com/office/drawing/2014/main" id="{D82646C4-3E17-0F4D-B271-79FB526BD25D}"/>
+              </a:ext>
+            </a:extLst>
+          </p:cNvPr>
+          <p:cNvSpPr txBox="1"/>
+          <p:nvPr/>
+        </p:nvSpPr>
+        <p:spPr>
+          <a:xfrm>
+            <a:off x="187373" y="1872258"/>
+            <a:ext cx="1086003" cy="369332"/>
+          </a:xfrm>
+          <a:prstGeom prst="rect">
+            <a:avLst/>
+          </a:prstGeom>
+          <a:noFill/>
+        </p:spPr>
+        <p:txBody>
+          <a:bodyPr wrap="none" lIns="0" tIns="0" rIns="0" bIns="0" rtlCol="0">
+            <a:spAutoFit/>
+          </a:bodyPr>
+          <a:lstStyle/>
+          <a:p>
+            <a:r>
+              <a:rPr lang="en-US" sz="1200" dirty="0">
+                <a:solidFill>
+                  <a:srgbClr val="C00000"/>
+                </a:solidFill>
+              </a:rPr>
+              <a:t>Datasets must </a:t>
+            </a:r>
+            <a:br>
+              <a:rPr lang="en-US" sz="1200" dirty="0">
+                <a:solidFill>
+                  <a:srgbClr val="C00000"/>
+                </a:solidFill>
+              </a:rPr>
+            </a:br>
+            <a:r>
+              <a:rPr lang="en-US" sz="1200" dirty="0">
+                <a:solidFill>
+                  <a:srgbClr val="C00000"/>
+                </a:solidFill>
+              </a:rPr>
+              <a:t>have a single title</a:t>
+            </a:r>
+          </a:p>
+        </p:txBody>
+      </p:sp>
+      <p:sp>
+        <p:nvSpPr>
+          <p:cNvPr id="26" name="TextBox 25">
+            <a:extLst>
+              <a:ext uri="{FF2B5EF4-FFF2-40B4-BE49-F238E27FC236}">
+                <a16:creationId xmlns:a16="http://schemas.microsoft.com/office/drawing/2014/main" id="{2E7ECFBA-48F6-2B42-A73A-36667EF640FD}"/>
+              </a:ext>
+            </a:extLst>
+          </p:cNvPr>
+          <p:cNvSpPr txBox="1"/>
+          <p:nvPr/>
+        </p:nvSpPr>
+        <p:spPr>
+          <a:xfrm>
+            <a:off x="2777123" y="4828253"/>
+            <a:ext cx="1808252" cy="553998"/>
+          </a:xfrm>
+          <a:prstGeom prst="rect">
+            <a:avLst/>
+          </a:prstGeom>
+          <a:noFill/>
+        </p:spPr>
+        <p:txBody>
+          <a:bodyPr wrap="none" lIns="0" tIns="0" rIns="0" bIns="0" rtlCol="0">
+            <a:spAutoFit/>
+          </a:bodyPr>
+          <a:lstStyle/>
+          <a:p>
+            <a:r>
+              <a:rPr lang="en-US" sz="1200" dirty="0">
+                <a:solidFill>
+                  <a:srgbClr val="C00000"/>
+                </a:solidFill>
+              </a:rPr>
+              <a:t>Distributions must have at </a:t>
+            </a:r>
+            <a:br>
+              <a:rPr lang="en-US" sz="1200" dirty="0">
+                <a:solidFill>
+                  <a:srgbClr val="C00000"/>
+                </a:solidFill>
+              </a:rPr>
+            </a:br>
+            <a:r>
+              <a:rPr lang="en-US" sz="1200" dirty="0">
+                <a:solidFill>
+                  <a:srgbClr val="C00000"/>
+                </a:solidFill>
+              </a:rPr>
+              <a:t>least one Policy with at least </a:t>
+            </a:r>
+            <a:br>
+              <a:rPr lang="en-US" sz="1200" dirty="0">
+                <a:solidFill>
+                  <a:srgbClr val="C00000"/>
+                </a:solidFill>
+              </a:rPr>
+            </a:br>
+            <a:r>
+              <a:rPr lang="en-US" sz="1200" dirty="0">
+                <a:solidFill>
+                  <a:srgbClr val="C00000"/>
+                </a:solidFill>
+              </a:rPr>
+              <a:t>one Permission</a:t>
+            </a:r>
+          </a:p>
+        </p:txBody>
+      </p:sp>
+      <p:sp>
+        <p:nvSpPr>
+          <p:cNvPr id="27" name="TextBox 26">
+            <a:extLst>
+              <a:ext uri="{FF2B5EF4-FFF2-40B4-BE49-F238E27FC236}">
+                <a16:creationId xmlns:a16="http://schemas.microsoft.com/office/drawing/2014/main" id="{C7CF701C-5570-B847-BC73-5BB92B554761}"/>
+              </a:ext>
+            </a:extLst>
+          </p:cNvPr>
+          <p:cNvSpPr txBox="1"/>
+          <p:nvPr/>
+        </p:nvSpPr>
+        <p:spPr>
+          <a:xfrm>
+            <a:off x="3718705" y="2306904"/>
+            <a:ext cx="2071721" cy="369332"/>
+          </a:xfrm>
+          <a:prstGeom prst="rect">
+            <a:avLst/>
+          </a:prstGeom>
+          <a:noFill/>
+        </p:spPr>
+        <p:txBody>
+          <a:bodyPr wrap="none" lIns="0" tIns="0" rIns="0" bIns="0" rtlCol="0">
+            <a:spAutoFit/>
+          </a:bodyPr>
+          <a:lstStyle/>
+          <a:p>
+            <a:r>
+              <a:rPr lang="en-US" sz="1200" dirty="0">
+                <a:solidFill>
+                  <a:srgbClr val="C00000"/>
+                </a:solidFill>
+              </a:rPr>
+              <a:t>Datasets must have at least one </a:t>
+            </a:r>
+            <a:br>
+              <a:rPr lang="en-US" sz="1200" dirty="0">
+                <a:solidFill>
+                  <a:srgbClr val="C00000"/>
+                </a:solidFill>
+              </a:rPr>
+            </a:br>
+            <a:r>
+              <a:rPr lang="en-US" sz="1200" dirty="0">
+                <a:solidFill>
+                  <a:srgbClr val="C00000"/>
+                </a:solidFill>
+              </a:rPr>
+              <a:t>EUDMcategory classifying theme</a:t>
+            </a:r>
+          </a:p>
+        </p:txBody>
+      </p:sp>
+      <p:sp>
+        <p:nvSpPr>
+          <p:cNvPr id="28" name="Rounded Rectangle 27">
+            <a:extLst>
+              <a:ext uri="{FF2B5EF4-FFF2-40B4-BE49-F238E27FC236}">
+                <a16:creationId xmlns:a16="http://schemas.microsoft.com/office/drawing/2014/main" id="{A77CD3D5-D180-624A-9003-3572A64A1765}"/>
+              </a:ext>
+            </a:extLst>
+          </p:cNvPr>
+          <p:cNvSpPr/>
+          <p:nvPr/>
+        </p:nvSpPr>
+        <p:spPr>
+          <a:xfrm>
+            <a:off x="121595" y="2924715"/>
+            <a:ext cx="1248936" cy="657922"/>
+          </a:xfrm>
+          <a:prstGeom prst="roundRect">
+            <a:avLst/>
+          </a:prstGeom>
+          <a:pattFill prst="openDmnd">
+            <a:fgClr>
+              <a:schemeClr val="bg1">
+                <a:lumMod val="85000"/>
+              </a:schemeClr>
+            </a:fgClr>
+            <a:bgClr>
+              <a:schemeClr val="bg1"/>
+            </a:bgClr>
+          </a:pattFill>
+          <a:ln>
+            <a:solidFill>
+              <a:schemeClr val="tx1"/>
+            </a:solidFill>
+          </a:ln>
+        </p:spPr>
+        <p:style>
+          <a:lnRef idx="2">
+            <a:schemeClr val="accent1">
+              <a:shade val="50000"/>
+            </a:schemeClr>
+          </a:lnRef>
+          <a:fillRef idx="1">
+            <a:schemeClr val="accent1"/>
+          </a:fillRef>
+          <a:effectRef idx="0">
+            <a:schemeClr val="accent1"/>
+          </a:effectRef>
+          <a:fontRef idx="minor">
+            <a:schemeClr val="lt1"/>
+          </a:fontRef>
+        </p:style>
+        <p:txBody>
+          <a:bodyPr rtlCol="0" anchor="ctr"/>
+          <a:lstStyle/>
+          <a:p>
+            <a:pPr algn="ctr"/>
+            <a:r>
+              <a:rPr lang="en-US" sz="1200">
+                <a:solidFill>
+                  <a:schemeClr val="tx1"/>
+                </a:solidFill>
+              </a:rPr>
+              <a:t>Commonly used DCAT classes</a:t>
+            </a:r>
+          </a:p>
+        </p:txBody>
+      </p:sp>
+      <p:sp>
+        <p:nvSpPr>
+          <p:cNvPr id="29" name="TextBox 28">
+            <a:extLst>
+              <a:ext uri="{FF2B5EF4-FFF2-40B4-BE49-F238E27FC236}">
+                <a16:creationId xmlns:a16="http://schemas.microsoft.com/office/drawing/2014/main" id="{85054328-1F6A-0A4E-A5CE-477566D9E1B7}"/>
+              </a:ext>
+            </a:extLst>
+          </p:cNvPr>
+          <p:cNvSpPr txBox="1"/>
+          <p:nvPr/>
+        </p:nvSpPr>
+        <p:spPr>
+          <a:xfrm>
+            <a:off x="200722" y="2414632"/>
+            <a:ext cx="1090683" cy="307777"/>
+          </a:xfrm>
+          <a:prstGeom prst="rect">
+            <a:avLst/>
+          </a:prstGeom>
+          <a:noFill/>
+        </p:spPr>
+        <p:txBody>
+          <a:bodyPr wrap="none" rtlCol="0">
+            <a:spAutoFit/>
+          </a:bodyPr>
+          <a:lstStyle/>
+          <a:p>
+            <a:r>
+              <a:rPr lang="en-US" sz="1400" u="sng"/>
+              <a:t>Element Key</a:t>
+            </a:r>
+          </a:p>
+        </p:txBody>
+      </p:sp>
+      <p:cxnSp>
+        <p:nvCxnSpPr>
+          <p:cNvPr id="32" name="Straight Arrow Connector 31">
+            <a:extLst>
+              <a:ext uri="{FF2B5EF4-FFF2-40B4-BE49-F238E27FC236}">
+                <a16:creationId xmlns:a16="http://schemas.microsoft.com/office/drawing/2014/main" id="{E736BF95-FF13-AB41-8C7F-BCCA04698A91}"/>
+              </a:ext>
+            </a:extLst>
+          </p:cNvPr>
+          <p:cNvCxnSpPr>
+            <a:cxnSpLocks/>
+          </p:cNvCxnSpPr>
+          <p:nvPr/>
+        </p:nvCxnSpPr>
+        <p:spPr>
+          <a:xfrm flipV="1">
+            <a:off x="182742" y="3717381"/>
+            <a:ext cx="0" cy="423747"/>
+          </a:xfrm>
+          <a:prstGeom prst="straightConnector1">
+            <a:avLst/>
+          </a:prstGeom>
+          <a:ln>
+            <a:solidFill>
+              <a:schemeClr val="tx1"/>
+            </a:solidFill>
+            <a:prstDash val="dash"/>
+            <a:headEnd type="none" w="med" len="med"/>
+            <a:tailEnd type="arrow" w="med" len="med"/>
+          </a:ln>
+        </p:spPr>
+        <p:style>
+          <a:lnRef idx="1">
+            <a:schemeClr val="accent1"/>
+          </a:lnRef>
+          <a:fillRef idx="0">
+            <a:schemeClr val="accent1"/>
+          </a:fillRef>
+          <a:effectRef idx="0">
+            <a:schemeClr val="accent1"/>
+          </a:effectRef>
+          <a:fontRef idx="minor">
+            <a:schemeClr val="tx1"/>
+          </a:fontRef>
+        </p:style>
+      </p:cxnSp>
+      <p:sp>
+        <p:nvSpPr>
+          <p:cNvPr id="33" name="TextBox 32">
+            <a:extLst>
+              <a:ext uri="{FF2B5EF4-FFF2-40B4-BE49-F238E27FC236}">
+                <a16:creationId xmlns:a16="http://schemas.microsoft.com/office/drawing/2014/main" id="{3B848853-4B77-334B-B7FA-7A0ED6B42184}"/>
+              </a:ext>
+            </a:extLst>
+          </p:cNvPr>
+          <p:cNvSpPr txBox="1"/>
+          <p:nvPr/>
+        </p:nvSpPr>
+        <p:spPr>
+          <a:xfrm>
+            <a:off x="225025" y="3790754"/>
+            <a:ext cx="1145506" cy="276999"/>
+          </a:xfrm>
+          <a:prstGeom prst="rect">
+            <a:avLst/>
+          </a:prstGeom>
+          <a:noFill/>
+        </p:spPr>
+        <p:txBody>
+          <a:bodyPr wrap="none" rtlCol="0">
+            <a:spAutoFit/>
+          </a:bodyPr>
+          <a:lstStyle/>
+          <a:p>
+            <a:r>
+              <a:rPr lang="en-US" sz="1200"/>
+              <a:t>rdfs:subClassOf</a:t>
+            </a:r>
+          </a:p>
+        </p:txBody>
+      </p:sp>
+      <p:cxnSp>
+        <p:nvCxnSpPr>
+          <p:cNvPr id="34" name="Straight Arrow Connector 33">
+            <a:extLst>
+              <a:ext uri="{FF2B5EF4-FFF2-40B4-BE49-F238E27FC236}">
+                <a16:creationId xmlns:a16="http://schemas.microsoft.com/office/drawing/2014/main" id="{2906B845-F552-0148-987D-03CE36C3DF3A}"/>
+              </a:ext>
+            </a:extLst>
+          </p:cNvPr>
+          <p:cNvCxnSpPr>
+            <a:cxnSpLocks/>
+            <a:stCxn id="8" idx="3"/>
+            <a:endCxn id="55" idx="1"/>
+          </p:cNvCxnSpPr>
+          <p:nvPr/>
+        </p:nvCxnSpPr>
+        <p:spPr>
+          <a:xfrm>
+            <a:off x="4465281" y="1250410"/>
+            <a:ext cx="396594" cy="4531"/>
+          </a:xfrm>
+          <a:prstGeom prst="straightConnector1">
+            <a:avLst/>
+          </a:prstGeom>
+          <a:ln>
+            <a:solidFill>
+              <a:schemeClr val="tx1"/>
+            </a:solidFill>
+            <a:prstDash val="dash"/>
+            <a:headEnd type="none" w="med" len="med"/>
+            <a:tailEnd type="arrow" w="med" len="med"/>
+          </a:ln>
+        </p:spPr>
+        <p:style>
+          <a:lnRef idx="1">
+            <a:schemeClr val="accent1"/>
+          </a:lnRef>
+          <a:fillRef idx="0">
+            <a:schemeClr val="accent1"/>
+          </a:fillRef>
+          <a:effectRef idx="0">
+            <a:schemeClr val="accent1"/>
+          </a:effectRef>
+          <a:fontRef idx="minor">
+            <a:schemeClr val="tx1"/>
+          </a:fontRef>
+        </p:style>
+      </p:cxnSp>
+    </p:spTree>
+    <p:extLst>
+      <p:ext uri="{BB962C8B-B14F-4D97-AF65-F5344CB8AC3E}">
+        <p14:creationId xmlns:p14="http://schemas.microsoft.com/office/powerpoint/2010/main" val="269294721"/>
       </p:ext>
     </p:extLst>
   </p:cSld>
